--- a/Praesi/FE-Schulung Praesentation.pptx
+++ b/Praesi/FE-Schulung Praesentation.pptx
@@ -10,30 +10,32 @@
     <p:sldMasterId id="2147486540" r:id="rId6"/>
   </p:sldMasterIdLst>
   <p:notesMasterIdLst>
-    <p:notesMasterId r:id="rId25"/>
+    <p:notesMasterId r:id="rId27"/>
   </p:notesMasterIdLst>
   <p:handoutMasterIdLst>
-    <p:handoutMasterId r:id="rId26"/>
+    <p:handoutMasterId r:id="rId28"/>
   </p:handoutMasterIdLst>
   <p:sldIdLst>
     <p:sldId id="259" r:id="rId7"/>
     <p:sldId id="279" r:id="rId8"/>
-    <p:sldId id="492" r:id="rId9"/>
-    <p:sldId id="493" r:id="rId10"/>
-    <p:sldId id="494" r:id="rId11"/>
-    <p:sldId id="495" r:id="rId12"/>
-    <p:sldId id="496" r:id="rId13"/>
-    <p:sldId id="497" r:id="rId14"/>
-    <p:sldId id="498" r:id="rId15"/>
-    <p:sldId id="500" r:id="rId16"/>
-    <p:sldId id="499" r:id="rId17"/>
-    <p:sldId id="501" r:id="rId18"/>
-    <p:sldId id="503" r:id="rId19"/>
-    <p:sldId id="504" r:id="rId20"/>
-    <p:sldId id="502" r:id="rId21"/>
-    <p:sldId id="505" r:id="rId22"/>
-    <p:sldId id="506" r:id="rId23"/>
-    <p:sldId id="507" r:id="rId24"/>
+    <p:sldId id="509" r:id="rId9"/>
+    <p:sldId id="492" r:id="rId10"/>
+    <p:sldId id="493" r:id="rId11"/>
+    <p:sldId id="494" r:id="rId12"/>
+    <p:sldId id="495" r:id="rId13"/>
+    <p:sldId id="496" r:id="rId14"/>
+    <p:sldId id="497" r:id="rId15"/>
+    <p:sldId id="498" r:id="rId16"/>
+    <p:sldId id="500" r:id="rId17"/>
+    <p:sldId id="499" r:id="rId18"/>
+    <p:sldId id="501" r:id="rId19"/>
+    <p:sldId id="503" r:id="rId20"/>
+    <p:sldId id="504" r:id="rId21"/>
+    <p:sldId id="502" r:id="rId22"/>
+    <p:sldId id="505" r:id="rId23"/>
+    <p:sldId id="506" r:id="rId24"/>
+    <p:sldId id="507" r:id="rId25"/>
+    <p:sldId id="508" r:id="rId26"/>
   </p:sldIdLst>
   <p:sldSz cx="9144000" cy="5143500" type="screen16x9"/>
   <p:notesSz cx="10234613" cy="7099300"/>
@@ -169,6 +171,7 @@
           <p14:sldIdLst>
             <p14:sldId id="259"/>
             <p14:sldId id="279"/>
+            <p14:sldId id="509"/>
             <p14:sldId id="492"/>
             <p14:sldId id="493"/>
             <p14:sldId id="494"/>
@@ -185,6 +188,7 @@
             <p14:sldId id="505"/>
             <p14:sldId id="506"/>
             <p14:sldId id="507"/>
+            <p14:sldId id="508"/>
           </p14:sldIdLst>
         </p14:section>
       </p14:sectionLst>
@@ -315,7 +319,7 @@
           <a:p>
             <a:fld id="{5E42E860-B07B-4BE4-A358-247042C1D2BF}" type="datetimeFigureOut">
               <a:rPr lang="de-DE" smtClean="0"/>
-              <a:t>09.03.2018</a:t>
+              <a:t>12.03.2018</a:t>
             </a:fld>
             <a:endParaRPr lang="de-DE"/>
           </a:p>
@@ -480,7 +484,7 @@
           <a:p>
             <a:fld id="{A4EF17EC-6D8A-4D39-9C28-C90EACA175B8}" type="datetimeFigureOut">
               <a:rPr lang="de-DE" smtClean="0"/>
-              <a:t>09.03.2018</a:t>
+              <a:t>12.03.2018</a:t>
             </a:fld>
             <a:endParaRPr lang="de-DE"/>
           </a:p>
@@ -1002,144 +1006,198 @@
           <a:bodyPr/>
           <a:lstStyle/>
           <a:p>
-            <a:r>
-              <a:rPr lang="de-DE" sz="1200" dirty="0"/>
-              <a:t>Es gibt 3 Möglichkeiten, um CSS </a:t>
-            </a:r>
-            <a:r>
-              <a:rPr lang="de-DE" sz="1200" dirty="0" err="1"/>
-              <a:t>StyleSheets</a:t>
-            </a:r>
-            <a:r>
-              <a:rPr lang="de-DE" sz="1200" dirty="0"/>
-              <a:t> einbinden</a:t>
-            </a:r>
-          </a:p>
-          <a:p>
-            <a:endParaRPr lang="de-DE" sz="1200" dirty="0"/>
-          </a:p>
-          <a:p>
-            <a:pPr marL="0" marR="0" lvl="0" indent="0" algn="l" defTabSz="914400" rtl="0" eaLnBrk="1" fontAlgn="auto" latinLnBrk="0" hangingPunct="1">
-              <a:lnSpc>
-                <a:spcPct val="100000"/>
-              </a:lnSpc>
-              <a:spcBef>
-                <a:spcPts val="0"/>
-              </a:spcBef>
-              <a:spcAft>
-                <a:spcPts val="0"/>
-              </a:spcAft>
-              <a:buClrTx/>
-              <a:buSzTx/>
+            <a:pPr marL="171450" indent="-171450">
+              <a:buFontTx/>
+              <a:buChar char="-"/>
+            </a:pPr>
+            <a:r>
+              <a:rPr lang="de-DE" b="0" dirty="0"/>
+              <a:t>Es gibt verschiedene Arten von Selektoren</a:t>
+            </a:r>
+          </a:p>
+          <a:p>
+            <a:pPr marL="171450" indent="-171450">
+              <a:buFontTx/>
+              <a:buChar char="-"/>
+            </a:pPr>
+            <a:r>
+              <a:rPr lang="de-DE" b="0" dirty="0"/>
+              <a:t>3 näher vorstellen:</a:t>
+            </a:r>
+          </a:p>
+          <a:p>
+            <a:pPr marL="0" indent="0">
               <a:buFontTx/>
               <a:buNone/>
-              <a:tabLst/>
-              <a:defRPr/>
             </a:pPr>
             <a:r>
-              <a:rPr lang="de-DE" sz="1200" dirty="0"/>
-              <a:t>-direkt im Quellcode</a:t>
-            </a:r>
-          </a:p>
-          <a:p>
-            <a:pPr marL="0" marR="0" lvl="0" indent="0" algn="l" defTabSz="914400" rtl="0" eaLnBrk="1" fontAlgn="auto" latinLnBrk="0" hangingPunct="1">
-              <a:lnSpc>
-                <a:spcPct val="100000"/>
-              </a:lnSpc>
-              <a:spcBef>
-                <a:spcPts val="0"/>
-              </a:spcBef>
-              <a:spcAft>
-                <a:spcPts val="0"/>
-              </a:spcAft>
-              <a:buClrTx/>
-              <a:buSzTx/>
-              <a:buFontTx/>
-              <a:buNone/>
-              <a:tabLst/>
-              <a:defRPr/>
-            </a:pPr>
-            <a:r>
-              <a:rPr lang="de-DE" sz="1200" dirty="0"/>
-              <a:t>	</a:t>
-            </a:r>
-            <a:r>
-              <a:rPr lang="de-DE" sz="1200" dirty="0">
+              <a:rPr lang="de-DE" b="0" dirty="0">
                 <a:sym typeface="Wingdings" panose="05000000000000000000" pitchFamily="2" charset="2"/>
               </a:rPr>
-              <a:t>sollte man gar nicht machen!</a:t>
-            </a:r>
-            <a:endParaRPr lang="de-DE" sz="1200" dirty="0"/>
-          </a:p>
-          <a:p>
-            <a:r>
-              <a:rPr lang="de-DE" sz="1200" dirty="0"/>
-              <a:t>-ausgelagert in extra CSS-Datei</a:t>
-            </a:r>
-          </a:p>
-          <a:p>
-            <a:r>
-              <a:rPr lang="de-DE" sz="1200" dirty="0">
+              <a:t></a:t>
+            </a:r>
+            <a:r>
+              <a:rPr lang="de-DE" b="1" dirty="0">
                 <a:sym typeface="Wingdings" panose="05000000000000000000" pitchFamily="2" charset="2"/>
               </a:rPr>
-              <a:t>	 wird über &lt;link&gt; eingebunden</a:t>
-            </a:r>
-          </a:p>
-          <a:p>
-            <a:r>
-              <a:rPr lang="de-DE" sz="1200" dirty="0">
-                <a:sym typeface="Wingdings" panose="05000000000000000000" pitchFamily="2" charset="2"/>
-              </a:rPr>
-              <a:t>	 </a:t>
-            </a:r>
-            <a:r>
-              <a:rPr lang="de-DE" sz="1200" dirty="0" err="1">
-                <a:sym typeface="Wingdings" panose="05000000000000000000" pitchFamily="2" charset="2"/>
-              </a:rPr>
-              <a:t>best</a:t>
-            </a:r>
-            <a:r>
-              <a:rPr lang="de-DE" sz="1200" dirty="0">
+              <a:t>Typselektor:</a:t>
+            </a:r>
+            <a:r>
+              <a:rPr lang="de-DE" b="0" dirty="0">
                 <a:sym typeface="Wingdings" panose="05000000000000000000" pitchFamily="2" charset="2"/>
               </a:rPr>
               <a:t> </a:t>
             </a:r>
-            <a:r>
-              <a:rPr lang="de-DE" sz="1200" dirty="0" err="1">
+            <a:br>
+              <a:rPr lang="de-DE" b="0" dirty="0">
                 <a:sym typeface="Wingdings" panose="05000000000000000000" pitchFamily="2" charset="2"/>
               </a:rPr>
-              <a:t>practice</a:t>
-            </a:r>
-            <a:endParaRPr lang="de-DE" sz="1200" dirty="0"/>
-          </a:p>
-          <a:p>
-            <a:pPr marL="0" marR="0" lvl="0" indent="0" algn="l" defTabSz="914400" rtl="0" eaLnBrk="1" fontAlgn="auto" latinLnBrk="0" hangingPunct="1">
-              <a:lnSpc>
-                <a:spcPct val="100000"/>
-              </a:lnSpc>
-              <a:spcBef>
-                <a:spcPts val="0"/>
-              </a:spcBef>
-              <a:spcAft>
-                <a:spcPts val="0"/>
-              </a:spcAft>
-              <a:buClrTx/>
-              <a:buSzTx/>
+            </a:br>
+            <a:r>
+              <a:rPr lang="de-DE" b="0" dirty="0">
+                <a:sym typeface="Wingdings" panose="05000000000000000000" pitchFamily="2" charset="2"/>
+              </a:rPr>
+              <a:t>-</a:t>
+            </a:r>
+            <a:r>
+              <a:rPr lang="de-DE" dirty="0"/>
+              <a:t>besteht aus dem Namen des Elements z.B. &lt;p&gt;, &lt;h1&gt;</a:t>
+            </a:r>
+            <a:br>
+              <a:rPr lang="de-DE" dirty="0"/>
+            </a:br>
+            <a:r>
+              <a:rPr lang="de-DE" dirty="0"/>
+              <a:t>-Mit diesem Selektor werden alle Elemente eines Typs angesprochen.</a:t>
+            </a:r>
+          </a:p>
+          <a:p>
+            <a:pPr marL="0" indent="0">
               <a:buFontTx/>
               <a:buNone/>
-              <a:tabLst/>
-              <a:defRPr/>
             </a:pPr>
             <a:r>
-              <a:rPr lang="de-DE" sz="1200" dirty="0"/>
-              <a:t>-am Anfang der HTML-Datei</a:t>
-            </a:r>
-          </a:p>
-          <a:p>
-            <a:endParaRPr lang="de-DE" sz="1200" dirty="0"/>
-          </a:p>
-          <a:p>
-            <a:endParaRPr lang="de-DE" dirty="0"/>
+              <a:rPr lang="de-DE" dirty="0"/>
+              <a:t>-Nachteil: wenn man einem h1 Element ein Style gibt, erhalten alle im HTML späteren h1 Elemente Style</a:t>
+            </a:r>
+          </a:p>
+          <a:p>
+            <a:pPr marL="0" indent="0">
+              <a:buFontTx/>
+              <a:buNone/>
+            </a:pPr>
+            <a:br>
+              <a:rPr lang="de-DE" dirty="0"/>
+            </a:br>
+            <a:r>
+              <a:rPr lang="de-DE" dirty="0">
+                <a:sym typeface="Wingdings" panose="05000000000000000000" pitchFamily="2" charset="2"/>
+              </a:rPr>
+              <a:t></a:t>
+            </a:r>
+            <a:r>
+              <a:rPr lang="de-DE" b="1" dirty="0"/>
+              <a:t>ID-Selektor: </a:t>
+            </a:r>
+          </a:p>
+          <a:p>
+            <a:pPr marL="0" indent="0">
+              <a:buFontTx/>
+              <a:buNone/>
+            </a:pPr>
+            <a:r>
+              <a:rPr lang="de-DE" b="0" dirty="0"/>
+              <a:t>-mit </a:t>
+            </a:r>
+            <a:r>
+              <a:rPr lang="de-DE" b="0" dirty="0" err="1"/>
+              <a:t>Id</a:t>
+            </a:r>
+            <a:r>
+              <a:rPr lang="de-DE" b="0" dirty="0"/>
+              <a:t> kann man auch ein Element ansprechen</a:t>
+            </a:r>
+          </a:p>
+          <a:p>
+            <a:pPr marL="0" indent="0">
+              <a:buFontTx/>
+              <a:buNone/>
+            </a:pPr>
+            <a:r>
+              <a:rPr lang="de-DE" b="0" dirty="0"/>
+              <a:t>-Nachteil: </a:t>
+            </a:r>
+            <a:r>
+              <a:rPr lang="de-DE" dirty="0"/>
+              <a:t>Eine ID darf auf einer Seite nur einmal verwendet werden.</a:t>
+            </a:r>
+          </a:p>
+          <a:p>
+            <a:pPr marL="0" indent="0">
+              <a:buFontTx/>
+              <a:buNone/>
+            </a:pPr>
+            <a:r>
+              <a:rPr lang="de-DE" b="0" dirty="0"/>
+              <a:t>-IDs sind nicht vererbbar, verursachen unsauberen Code</a:t>
+            </a:r>
+          </a:p>
+          <a:p>
+            <a:pPr marL="0" indent="0">
+              <a:buFontTx/>
+              <a:buNone/>
+            </a:pPr>
+            <a:endParaRPr lang="de-DE" b="1" dirty="0"/>
+          </a:p>
+          <a:p>
+            <a:pPr marL="0" indent="0">
+              <a:buFontTx/>
+              <a:buNone/>
+            </a:pPr>
+            <a:r>
+              <a:rPr lang="de-DE" dirty="0">
+                <a:sym typeface="Wingdings" panose="05000000000000000000" pitchFamily="2" charset="2"/>
+              </a:rPr>
+              <a:t></a:t>
+            </a:r>
+            <a:r>
+              <a:rPr lang="de-DE" b="1" dirty="0"/>
+              <a:t>Klassenselektor:</a:t>
+            </a:r>
+            <a:r>
+              <a:rPr lang="de-DE" dirty="0"/>
+              <a:t> spricht Elemente an, die einer bestimmten Klasse zugehörend sind</a:t>
+            </a:r>
+          </a:p>
+          <a:p>
+            <a:pPr marL="0" indent="0">
+              <a:buFontTx/>
+              <a:buNone/>
+            </a:pPr>
+            <a:r>
+              <a:rPr lang="de-DE" dirty="0"/>
+              <a:t>-kann unabhängig vom HTML-TAG verwendet werden u. verschiedenen HTML-TAGs zugewiesen werden</a:t>
+            </a:r>
+          </a:p>
+          <a:p>
+            <a:pPr marL="0" indent="0">
+              <a:buFontTx/>
+              <a:buNone/>
+            </a:pPr>
+            <a:r>
+              <a:rPr lang="de-DE" dirty="0"/>
+              <a:t>-nicht wie bei IDs!</a:t>
+            </a:r>
+          </a:p>
+          <a:p>
+            <a:pPr marL="0" indent="0">
+              <a:buFontTx/>
+              <a:buNone/>
+            </a:pPr>
+            <a:br>
+              <a:rPr lang="de-DE" dirty="0"/>
+            </a:br>
+            <a:endParaRPr lang="de-DE" b="0" dirty="0"/>
           </a:p>
         </p:txBody>
       </p:sp>
@@ -1169,7 +1227,7 @@
     </p:spTree>
     <p:extLst>
       <p:ext uri="{BB962C8B-B14F-4D97-AF65-F5344CB8AC3E}">
-        <p14:creationId xmlns:p14="http://schemas.microsoft.com/office/powerpoint/2010/main" val="165473284"/>
+        <p14:creationId xmlns:p14="http://schemas.microsoft.com/office/powerpoint/2010/main" val="3091359653"/>
       </p:ext>
     </p:extLst>
   </p:cSld>
@@ -1224,234 +1282,142 @@
           <a:lstStyle/>
           <a:p>
             <a:r>
-              <a:rPr lang="de-DE" b="0" dirty="0"/>
-              <a:t>- </a:t>
-            </a:r>
-            <a:r>
-              <a:rPr lang="de-DE" b="0" dirty="0" err="1"/>
-              <a:t>Sass</a:t>
-            </a:r>
-            <a:r>
-              <a:rPr lang="de-DE" b="0" dirty="0"/>
-              <a:t> heißt </a:t>
-            </a:r>
-            <a:r>
-              <a:rPr lang="de-DE" i="1" dirty="0" err="1"/>
-              <a:t>Syntactically</a:t>
-            </a:r>
-            <a:r>
-              <a:rPr lang="de-DE" i="1" dirty="0"/>
-              <a:t> </a:t>
-            </a:r>
-            <a:r>
-              <a:rPr lang="de-DE" i="1" dirty="0" err="1"/>
-              <a:t>Awesome</a:t>
-            </a:r>
-            <a:r>
-              <a:rPr lang="de-DE" i="1" dirty="0"/>
-              <a:t> Stylesheets </a:t>
-            </a:r>
-          </a:p>
-          <a:p>
-            <a:pPr marL="171450" indent="-171450">
+              <a:rPr lang="de-DE" sz="1200" dirty="0"/>
+              <a:t>Es gibt 3 Möglichkeiten, um CSS </a:t>
+            </a:r>
+            <a:r>
+              <a:rPr lang="de-DE" sz="1200" dirty="0" err="1"/>
+              <a:t>StyleSheets</a:t>
+            </a:r>
+            <a:r>
+              <a:rPr lang="de-DE" sz="1200" dirty="0"/>
+              <a:t> einbinden</a:t>
+            </a:r>
+          </a:p>
+          <a:p>
+            <a:endParaRPr lang="de-DE" sz="1200" dirty="0"/>
+          </a:p>
+          <a:p>
+            <a:pPr marL="0" marR="0" lvl="0" indent="0" algn="l" defTabSz="914400" rtl="0" eaLnBrk="1" fontAlgn="auto" latinLnBrk="0" hangingPunct="1">
+              <a:lnSpc>
+                <a:spcPct val="100000"/>
+              </a:lnSpc>
+              <a:spcBef>
+                <a:spcPts val="0"/>
+              </a:spcBef>
+              <a:spcAft>
+                <a:spcPts val="0"/>
+              </a:spcAft>
+              <a:buClrTx/>
+              <a:buSzTx/>
               <a:buFontTx/>
-              <a:buChar char="-"/>
+              <a:buNone/>
+              <a:tabLst/>
+              <a:defRPr/>
             </a:pPr>
             <a:r>
-              <a:rPr lang="de-DE" i="0" dirty="0"/>
-              <a:t>ist eine vereinfachte Stylesheet Sprache</a:t>
-            </a:r>
-          </a:p>
-          <a:p>
-            <a:pPr marL="171450" indent="-171450">
+              <a:rPr lang="de-DE" sz="1200" dirty="0"/>
+              <a:t>-direkt im Quellcode</a:t>
+            </a:r>
+          </a:p>
+          <a:p>
+            <a:pPr marL="0" marR="0" lvl="0" indent="0" algn="l" defTabSz="914400" rtl="0" eaLnBrk="1" fontAlgn="auto" latinLnBrk="0" hangingPunct="1">
+              <a:lnSpc>
+                <a:spcPct val="100000"/>
+              </a:lnSpc>
+              <a:spcBef>
+                <a:spcPts val="0"/>
+              </a:spcBef>
+              <a:spcAft>
+                <a:spcPts val="0"/>
+              </a:spcAft>
+              <a:buClrTx/>
+              <a:buSzTx/>
               <a:buFontTx/>
-              <a:buChar char="-"/>
+              <a:buNone/>
+              <a:tabLst/>
+              <a:defRPr/>
             </a:pPr>
             <a:r>
-              <a:rPr lang="de-DE" dirty="0"/>
-              <a:t>zwei verschiedene </a:t>
-            </a:r>
-            <a:r>
-              <a:rPr lang="de-DE" dirty="0" err="1"/>
-              <a:t>Syntaxen</a:t>
-            </a:r>
-            <a:r>
-              <a:rPr lang="de-DE" dirty="0"/>
-              <a:t>:</a:t>
-            </a:r>
-          </a:p>
-          <a:p>
-            <a:pPr marL="628650" lvl="1" indent="-171450">
-              <a:buFont typeface="Wingdings" panose="05000000000000000000" pitchFamily="2" charset="2"/>
-              <a:buChar char="à"/>
-            </a:pPr>
-            <a:r>
-              <a:rPr lang="de-DE" dirty="0"/>
-              <a:t>ursprüngliche Syntax namens </a:t>
-            </a:r>
-            <a:r>
-              <a:rPr lang="de-DE" dirty="0" err="1"/>
-              <a:t>Sass</a:t>
-            </a:r>
-            <a:r>
-              <a:rPr lang="de-DE" dirty="0"/>
-              <a:t> </a:t>
-            </a:r>
-            <a:r>
-              <a:rPr lang="de-DE" dirty="0">
+              <a:rPr lang="de-DE" sz="1200" dirty="0"/>
+              <a:t>	</a:t>
+            </a:r>
+            <a:r>
+              <a:rPr lang="de-DE" sz="1200" dirty="0">
                 <a:sym typeface="Wingdings" panose="05000000000000000000" pitchFamily="2" charset="2"/>
               </a:rPr>
-              <a:t> </a:t>
-            </a:r>
-            <a:r>
-              <a:rPr lang="de-DE" dirty="0"/>
-              <a:t>verwendet Einrückungen, Zeilenumbrüche, keine geschweiften Klammern …</a:t>
-            </a:r>
-            <a:r>
-              <a:rPr lang="de-DE" dirty="0">
+              <a:t>sollte man gar nicht machen!</a:t>
+            </a:r>
+            <a:endParaRPr lang="de-DE" sz="1200" dirty="0"/>
+          </a:p>
+          <a:p>
+            <a:r>
+              <a:rPr lang="de-DE" sz="1200" dirty="0"/>
+              <a:t>-ausgelagert in extra CSS-Datei</a:t>
+            </a:r>
+          </a:p>
+          <a:p>
+            <a:r>
+              <a:rPr lang="de-DE" sz="1200" dirty="0">
                 <a:sym typeface="Wingdings" panose="05000000000000000000" pitchFamily="2" charset="2"/>
               </a:rPr>
-              <a:t> hohe Fehlerquote</a:t>
-            </a:r>
-          </a:p>
-          <a:p>
-            <a:pPr marL="457200" lvl="1" indent="0">
-              <a:buFont typeface="Wingdings" panose="05000000000000000000" pitchFamily="2" charset="2"/>
-              <a:buNone/>
-            </a:pPr>
-            <a:r>
-              <a:rPr lang="de-DE" dirty="0">
+              <a:t>	 wird über &lt;link&gt; eingebunden</a:t>
+            </a:r>
+          </a:p>
+          <a:p>
+            <a:r>
+              <a:rPr lang="de-DE" sz="1200" dirty="0">
                 <a:sym typeface="Wingdings" panose="05000000000000000000" pitchFamily="2" charset="2"/>
               </a:rPr>
-              <a:t> u. </a:t>
-            </a:r>
-            <a:r>
-              <a:rPr lang="de-DE" dirty="0" err="1"/>
-              <a:t>Scss</a:t>
-            </a:r>
-            <a:r>
-              <a:rPr lang="de-DE" dirty="0"/>
-              <a:t> ähnlich wie </a:t>
-            </a:r>
-            <a:r>
-              <a:rPr lang="de-DE" dirty="0" err="1"/>
-              <a:t>Sass</a:t>
-            </a:r>
-            <a:r>
-              <a:rPr lang="de-DE" dirty="0"/>
-              <a:t>, jedoch mit geschweiften Klammern, um Fehler zu vermeiden</a:t>
-            </a:r>
-          </a:p>
-          <a:p>
-            <a:pPr marL="457200" lvl="1" indent="0">
-              <a:buFont typeface="Wingdings" panose="05000000000000000000" pitchFamily="2" charset="2"/>
-              <a:buNone/>
-            </a:pPr>
-            <a:endParaRPr lang="de-DE" i="0" dirty="0"/>
-          </a:p>
-          <a:p>
-            <a:pPr marL="171450" indent="-171450">
-              <a:buFontTx/>
-              <a:buChar char="-"/>
-            </a:pPr>
-            <a:r>
-              <a:rPr lang="de-DE" dirty="0"/>
-              <a:t>ist ein </a:t>
-            </a:r>
-            <a:r>
-              <a:rPr lang="de-DE" u="none" dirty="0"/>
-              <a:t>CSS Präprozessor </a:t>
-            </a:r>
-            <a:r>
-              <a:rPr lang="de-DE" u="none" dirty="0">
+              <a:t>	 </a:t>
+            </a:r>
+            <a:r>
+              <a:rPr lang="de-DE" sz="1200" dirty="0" err="1">
                 <a:sym typeface="Wingdings" panose="05000000000000000000" pitchFamily="2" charset="2"/>
               </a:rPr>
-              <a:t> </a:t>
-            </a:r>
-            <a:r>
-              <a:rPr lang="de-DE" dirty="0"/>
-              <a:t>d.h. der </a:t>
-            </a:r>
-            <a:r>
-              <a:rPr lang="de-DE" dirty="0" err="1"/>
-              <a:t>Sass</a:t>
-            </a:r>
-            <a:r>
-              <a:rPr lang="de-DE" dirty="0"/>
-              <a:t> Code wird zu reinem CSS Code (in einer separaten Datei) kompiliert mit Hilfe von </a:t>
-            </a:r>
-            <a:r>
-              <a:rPr lang="de-DE" dirty="0" err="1"/>
-              <a:t>gulp</a:t>
-            </a:r>
-            <a:r>
-              <a:rPr lang="de-DE" dirty="0"/>
-              <a:t> z.B.</a:t>
-            </a:r>
-          </a:p>
-          <a:p>
-            <a:pPr marL="171450" indent="-171450">
-              <a:buFontTx/>
-              <a:buChar char="-"/>
-            </a:pPr>
-            <a:r>
-              <a:rPr lang="de-DE" dirty="0"/>
-              <a:t>Vorteil von </a:t>
-            </a:r>
-            <a:r>
-              <a:rPr lang="de-DE" dirty="0" err="1"/>
-              <a:t>sass</a:t>
-            </a:r>
-            <a:endParaRPr lang="de-DE" dirty="0"/>
-          </a:p>
-          <a:p>
-            <a:pPr marL="0" indent="0">
+              <a:t>best</a:t>
+            </a:r>
+            <a:r>
+              <a:rPr lang="de-DE" sz="1200" dirty="0">
+                <a:sym typeface="Wingdings" panose="05000000000000000000" pitchFamily="2" charset="2"/>
+              </a:rPr>
+              <a:t> </a:t>
+            </a:r>
+            <a:r>
+              <a:rPr lang="de-DE" sz="1200" dirty="0" err="1">
+                <a:sym typeface="Wingdings" panose="05000000000000000000" pitchFamily="2" charset="2"/>
+              </a:rPr>
+              <a:t>practice</a:t>
+            </a:r>
+            <a:endParaRPr lang="de-DE" sz="1200" dirty="0"/>
+          </a:p>
+          <a:p>
+            <a:pPr marL="0" marR="0" lvl="0" indent="0" algn="l" defTabSz="914400" rtl="0" eaLnBrk="1" fontAlgn="auto" latinLnBrk="0" hangingPunct="1">
+              <a:lnSpc>
+                <a:spcPct val="100000"/>
+              </a:lnSpc>
+              <a:spcBef>
+                <a:spcPts val="0"/>
+              </a:spcBef>
+              <a:spcAft>
+                <a:spcPts val="0"/>
+              </a:spcAft>
+              <a:buClrTx/>
+              <a:buSzTx/>
               <a:buFontTx/>
               <a:buNone/>
+              <a:tabLst/>
+              <a:defRPr/>
             </a:pPr>
             <a:r>
-              <a:rPr lang="de-DE" dirty="0">
-                <a:sym typeface="Wingdings" panose="05000000000000000000" pitchFamily="2" charset="2"/>
-              </a:rPr>
-              <a:t>            </a:t>
-            </a:r>
-            <a:r>
-              <a:rPr lang="de-DE" dirty="0"/>
-              <a:t>bringt Features mit (Variablen/</a:t>
-            </a:r>
-            <a:r>
-              <a:rPr lang="de-DE" dirty="0" err="1"/>
-              <a:t>Mixins</a:t>
-            </a:r>
-            <a:r>
-              <a:rPr lang="de-DE" dirty="0"/>
-              <a:t>..)</a:t>
-            </a:r>
-            <a:br>
-              <a:rPr lang="de-DE" dirty="0"/>
-            </a:br>
-            <a:r>
-              <a:rPr lang="de-DE" dirty="0"/>
-              <a:t>           </a:t>
-            </a:r>
-            <a:r>
-              <a:rPr lang="de-DE" dirty="0">
-                <a:sym typeface="Wingdings" panose="05000000000000000000" pitchFamily="2" charset="2"/>
-              </a:rPr>
-              <a:t> verkleinert Code</a:t>
-            </a:r>
-          </a:p>
-          <a:p>
-            <a:pPr marL="0" indent="0">
-              <a:buFontTx/>
-              <a:buNone/>
-            </a:pPr>
-            <a:r>
-              <a:rPr lang="de-DE" dirty="0">
-                <a:sym typeface="Wingdings" panose="05000000000000000000" pitchFamily="2" charset="2"/>
-              </a:rPr>
-              <a:t>            hilft bei saubere u. einfache Verwaltung des Codes</a:t>
-            </a:r>
+              <a:rPr lang="de-DE" sz="1200" dirty="0"/>
+              <a:t>-am Anfang der HTML-Datei</a:t>
+            </a:r>
+          </a:p>
+          <a:p>
+            <a:endParaRPr lang="de-DE" sz="1200" dirty="0"/>
+          </a:p>
+          <a:p>
             <a:endParaRPr lang="de-DE" dirty="0"/>
           </a:p>
         </p:txBody>
@@ -1482,7 +1448,7 @@
     </p:spTree>
     <p:extLst>
       <p:ext uri="{BB962C8B-B14F-4D97-AF65-F5344CB8AC3E}">
-        <p14:creationId xmlns:p14="http://schemas.microsoft.com/office/powerpoint/2010/main" val="3881407795"/>
+        <p14:creationId xmlns:p14="http://schemas.microsoft.com/office/powerpoint/2010/main" val="165473284"/>
       </p:ext>
     </p:extLst>
   </p:cSld>
@@ -1537,28 +1503,233 @@
           <a:lstStyle/>
           <a:p>
             <a:r>
+              <a:rPr lang="de-DE" b="0" dirty="0"/>
+              <a:t>- </a:t>
+            </a:r>
+            <a:r>
+              <a:rPr lang="de-DE" b="0" dirty="0" err="1"/>
+              <a:t>Sass</a:t>
+            </a:r>
+            <a:r>
+              <a:rPr lang="de-DE" b="0" dirty="0"/>
+              <a:t> heißt </a:t>
+            </a:r>
+            <a:r>
+              <a:rPr lang="de-DE" i="1" dirty="0" err="1"/>
+              <a:t>Syntactically</a:t>
+            </a:r>
+            <a:r>
+              <a:rPr lang="de-DE" i="1" dirty="0"/>
+              <a:t> </a:t>
+            </a:r>
+            <a:r>
+              <a:rPr lang="de-DE" i="1" dirty="0" err="1"/>
+              <a:t>Awesome</a:t>
+            </a:r>
+            <a:r>
+              <a:rPr lang="de-DE" i="1" dirty="0"/>
+              <a:t> Stylesheets </a:t>
+            </a:r>
+          </a:p>
+          <a:p>
+            <a:pPr marL="171450" indent="-171450">
+              <a:buFontTx/>
+              <a:buChar char="-"/>
+            </a:pPr>
+            <a:r>
+              <a:rPr lang="de-DE" i="0" dirty="0"/>
+              <a:t>ist eine vereinfachte Stylesheet Sprache</a:t>
+            </a:r>
+          </a:p>
+          <a:p>
+            <a:pPr marL="171450" indent="-171450">
+              <a:buFontTx/>
+              <a:buChar char="-"/>
+            </a:pPr>
+            <a:r>
               <a:rPr lang="de-DE" dirty="0"/>
-              <a:t>Vergleich zwischen </a:t>
+              <a:t>zwei verschiedene </a:t>
+            </a:r>
+            <a:r>
+              <a:rPr lang="de-DE" dirty="0" err="1"/>
+              <a:t>Syntaxen</a:t>
+            </a:r>
+            <a:r>
+              <a:rPr lang="de-DE" dirty="0"/>
+              <a:t>:</a:t>
+            </a:r>
+          </a:p>
+          <a:p>
+            <a:pPr marL="628650" lvl="1" indent="-171450">
+              <a:buFont typeface="Wingdings" panose="05000000000000000000" pitchFamily="2" charset="2"/>
+              <a:buChar char="à"/>
+            </a:pPr>
+            <a:r>
+              <a:rPr lang="de-DE" dirty="0"/>
+              <a:t>ursprüngliche Syntax namens </a:t>
+            </a:r>
+            <a:r>
+              <a:rPr lang="de-DE" dirty="0" err="1"/>
+              <a:t>Sass</a:t>
+            </a:r>
+            <a:r>
+              <a:rPr lang="de-DE" dirty="0"/>
+              <a:t> </a:t>
+            </a:r>
+            <a:r>
+              <a:rPr lang="de-DE" dirty="0">
+                <a:sym typeface="Wingdings" panose="05000000000000000000" pitchFamily="2" charset="2"/>
+              </a:rPr>
+              <a:t> </a:t>
+            </a:r>
+            <a:r>
+              <a:rPr lang="de-DE" dirty="0"/>
+              <a:t>verwendet Einrückungen, Zeilenumbrüche, keine geschweiften Klammern …</a:t>
+            </a:r>
+            <a:r>
+              <a:rPr lang="de-DE" dirty="0">
+                <a:sym typeface="Wingdings" panose="05000000000000000000" pitchFamily="2" charset="2"/>
+              </a:rPr>
+              <a:t> hohe Fehlerquote</a:t>
+            </a:r>
+          </a:p>
+          <a:p>
+            <a:pPr marL="457200" lvl="1" indent="0">
+              <a:buFont typeface="Wingdings" panose="05000000000000000000" pitchFamily="2" charset="2"/>
+              <a:buNone/>
+            </a:pPr>
+            <a:r>
+              <a:rPr lang="de-DE" dirty="0">
+                <a:sym typeface="Wingdings" panose="05000000000000000000" pitchFamily="2" charset="2"/>
+              </a:rPr>
+              <a:t> u. </a:t>
+            </a:r>
+            <a:r>
+              <a:rPr lang="de-DE" dirty="0" err="1"/>
+              <a:t>Scss</a:t>
+            </a:r>
+            <a:r>
+              <a:rPr lang="de-DE" dirty="0"/>
+              <a:t> ähnlich wie </a:t>
+            </a:r>
+            <a:r>
+              <a:rPr lang="de-DE" dirty="0" err="1"/>
+              <a:t>Sass</a:t>
+            </a:r>
+            <a:r>
+              <a:rPr lang="de-DE" dirty="0"/>
+              <a:t>, jedoch mit geschweiften Klammern, um Fehler zu vermeiden</a:t>
+            </a:r>
+          </a:p>
+          <a:p>
+            <a:pPr marL="457200" lvl="1" indent="0">
+              <a:buFont typeface="Wingdings" panose="05000000000000000000" pitchFamily="2" charset="2"/>
+              <a:buNone/>
+            </a:pPr>
+            <a:endParaRPr lang="de-DE" i="0" dirty="0"/>
+          </a:p>
+          <a:p>
+            <a:pPr marL="171450" indent="-171450">
+              <a:buFontTx/>
+              <a:buChar char="-"/>
+            </a:pPr>
+            <a:r>
+              <a:rPr lang="de-DE" dirty="0"/>
+              <a:t>ist ein </a:t>
+            </a:r>
+            <a:r>
+              <a:rPr lang="de-DE" u="none" dirty="0"/>
+              <a:t>CSS Präprozessor </a:t>
+            </a:r>
+            <a:r>
+              <a:rPr lang="de-DE" u="none" dirty="0">
+                <a:sym typeface="Wingdings" panose="05000000000000000000" pitchFamily="2" charset="2"/>
+              </a:rPr>
+              <a:t> </a:t>
+            </a:r>
+            <a:r>
+              <a:rPr lang="de-DE" dirty="0"/>
+              <a:t>d.h. der </a:t>
+            </a:r>
+            <a:r>
+              <a:rPr lang="de-DE" dirty="0" err="1"/>
+              <a:t>Sass</a:t>
+            </a:r>
+            <a:r>
+              <a:rPr lang="de-DE" dirty="0"/>
+              <a:t> Code wird zu reinem CSS Code (in einer separaten Datei) kompiliert mit Hilfe von </a:t>
+            </a:r>
+            <a:r>
+              <a:rPr lang="de-DE" dirty="0" err="1"/>
+              <a:t>gulp</a:t>
+            </a:r>
+            <a:r>
+              <a:rPr lang="de-DE" dirty="0"/>
+              <a:t> z.B.</a:t>
+            </a:r>
+          </a:p>
+          <a:p>
+            <a:pPr marL="171450" indent="-171450">
+              <a:buFontTx/>
+              <a:buChar char="-"/>
+            </a:pPr>
+            <a:r>
+              <a:rPr lang="de-DE" dirty="0"/>
+              <a:t>Vorteil von </a:t>
             </a:r>
             <a:r>
               <a:rPr lang="de-DE" dirty="0" err="1"/>
               <a:t>sass</a:t>
             </a:r>
+            <a:endParaRPr lang="de-DE" dirty="0"/>
+          </a:p>
+          <a:p>
+            <a:pPr marL="0" indent="0">
+              <a:buFontTx/>
+              <a:buNone/>
+            </a:pPr>
+            <a:r>
+              <a:rPr lang="de-DE" dirty="0">
+                <a:sym typeface="Wingdings" panose="05000000000000000000" pitchFamily="2" charset="2"/>
+              </a:rPr>
+              <a:t>            </a:t>
+            </a:r>
             <a:r>
               <a:rPr lang="de-DE" dirty="0"/>
-              <a:t>/</a:t>
+              <a:t>bringt Features mit (Variablen/</a:t>
             </a:r>
             <a:r>
               <a:rPr lang="de-DE" dirty="0" err="1"/>
-              <a:t>scss</a:t>
+              <a:t>Mixins</a:t>
             </a:r>
             <a:r>
               <a:rPr lang="de-DE" dirty="0"/>
-              <a:t> und </a:t>
-            </a:r>
-            <a:r>
-              <a:rPr lang="de-DE" dirty="0" err="1"/>
-              <a:t>css</a:t>
+              <a:t>..)</a:t>
+            </a:r>
+            <a:br>
+              <a:rPr lang="de-DE" dirty="0"/>
+            </a:br>
+            <a:r>
+              <a:rPr lang="de-DE" dirty="0"/>
+              <a:t>           </a:t>
+            </a:r>
+            <a:r>
+              <a:rPr lang="de-DE" dirty="0">
+                <a:sym typeface="Wingdings" panose="05000000000000000000" pitchFamily="2" charset="2"/>
+              </a:rPr>
+              <a:t> verkleinert Code</a:t>
+            </a:r>
+          </a:p>
+          <a:p>
+            <a:pPr marL="0" indent="0">
+              <a:buFontTx/>
+              <a:buNone/>
+            </a:pPr>
+            <a:r>
+              <a:rPr lang="de-DE" dirty="0">
+                <a:sym typeface="Wingdings" panose="05000000000000000000" pitchFamily="2" charset="2"/>
+              </a:rPr>
+              <a:t>            hilft bei saubere u. einfache Verwaltung des Codes</a:t>
             </a:r>
             <a:endParaRPr lang="de-DE" dirty="0"/>
           </a:p>
@@ -1590,7 +1761,7 @@
     </p:spTree>
     <p:extLst>
       <p:ext uri="{BB962C8B-B14F-4D97-AF65-F5344CB8AC3E}">
-        <p14:creationId xmlns:p14="http://schemas.microsoft.com/office/powerpoint/2010/main" val="1924633302"/>
+        <p14:creationId xmlns:p14="http://schemas.microsoft.com/office/powerpoint/2010/main" val="3881407795"/>
       </p:ext>
     </p:extLst>
   </p:cSld>
@@ -1646,52 +1817,28 @@
           <a:p>
             <a:r>
               <a:rPr lang="de-DE" dirty="0"/>
-              <a:t>-Bootstrap ist ein CSS Framework (</a:t>
-            </a:r>
-            <a:r>
-              <a:rPr lang="de-DE" b="0" dirty="0"/>
-              <a:t>CSS-Framework </a:t>
+              <a:t>Vergleich zwischen </a:t>
+            </a:r>
+            <a:r>
+              <a:rPr lang="de-DE" dirty="0" err="1"/>
+              <a:t>sass</a:t>
             </a:r>
             <a:r>
               <a:rPr lang="de-DE" dirty="0"/>
-              <a:t>ist eine Sammlung von Gestaltungselementen und Hilfsmitteln für einfaches und standardisiertes Webdesign mit CSS)</a:t>
-            </a:r>
-          </a:p>
-          <a:p>
-            <a:pPr marL="0" indent="0">
-              <a:buFontTx/>
-              <a:buNone/>
-            </a:pPr>
+              <a:t>/</a:t>
+            </a:r>
+            <a:r>
+              <a:rPr lang="de-DE" dirty="0" err="1"/>
+              <a:t>scss</a:t>
+            </a:r>
             <a:r>
               <a:rPr lang="de-DE" dirty="0"/>
-              <a:t>-ist ein kostenloses Framework um Websites zu gestalten</a:t>
-            </a:r>
-          </a:p>
-          <a:p>
-            <a:pPr marL="0" indent="0">
-              <a:buFontTx/>
-              <a:buNone/>
-            </a:pPr>
-            <a:r>
-              <a:rPr lang="de-DE" dirty="0"/>
-              <a:t>-Es werden HTML, </a:t>
+              <a:t> und </a:t>
             </a:r>
             <a:r>
               <a:rPr lang="de-DE" dirty="0" err="1"/>
-              <a:t>Css</a:t>
-            </a:r>
-            <a:r>
-              <a:rPr lang="de-DE" dirty="0"/>
-              <a:t> Vorlagen bereitgestellt</a:t>
-            </a:r>
-          </a:p>
-          <a:p>
-            <a:r>
-              <a:rPr lang="de-DE" dirty="0"/>
-              <a:t>-Dazu gehören Formulare, Buttons, Tabellen, Navigation und ein Grid-System für Layouts</a:t>
-            </a:r>
-          </a:p>
-          <a:p>
+              <a:t>css</a:t>
+            </a:r>
             <a:endParaRPr lang="de-DE" dirty="0"/>
           </a:p>
         </p:txBody>
@@ -1722,7 +1869,7 @@
     </p:spTree>
     <p:extLst>
       <p:ext uri="{BB962C8B-B14F-4D97-AF65-F5344CB8AC3E}">
-        <p14:creationId xmlns:p14="http://schemas.microsoft.com/office/powerpoint/2010/main" val="1192661717"/>
+        <p14:creationId xmlns:p14="http://schemas.microsoft.com/office/powerpoint/2010/main" val="1924633302"/>
       </p:ext>
     </p:extLst>
   </p:cSld>
@@ -1778,86 +1925,52 @@
           <a:p>
             <a:r>
               <a:rPr lang="de-DE" dirty="0"/>
-              <a:t>-Bootstrap ist modular aufgebaut und besteht aus den folgenden Teilen</a:t>
-            </a:r>
-          </a:p>
-          <a:p>
+              <a:t>-Bootstrap ist ein CSS Framework (</a:t>
+            </a:r>
+            <a:r>
+              <a:rPr lang="de-DE" b="0" dirty="0"/>
+              <a:t>CSS-Framework </a:t>
+            </a:r>
             <a:r>
               <a:rPr lang="de-DE" dirty="0"/>
-              <a:t>	</a:t>
-            </a:r>
-            <a:r>
-              <a:rPr lang="de-DE" dirty="0">
-                <a:sym typeface="Wingdings" panose="05000000000000000000" pitchFamily="2" charset="2"/>
-              </a:rPr>
-              <a:t></a:t>
-            </a:r>
+              <a:t>ist eine Sammlung von Gestaltungselementen und Hilfsmitteln für einfaches und standardisiertes Webdesign mit CSS)</a:t>
+            </a:r>
+          </a:p>
+          <a:p>
+            <a:pPr marL="0" indent="0">
+              <a:buFontTx/>
+              <a:buNone/>
+            </a:pPr>
             <a:r>
               <a:rPr lang="de-DE" dirty="0"/>
-              <a:t>Grid-System und Responsives Design</a:t>
-            </a:r>
-          </a:p>
-          <a:p>
+              <a:t>-ist ein kostenloses Framework um Websites zu gestalten</a:t>
+            </a:r>
+          </a:p>
+          <a:p>
+            <a:pPr marL="0" indent="0">
+              <a:buFontTx/>
+              <a:buNone/>
+            </a:pPr>
             <a:r>
               <a:rPr lang="de-DE" dirty="0"/>
-              <a:t>	</a:t>
-            </a:r>
-            <a:r>
-              <a:rPr lang="de-DE" dirty="0">
-                <a:sym typeface="Wingdings" panose="05000000000000000000" pitchFamily="2" charset="2"/>
-              </a:rPr>
-              <a:t></a:t>
+              <a:t>-Es werden HTML, </a:t>
+            </a:r>
+            <a:r>
+              <a:rPr lang="de-DE" dirty="0" err="1"/>
+              <a:t>Css</a:t>
             </a:r>
             <a:r>
               <a:rPr lang="de-DE" dirty="0"/>
-              <a:t>Grundlegendes CSS-Stylesheet</a:t>
+              <a:t> Vorlagen bereitgestellt</a:t>
             </a:r>
           </a:p>
           <a:p>
             <a:r>
               <a:rPr lang="de-DE" dirty="0"/>
-              <a:t>	</a:t>
-            </a:r>
-            <a:r>
-              <a:rPr lang="de-DE" dirty="0">
-                <a:sym typeface="Wingdings" panose="05000000000000000000" pitchFamily="2" charset="2"/>
-              </a:rPr>
-              <a:t></a:t>
-            </a:r>
-            <a:r>
-              <a:rPr lang="de-DE" dirty="0"/>
-              <a:t>wiederverwendbare Komponenten</a:t>
-            </a:r>
-          </a:p>
-          <a:p>
-            <a:r>
-              <a:rPr lang="de-DE" dirty="0"/>
-              <a:t>	</a:t>
-            </a:r>
-            <a:r>
-              <a:rPr lang="de-DE" dirty="0">
-                <a:sym typeface="Wingdings" panose="05000000000000000000" pitchFamily="2" charset="2"/>
-              </a:rPr>
-              <a:t></a:t>
-            </a:r>
-            <a:r>
-              <a:rPr lang="de-DE" dirty="0"/>
-              <a:t>optionale </a:t>
-            </a:r>
-            <a:r>
-              <a:rPr lang="de-DE" dirty="0" err="1"/>
-              <a:t>Javascript</a:t>
-            </a:r>
-            <a:r>
-              <a:rPr lang="de-DE" dirty="0"/>
-              <a:t>-Plugins</a:t>
-            </a:r>
-          </a:p>
-          <a:p>
-            <a:pPr marL="171450" indent="-171450">
-              <a:buFontTx/>
-              <a:buChar char="-"/>
-            </a:pPr>
+              <a:t>-Dazu gehören Formulare, Buttons, Tabellen, Navigation und ein Grid-System für Layouts</a:t>
+            </a:r>
+          </a:p>
+          <a:p>
             <a:endParaRPr lang="de-DE" dirty="0"/>
           </a:p>
         </p:txBody>
@@ -1888,7 +2001,7 @@
     </p:spTree>
     <p:extLst>
       <p:ext uri="{BB962C8B-B14F-4D97-AF65-F5344CB8AC3E}">
-        <p14:creationId xmlns:p14="http://schemas.microsoft.com/office/powerpoint/2010/main" val="44486138"/>
+        <p14:creationId xmlns:p14="http://schemas.microsoft.com/office/powerpoint/2010/main" val="1192661717"/>
       </p:ext>
     </p:extLst>
   </p:cSld>
@@ -1944,38 +2057,87 @@
           <a:p>
             <a:r>
               <a:rPr lang="de-DE" dirty="0"/>
-              <a:t>-Bootstrap bietet folgende Module:</a:t>
+              <a:t>-Bootstrap ist modular aufgebaut und besteht aus den folgenden Teilen</a:t>
             </a:r>
           </a:p>
           <a:p>
             <a:r>
               <a:rPr lang="de-DE" dirty="0"/>
-              <a:t>-Buttons</a:t>
-            </a:r>
-            <a:br>
+              <a:t>	</a:t>
+            </a:r>
+            <a:r>
+              <a:rPr lang="de-DE" dirty="0">
+                <a:sym typeface="Wingdings" panose="05000000000000000000" pitchFamily="2" charset="2"/>
+              </a:rPr>
+              <a:t></a:t>
+            </a:r>
+            <a:r>
               <a:rPr lang="de-DE" dirty="0"/>
-            </a:br>
+              <a:t>Grid-System und Responsives Design</a:t>
+            </a:r>
+          </a:p>
+          <a:p>
             <a:r>
               <a:rPr lang="de-DE" dirty="0"/>
-              <a:t>-</a:t>
+              <a:t>	</a:t>
+            </a:r>
+            <a:r>
+              <a:rPr lang="de-DE" dirty="0">
+                <a:sym typeface="Wingdings" panose="05000000000000000000" pitchFamily="2" charset="2"/>
+              </a:rPr>
+              <a:t></a:t>
+            </a:r>
+            <a:r>
+              <a:rPr lang="de-DE" dirty="0"/>
+              <a:t>Grundlegendes CSS-Stylesheet</a:t>
+            </a:r>
+          </a:p>
+          <a:p>
+            <a:r>
+              <a:rPr lang="de-DE" dirty="0"/>
+              <a:t>	</a:t>
+            </a:r>
+            <a:r>
+              <a:rPr lang="de-DE" dirty="0">
+                <a:sym typeface="Wingdings" panose="05000000000000000000" pitchFamily="2" charset="2"/>
+              </a:rPr>
+              <a:t></a:t>
+            </a:r>
+            <a:r>
+              <a:rPr lang="de-DE" dirty="0"/>
+              <a:t>wiederverwendbare Komponenten</a:t>
+            </a:r>
+          </a:p>
+          <a:p>
+            <a:r>
+              <a:rPr lang="de-DE" dirty="0"/>
+              <a:t>	</a:t>
+            </a:r>
+            <a:r>
+              <a:rPr lang="de-DE" dirty="0">
+                <a:sym typeface="Wingdings" panose="05000000000000000000" pitchFamily="2" charset="2"/>
+              </a:rPr>
+              <a:t></a:t>
+            </a:r>
+            <a:r>
+              <a:rPr lang="de-DE" dirty="0"/>
+              <a:t>optionale </a:t>
             </a:r>
             <a:r>
               <a:rPr lang="de-DE" dirty="0" err="1"/>
-              <a:t>Navigationbar</a:t>
-            </a:r>
-            <a:br>
+              <a:t>Javascript</a:t>
+            </a:r>
+            <a:r>
               <a:rPr lang="de-DE" dirty="0"/>
-            </a:br>
-            <a:r>
-              <a:rPr lang="de-DE" dirty="0"/>
-              <a:t>-Typographie</a:t>
-            </a:r>
-          </a:p>
-          <a:p>
-            <a:r>
-              <a:rPr lang="de-DE" dirty="0"/>
-              <a:t>-Forms</a:t>
-            </a:r>
+              <a:t>-Plugins</a:t>
+            </a:r>
+          </a:p>
+          <a:p>
+            <a:pPr marL="171450" indent="-171450">
+              <a:buFontTx/>
+              <a:buChar char="-"/>
+            </a:pPr>
+            <a:endParaRPr lang="de-DE" dirty="0"/>
           </a:p>
         </p:txBody>
       </p:sp>
@@ -2005,7 +2167,7 @@
     </p:spTree>
     <p:extLst>
       <p:ext uri="{BB962C8B-B14F-4D97-AF65-F5344CB8AC3E}">
-        <p14:creationId xmlns:p14="http://schemas.microsoft.com/office/powerpoint/2010/main" val="3235736608"/>
+        <p14:creationId xmlns:p14="http://schemas.microsoft.com/office/powerpoint/2010/main" val="44486138"/>
       </p:ext>
     </p:extLst>
   </p:cSld>
@@ -2061,13 +2223,38 @@
           <a:p>
             <a:r>
               <a:rPr lang="de-DE" dirty="0"/>
-              <a:t>-Bootstrap bietet auch eine </a:t>
+              <a:t>-Bootstrap bietet folgende Module:</a:t>
+            </a:r>
+          </a:p>
+          <a:p>
+            <a:r>
+              <a:rPr lang="de-DE" dirty="0"/>
+              <a:t>-Buttons</a:t>
+            </a:r>
+            <a:br>
+              <a:rPr lang="de-DE" dirty="0"/>
+            </a:br>
+            <a:r>
+              <a:rPr lang="de-DE" dirty="0"/>
+              <a:t>-</a:t>
             </a:r>
             <a:r>
               <a:rPr lang="de-DE" dirty="0" err="1"/>
-              <a:t>Iconfont</a:t>
-            </a:r>
-            <a:endParaRPr lang="de-DE" dirty="0"/>
+              <a:t>Navigationbar</a:t>
+            </a:r>
+            <a:br>
+              <a:rPr lang="de-DE" dirty="0"/>
+            </a:br>
+            <a:r>
+              <a:rPr lang="de-DE" dirty="0"/>
+              <a:t>-Typographie</a:t>
+            </a:r>
+          </a:p>
+          <a:p>
+            <a:r>
+              <a:rPr lang="de-DE" dirty="0"/>
+              <a:t>-Forms</a:t>
+            </a:r>
           </a:p>
         </p:txBody>
       </p:sp>
@@ -2097,7 +2284,7 @@
     </p:spTree>
     <p:extLst>
       <p:ext uri="{BB962C8B-B14F-4D97-AF65-F5344CB8AC3E}">
-        <p14:creationId xmlns:p14="http://schemas.microsoft.com/office/powerpoint/2010/main" val="3041699558"/>
+        <p14:creationId xmlns:p14="http://schemas.microsoft.com/office/powerpoint/2010/main" val="3235736608"/>
       </p:ext>
     </p:extLst>
   </p:cSld>
@@ -2151,63 +2338,15 @@
           <a:bodyPr/>
           <a:lstStyle/>
           <a:p>
-            <a:pPr marL="0" marR="0" lvl="0" indent="0" algn="l" defTabSz="914400" rtl="0" eaLnBrk="1" fontAlgn="auto" latinLnBrk="0" hangingPunct="1">
-              <a:lnSpc>
-                <a:spcPct val="100000"/>
-              </a:lnSpc>
-              <a:spcBef>
-                <a:spcPts val="0"/>
-              </a:spcBef>
-              <a:spcAft>
-                <a:spcPts val="0"/>
-              </a:spcAft>
-              <a:buClrTx/>
-              <a:buSzTx/>
-              <a:buFontTx/>
-              <a:buNone/>
-              <a:tabLst/>
-              <a:defRPr/>
-            </a:pPr>
             <a:r>
               <a:rPr lang="de-DE" dirty="0"/>
-              <a:t>Bootstrap Grid-System </a:t>
-            </a:r>
-          </a:p>
-          <a:p>
-            <a:pPr marL="0" marR="0" lvl="0" indent="0" algn="l" defTabSz="914400" rtl="0" eaLnBrk="1" fontAlgn="auto" latinLnBrk="0" hangingPunct="1">
-              <a:lnSpc>
-                <a:spcPct val="100000"/>
-              </a:lnSpc>
-              <a:spcBef>
-                <a:spcPts val="0"/>
-              </a:spcBef>
-              <a:spcAft>
-                <a:spcPts val="0"/>
-              </a:spcAft>
-              <a:buClrTx/>
-              <a:buSzTx/>
-              <a:buFontTx/>
-              <a:buNone/>
-              <a:tabLst/>
-              <a:defRPr/>
-            </a:pPr>
-            <a:r>
-              <a:rPr lang="de-DE" dirty="0"/>
-              <a:t>-Standardmäßig verwendet Bootstrap ein 12-spaltiges responsives Raster-Layout mit einer Breite von 940 Pixel.</a:t>
-            </a:r>
-            <a:br>
-              <a:rPr lang="de-DE" dirty="0"/>
-            </a:br>
-            <a:r>
-              <a:rPr lang="de-DE" dirty="0"/>
-              <a:t>-möglich ein festes oder variables Raster einzustellen</a:t>
-            </a:r>
-          </a:p>
-          <a:p>
-            <a:r>
-              <a:rPr lang="de-DE" dirty="0"/>
-              <a:t>-Anpassung für verschiedene Auflösungen (z. B. bei Handys)</a:t>
-            </a:r>
+              <a:t>-Bootstrap bietet auch eine </a:t>
+            </a:r>
+            <a:r>
+              <a:rPr lang="de-DE" dirty="0" err="1"/>
+              <a:t>Iconfont</a:t>
+            </a:r>
+            <a:endParaRPr lang="de-DE" dirty="0"/>
           </a:p>
         </p:txBody>
       </p:sp>
@@ -2237,7 +2376,303 @@
     </p:spTree>
     <p:extLst>
       <p:ext uri="{BB962C8B-B14F-4D97-AF65-F5344CB8AC3E}">
+        <p14:creationId xmlns:p14="http://schemas.microsoft.com/office/powerpoint/2010/main" val="3041699558"/>
+      </p:ext>
+    </p:extLst>
+  </p:cSld>
+  <p:clrMapOvr>
+    <a:masterClrMapping/>
+  </p:clrMapOvr>
+</p:notes>
+</file>
+
+<file path=ppt/notesSlides/notesSlide18.xml><?xml version="1.0" encoding="utf-8"?>
+<p:notes xmlns:a="http://schemas.openxmlformats.org/drawingml/2006/main" xmlns:r="http://schemas.openxmlformats.org/officeDocument/2006/relationships" xmlns:p="http://schemas.openxmlformats.org/presentationml/2006/main">
+  <p:cSld>
+    <p:spTree>
+      <p:nvGrpSpPr>
+        <p:cNvPr id="1" name=""/>
+        <p:cNvGrpSpPr/>
+        <p:nvPr/>
+      </p:nvGrpSpPr>
+      <p:grpSpPr>
+        <a:xfrm>
+          <a:off x="0" y="0"/>
+          <a:ext cx="0" cy="0"/>
+          <a:chOff x="0" y="0"/>
+          <a:chExt cx="0" cy="0"/>
+        </a:xfrm>
+      </p:grpSpPr>
+      <p:sp>
+        <p:nvSpPr>
+          <p:cNvPr id="2" name="Folienbildplatzhalter 1"/>
+          <p:cNvSpPr>
+            <a:spLocks noGrp="1" noRot="1" noChangeAspect="1"/>
+          </p:cNvSpPr>
+          <p:nvPr>
+            <p:ph type="sldImg"/>
+          </p:nvPr>
+        </p:nvSpPr>
+        <p:spPr/>
+      </p:sp>
+      <p:sp>
+        <p:nvSpPr>
+          <p:cNvPr id="3" name="Notizenplatzhalter 2"/>
+          <p:cNvSpPr>
+            <a:spLocks noGrp="1"/>
+          </p:cNvSpPr>
+          <p:nvPr>
+            <p:ph type="body" idx="1"/>
+          </p:nvPr>
+        </p:nvSpPr>
+        <p:spPr/>
+        <p:txBody>
+          <a:bodyPr/>
+          <a:lstStyle/>
+          <a:p>
+            <a:pPr marL="0" marR="0" lvl="0" indent="0" algn="l" defTabSz="914400" rtl="0" eaLnBrk="1" fontAlgn="auto" latinLnBrk="0" hangingPunct="1">
+              <a:lnSpc>
+                <a:spcPct val="100000"/>
+              </a:lnSpc>
+              <a:spcBef>
+                <a:spcPts val="0"/>
+              </a:spcBef>
+              <a:spcAft>
+                <a:spcPts val="0"/>
+              </a:spcAft>
+              <a:buClrTx/>
+              <a:buSzTx/>
+              <a:buFontTx/>
+              <a:buNone/>
+              <a:tabLst/>
+              <a:defRPr/>
+            </a:pPr>
+            <a:r>
+              <a:rPr lang="de-DE" dirty="0"/>
+              <a:t>Bootstrap Grid-System </a:t>
+            </a:r>
+          </a:p>
+          <a:p>
+            <a:pPr marL="0" marR="0" lvl="0" indent="0" algn="l" defTabSz="914400" rtl="0" eaLnBrk="1" fontAlgn="auto" latinLnBrk="0" hangingPunct="1">
+              <a:lnSpc>
+                <a:spcPct val="100000"/>
+              </a:lnSpc>
+              <a:spcBef>
+                <a:spcPts val="0"/>
+              </a:spcBef>
+              <a:spcAft>
+                <a:spcPts val="0"/>
+              </a:spcAft>
+              <a:buClrTx/>
+              <a:buSzTx/>
+              <a:buFontTx/>
+              <a:buNone/>
+              <a:tabLst/>
+              <a:defRPr/>
+            </a:pPr>
+            <a:r>
+              <a:rPr lang="de-DE" dirty="0"/>
+              <a:t>-Standardmäßig verwendet Bootstrap ein 12-spaltiges responsives Raster-Layout mit einer Breite von 940 Pixel.</a:t>
+            </a:r>
+            <a:br>
+              <a:rPr lang="de-DE" dirty="0"/>
+            </a:br>
+            <a:r>
+              <a:rPr lang="de-DE" dirty="0"/>
+              <a:t>-möglich ein festes oder variables Raster einzustellen</a:t>
+            </a:r>
+          </a:p>
+          <a:p>
+            <a:r>
+              <a:rPr lang="de-DE" dirty="0"/>
+              <a:t>-Anpassung für verschiedene Auflösungen (z. B. bei Handys)</a:t>
+            </a:r>
+          </a:p>
+        </p:txBody>
+      </p:sp>
+      <p:sp>
+        <p:nvSpPr>
+          <p:cNvPr id="4" name="Foliennummernplatzhalter 3"/>
+          <p:cNvSpPr>
+            <a:spLocks noGrp="1"/>
+          </p:cNvSpPr>
+          <p:nvPr>
+            <p:ph type="sldNum" sz="quarter" idx="10"/>
+          </p:nvPr>
+        </p:nvSpPr>
+        <p:spPr/>
+        <p:txBody>
+          <a:bodyPr/>
+          <a:lstStyle/>
+          <a:p>
+            <a:fld id="{5A10762F-17C3-42A0-B4D1-9F18CDA6417D}" type="slidenum">
+              <a:rPr lang="de-DE" smtClean="0"/>
+              <a:t>19</a:t>
+            </a:fld>
+            <a:endParaRPr lang="de-DE"/>
+          </a:p>
+        </p:txBody>
+      </p:sp>
+    </p:spTree>
+    <p:extLst>
+      <p:ext uri="{BB962C8B-B14F-4D97-AF65-F5344CB8AC3E}">
         <p14:creationId xmlns:p14="http://schemas.microsoft.com/office/powerpoint/2010/main" val="2315388877"/>
+      </p:ext>
+    </p:extLst>
+  </p:cSld>
+  <p:clrMapOvr>
+    <a:masterClrMapping/>
+  </p:clrMapOvr>
+</p:notes>
+</file>
+
+<file path=ppt/notesSlides/notesSlide19.xml><?xml version="1.0" encoding="utf-8"?>
+<p:notes xmlns:a="http://schemas.openxmlformats.org/drawingml/2006/main" xmlns:r="http://schemas.openxmlformats.org/officeDocument/2006/relationships" xmlns:p="http://schemas.openxmlformats.org/presentationml/2006/main">
+  <p:cSld>
+    <p:spTree>
+      <p:nvGrpSpPr>
+        <p:cNvPr id="1" name=""/>
+        <p:cNvGrpSpPr/>
+        <p:nvPr/>
+      </p:nvGrpSpPr>
+      <p:grpSpPr>
+        <a:xfrm>
+          <a:off x="0" y="0"/>
+          <a:ext cx="0" cy="0"/>
+          <a:chOff x="0" y="0"/>
+          <a:chExt cx="0" cy="0"/>
+        </a:xfrm>
+      </p:grpSpPr>
+      <p:sp>
+        <p:nvSpPr>
+          <p:cNvPr id="2" name="Folienbildplatzhalter 1"/>
+          <p:cNvSpPr>
+            <a:spLocks noGrp="1" noRot="1" noChangeAspect="1"/>
+          </p:cNvSpPr>
+          <p:nvPr>
+            <p:ph type="sldImg"/>
+          </p:nvPr>
+        </p:nvSpPr>
+        <p:spPr/>
+      </p:sp>
+      <p:sp>
+        <p:nvSpPr>
+          <p:cNvPr id="3" name="Notizenplatzhalter 2"/>
+          <p:cNvSpPr>
+            <a:spLocks noGrp="1"/>
+          </p:cNvSpPr>
+          <p:nvPr>
+            <p:ph type="body" idx="1"/>
+          </p:nvPr>
+        </p:nvSpPr>
+        <p:spPr/>
+        <p:txBody>
+          <a:bodyPr/>
+          <a:lstStyle/>
+          <a:p>
+            <a:r>
+              <a:rPr lang="de-DE" dirty="0"/>
+              <a:t>Im modernen Webdesign kommt den Webtechniken HTML, CSS und JavaScript jeweils eine bestimmte Rolle zu. </a:t>
+            </a:r>
+          </a:p>
+          <a:p>
+            <a:r>
+              <a:rPr lang="de-DE" dirty="0">
+                <a:hlinkClick r:id="rId3"/>
+              </a:rPr>
+              <a:t>Wiederholung: HTML</a:t>
+            </a:r>
+            <a:r>
+              <a:rPr lang="de-DE" dirty="0"/>
+              <a:t> legt fest, </a:t>
+            </a:r>
+            <a:r>
+              <a:rPr lang="de-DE" b="1" dirty="0"/>
+              <a:t>was</a:t>
+            </a:r>
+            <a:r>
+              <a:rPr lang="de-DE" dirty="0"/>
+              <a:t> auf der Seite stehen soll (struktureller Aufbau einer Webseite)</a:t>
+            </a:r>
+          </a:p>
+          <a:p>
+            <a:r>
+              <a:rPr lang="de-DE" dirty="0">
+                <a:hlinkClick r:id="rId3"/>
+              </a:rPr>
+              <a:t>Wiederholung: </a:t>
+            </a:r>
+            <a:r>
+              <a:rPr lang="de-DE" dirty="0">
+                <a:hlinkClick r:id="rId4"/>
+              </a:rPr>
+              <a:t>CSS</a:t>
+            </a:r>
+            <a:r>
+              <a:rPr lang="de-DE" dirty="0"/>
+              <a:t> legt fest, </a:t>
+            </a:r>
+            <a:r>
+              <a:rPr lang="de-DE" b="1" dirty="0"/>
+              <a:t>wie</a:t>
+            </a:r>
+            <a:r>
+              <a:rPr lang="de-DE" dirty="0"/>
+              <a:t> es dargestellt werden soll (Formatierung &amp; Gestaltung)</a:t>
+            </a:r>
+          </a:p>
+          <a:p>
+            <a:r>
+              <a:rPr lang="de-DE" dirty="0">
+                <a:hlinkClick r:id="rId5"/>
+              </a:rPr>
+              <a:t>JavaScript</a:t>
+            </a:r>
+            <a:r>
+              <a:rPr lang="de-DE" dirty="0"/>
+              <a:t> legt fest, was </a:t>
+            </a:r>
+            <a:r>
+              <a:rPr lang="de-DE" b="1" dirty="0"/>
+              <a:t>passieren</a:t>
+            </a:r>
+            <a:r>
+              <a:rPr lang="de-DE" dirty="0"/>
+              <a:t> soll. (interaktive Elemente)</a:t>
+            </a:r>
+          </a:p>
+          <a:p>
+            <a:endParaRPr lang="de-DE" dirty="0"/>
+          </a:p>
+        </p:txBody>
+      </p:sp>
+      <p:sp>
+        <p:nvSpPr>
+          <p:cNvPr id="4" name="Foliennummernplatzhalter 3"/>
+          <p:cNvSpPr>
+            <a:spLocks noGrp="1"/>
+          </p:cNvSpPr>
+          <p:nvPr>
+            <p:ph type="sldNum" sz="quarter" idx="10"/>
+          </p:nvPr>
+        </p:nvSpPr>
+        <p:spPr/>
+        <p:txBody>
+          <a:bodyPr/>
+          <a:lstStyle/>
+          <a:p>
+            <a:fld id="{5A10762F-17C3-42A0-B4D1-9F18CDA6417D}" type="slidenum">
+              <a:rPr lang="de-DE" smtClean="0"/>
+              <a:t>20</a:t>
+            </a:fld>
+            <a:endParaRPr lang="de-DE"/>
+          </a:p>
+        </p:txBody>
+      </p:sp>
+    </p:spTree>
+    <p:extLst>
+      <p:ext uri="{BB962C8B-B14F-4D97-AF65-F5344CB8AC3E}">
+        <p14:creationId xmlns:p14="http://schemas.microsoft.com/office/powerpoint/2010/main" val="1062227717"/>
       </p:ext>
     </p:extLst>
   </p:cSld>
@@ -2292,79 +2727,195 @@
           <a:lstStyle/>
           <a:p>
             <a:r>
+              <a:rPr lang="de-DE" b="1" u="none" dirty="0"/>
+              <a:t>-Visual Studio Code </a:t>
+            </a:r>
+            <a:r>
+              <a:rPr lang="de-DE" b="0" u="none" dirty="0"/>
+              <a:t>ist ein Quelltext-Editor und wird hier bei </a:t>
+            </a:r>
+            <a:r>
+              <a:rPr lang="de-DE" b="0" u="none" dirty="0" err="1"/>
+              <a:t>Arithnea</a:t>
+            </a:r>
+            <a:r>
+              <a:rPr lang="de-DE" b="0" u="none" dirty="0"/>
+              <a:t> oft verwendet (andere Editoren: Brackets, Atom, Sublime Text …)</a:t>
+            </a:r>
+          </a:p>
+          <a:p>
+            <a:br>
+              <a:rPr lang="de-DE" b="0" u="none" dirty="0"/>
+            </a:br>
+            <a:r>
+              <a:rPr lang="de-DE" b="1" u="none" dirty="0"/>
+              <a:t>-node.js </a:t>
+            </a:r>
+            <a:r>
+              <a:rPr lang="de-DE" b="0" u="none" dirty="0"/>
+              <a:t>ist eine JavaScript Laufzeitumgebung</a:t>
+            </a:r>
+          </a:p>
+          <a:p>
+            <a:r>
+              <a:rPr lang="de-DE" b="0" u="none" dirty="0"/>
+              <a:t>	</a:t>
+            </a:r>
+            <a:r>
+              <a:rPr lang="de-DE" b="0" u="none" dirty="0">
+                <a:sym typeface="Wingdings" panose="05000000000000000000" pitchFamily="2" charset="2"/>
+              </a:rPr>
+              <a:t> </a:t>
+            </a:r>
+            <a:r>
               <a:rPr lang="de-DE" dirty="0"/>
-              <a:t>-HTML (</a:t>
-            </a:r>
+              <a:t>ein Framework</a:t>
+            </a:r>
+            <a:br>
+              <a:rPr lang="de-DE" dirty="0"/>
+            </a:br>
+            <a:r>
+              <a:rPr lang="de-DE" dirty="0"/>
+              <a:t>	</a:t>
+            </a:r>
+            <a:r>
+              <a:rPr lang="de-DE" dirty="0">
+                <a:sym typeface="Wingdings" panose="05000000000000000000" pitchFamily="2" charset="2"/>
+              </a:rPr>
+              <a:t> </a:t>
+            </a:r>
+            <a:r>
+              <a:rPr lang="de-DE" dirty="0"/>
+              <a:t>ist Open Source Plattform und hilft bei der Entwicklung  serverseitiger Webapplikationen</a:t>
+            </a:r>
+          </a:p>
+          <a:p>
+            <a:r>
+              <a:rPr lang="de-DE" dirty="0">
+                <a:sym typeface="Wingdings" panose="05000000000000000000" pitchFamily="2" charset="2"/>
+              </a:rPr>
+              <a:t>	 </a:t>
+            </a:r>
+            <a:r>
+              <a:rPr lang="de-DE" dirty="0"/>
+              <a:t>Mit Hilfe des </a:t>
+            </a:r>
+            <a:r>
+              <a:rPr lang="de-DE" dirty="0" err="1"/>
+              <a:t>Node</a:t>
+            </a:r>
+            <a:r>
+              <a:rPr lang="de-DE" dirty="0"/>
+              <a:t> Package Managers können zusätzliche </a:t>
+            </a:r>
+            <a:r>
+              <a:rPr lang="de-DE" dirty="0" err="1"/>
+              <a:t>Node</a:t>
+            </a:r>
+            <a:r>
+              <a:rPr lang="de-DE" dirty="0"/>
+              <a:t>-Module installiert werden</a:t>
+            </a:r>
+          </a:p>
+          <a:p>
+            <a:r>
+              <a:rPr lang="de-DE" dirty="0">
+                <a:sym typeface="Wingdings" panose="05000000000000000000" pitchFamily="2" charset="2"/>
+              </a:rPr>
+              <a:t>	</a:t>
+            </a:r>
+            <a:r>
+              <a:rPr lang="de-DE" i="0" dirty="0">
+                <a:solidFill>
+                  <a:schemeClr val="accent3">
+                    <a:lumMod val="60000"/>
+                    <a:lumOff val="40000"/>
+                  </a:schemeClr>
+                </a:solidFill>
+                <a:sym typeface="Wingdings" panose="05000000000000000000" pitchFamily="2" charset="2"/>
+              </a:rPr>
+              <a:t> muss heruntergeladen</a:t>
+            </a:r>
+          </a:p>
+          <a:p>
+            <a:endParaRPr lang="de-DE" dirty="0"/>
+          </a:p>
+          <a:p>
             <a:r>
               <a:rPr lang="de-DE" b="1" dirty="0"/>
-              <a:t>H</a:t>
+              <a:t>-</a:t>
+            </a:r>
+            <a:r>
+              <a:rPr lang="de-DE" b="1" dirty="0" err="1"/>
+              <a:t>git</a:t>
+            </a:r>
+            <a:r>
+              <a:rPr lang="de-DE" b="1" dirty="0"/>
+              <a:t> </a:t>
             </a:r>
             <a:r>
               <a:rPr lang="de-DE" dirty="0"/>
-              <a:t>yper</a:t>
-            </a:r>
+              <a:t>ist eine freie Software zur verteilten Versionsverwaltung von Dateien</a:t>
+            </a:r>
+          </a:p>
+          <a:p>
+            <a:endParaRPr lang="de-DE" b="1" dirty="0"/>
+          </a:p>
+          <a:p>
             <a:r>
               <a:rPr lang="de-DE" b="1" dirty="0"/>
-              <a:t>t</a:t>
+              <a:t>-</a:t>
+            </a:r>
+            <a:r>
+              <a:rPr lang="de-DE" b="1" dirty="0" err="1"/>
+              <a:t>gulp</a:t>
+            </a:r>
+            <a:r>
+              <a:rPr lang="de-DE" b="1" dirty="0"/>
+              <a:t> </a:t>
             </a:r>
             <a:r>
               <a:rPr lang="de-DE" dirty="0"/>
-              <a:t>ext </a:t>
-            </a:r>
-            <a:r>
-              <a:rPr lang="de-DE" b="1" dirty="0"/>
-              <a:t>M</a:t>
+              <a:t>eine Software, basierend auf Node.js, um verschiedene Aufgaben im Webentwicklungsprozess zu automatisieren </a:t>
+            </a:r>
+            <a:r>
+              <a:rPr lang="de-DE" dirty="0">
+                <a:sym typeface="Wingdings" panose="05000000000000000000" pitchFamily="2" charset="2"/>
+              </a:rPr>
+              <a:t> </a:t>
             </a:r>
             <a:r>
               <a:rPr lang="de-DE" dirty="0"/>
-              <a:t>arkup </a:t>
-            </a:r>
-            <a:r>
-              <a:rPr lang="de-DE" b="1" dirty="0"/>
-              <a:t>L</a:t>
-            </a:r>
-            <a:r>
-              <a:rPr lang="de-DE" dirty="0"/>
-              <a:t>anguage) ist Sprache, in der Webseiten geschrieben sind</a:t>
-            </a:r>
-          </a:p>
-          <a:p>
-            <a:r>
-              <a:rPr lang="de-DE" dirty="0"/>
-              <a:t>-HTML beschreibt mit Hilfe von tags, wie Seite aufgebaut ist</a:t>
-            </a:r>
-          </a:p>
-          <a:p>
-            <a:r>
-              <a:rPr lang="de-DE" dirty="0"/>
-              <a:t>-Browser interpretiert Tags u. stellt die entsprechend dar</a:t>
-            </a:r>
-          </a:p>
-          <a:p>
-            <a:r>
-              <a:rPr lang="de-DE" dirty="0"/>
-              <a:t>-über Tag kann z.B. Bild eingebunden werden</a:t>
-            </a:r>
-          </a:p>
-          <a:p>
-            <a:r>
-              <a:rPr lang="de-DE" dirty="0"/>
-              <a:t>-aktuelle Version ist seit dem 14. Dezember </a:t>
-            </a:r>
-            <a:r>
-              <a:rPr lang="de-DE" i="0" dirty="0"/>
-              <a:t>2017 HTML 5.2</a:t>
-            </a:r>
-          </a:p>
-          <a:p>
-            <a:r>
-              <a:rPr lang="de-DE" i="1" dirty="0"/>
-              <a:t>-</a:t>
-            </a:r>
-            <a:r>
-              <a:rPr lang="de-DE" dirty="0"/>
-              <a:t>HTML dient dazu Text semantisch zu strukturieren</a:t>
-            </a:r>
+              <a:t>z.B.  um HTML, JavaScript und CSS zu verkleinern</a:t>
+            </a:r>
+          </a:p>
+          <a:p>
+            <a:endParaRPr lang="de-DE" b="1" dirty="0"/>
+          </a:p>
+          <a:p>
+            <a:r>
+              <a:rPr lang="de-DE" b="0" dirty="0"/>
+              <a:t>// Ordner liegt wie vor? Welche befehle ? </a:t>
+            </a:r>
+            <a:r>
+              <a:rPr lang="de-DE" b="0" dirty="0" err="1"/>
+              <a:t>Npm</a:t>
+            </a:r>
+            <a:r>
+              <a:rPr lang="de-DE" b="0" dirty="0"/>
+              <a:t> </a:t>
+            </a:r>
+            <a:r>
+              <a:rPr lang="de-DE" b="0" dirty="0" err="1"/>
+              <a:t>install</a:t>
+            </a:r>
+            <a:r>
+              <a:rPr lang="de-DE" b="0" dirty="0"/>
+              <a:t> ?</a:t>
+            </a:r>
+          </a:p>
+          <a:p>
+            <a:endParaRPr lang="de-DE" dirty="0"/>
           </a:p>
         </p:txBody>
       </p:sp>
@@ -2394,7 +2945,7 @@
     </p:spTree>
     <p:extLst>
       <p:ext uri="{BB962C8B-B14F-4D97-AF65-F5344CB8AC3E}">
-        <p14:creationId xmlns:p14="http://schemas.microsoft.com/office/powerpoint/2010/main" val="4039940716"/>
+        <p14:creationId xmlns:p14="http://schemas.microsoft.com/office/powerpoint/2010/main" val="2787530866"/>
       </p:ext>
     </p:extLst>
   </p:cSld>
@@ -2448,175 +2999,80 @@
           <a:bodyPr/>
           <a:lstStyle/>
           <a:p>
-            <a:pPr marL="171450" indent="-171450">
-              <a:buFontTx/>
-              <a:buChar char="-"/>
-            </a:pPr>
             <a:r>
               <a:rPr lang="de-DE" dirty="0"/>
-              <a:t>Grundgerüst einer HTML-Seite sieht vereinfacht folgendermaßen aus:</a:t>
-            </a:r>
-          </a:p>
-          <a:p>
-            <a:pPr marL="171450" indent="-171450">
-              <a:buFontTx/>
-              <a:buChar char="-"/>
-            </a:pPr>
+              <a:t>-HTML (</a:t>
+            </a:r>
             <a:r>
               <a:rPr lang="de-DE" b="1" dirty="0"/>
-              <a:t>DOCTYPE </a:t>
-            </a:r>
-            <a:r>
-              <a:rPr lang="de-DE" b="1" dirty="0">
-                <a:sym typeface="Wingdings" panose="05000000000000000000" pitchFamily="2" charset="2"/>
-              </a:rPr>
-              <a:t> </a:t>
-            </a:r>
-            <a:r>
-              <a:rPr lang="de-DE" b="0" dirty="0">
-                <a:sym typeface="Wingdings" panose="05000000000000000000" pitchFamily="2" charset="2"/>
-              </a:rPr>
-              <a:t>g</a:t>
+              <a:t>H</a:t>
             </a:r>
             <a:r>
               <a:rPr lang="de-DE" dirty="0"/>
-              <a:t>ibt an, um welchen Typ von Dokument es sich handelt ( z.B. XHTML, XML …)</a:t>
-            </a:r>
-          </a:p>
-          <a:p>
-            <a:pPr marL="171450" indent="-171450">
-              <a:buFontTx/>
-              <a:buChar char="-"/>
-            </a:pPr>
+              <a:t>yper</a:t>
+            </a:r>
             <a:r>
               <a:rPr lang="de-DE" b="1" dirty="0"/>
-              <a:t>Lang-Attribut </a:t>
-            </a:r>
-            <a:r>
-              <a:rPr lang="de-DE" b="1" dirty="0">
-                <a:sym typeface="Wingdings" panose="05000000000000000000" pitchFamily="2" charset="2"/>
-              </a:rPr>
-              <a:t> </a:t>
+              <a:t>t</a:t>
             </a:r>
             <a:r>
               <a:rPr lang="de-DE" dirty="0"/>
-              <a:t>Sprache der Seite festgelegt</a:t>
-            </a:r>
-          </a:p>
-          <a:p>
-            <a:pPr marL="171450" indent="-171450">
-              <a:buFontTx/>
-              <a:buChar char="-"/>
-            </a:pPr>
-            <a:endParaRPr lang="de-DE" b="1" dirty="0"/>
-          </a:p>
-          <a:p>
-            <a:pPr marL="171450" indent="-171450">
-              <a:buFontTx/>
-              <a:buChar char="-"/>
-            </a:pPr>
+              <a:t>ext </a:t>
+            </a:r>
             <a:r>
               <a:rPr lang="de-DE" b="1" dirty="0"/>
-              <a:t>HEAD </a:t>
-            </a:r>
-            <a:r>
-              <a:rPr lang="de-DE" b="1" dirty="0">
-                <a:sym typeface="Wingdings" panose="05000000000000000000" pitchFamily="2" charset="2"/>
-              </a:rPr>
-              <a:t></a:t>
+              <a:t>M</a:t>
             </a:r>
             <a:r>
               <a:rPr lang="de-DE" dirty="0"/>
-              <a:t> im Kopfbereich werden Elemente wie der Titel der Seite, Zeichencodierung, </a:t>
-            </a:r>
-            <a:r>
-              <a:rPr lang="de-DE" dirty="0" err="1"/>
-              <a:t>viewport</a:t>
+              <a:t>arkup </a:t>
+            </a:r>
+            <a:r>
+              <a:rPr lang="de-DE" b="1" dirty="0"/>
+              <a:t>L</a:t>
             </a:r>
             <a:r>
               <a:rPr lang="de-DE" dirty="0"/>
-              <a:t> festgelegt</a:t>
-            </a:r>
-          </a:p>
-          <a:p>
-            <a:pPr marL="171450" indent="-171450">
-              <a:buFontTx/>
-              <a:buChar char="-"/>
-            </a:pPr>
-            <a:r>
-              <a:rPr lang="de-DE" b="1" dirty="0"/>
-              <a:t>meta-Element </a:t>
-            </a:r>
-            <a:r>
-              <a:rPr lang="de-DE" b="1" dirty="0">
-                <a:sym typeface="Wingdings" panose="05000000000000000000" pitchFamily="2" charset="2"/>
-              </a:rPr>
-              <a:t> </a:t>
-            </a:r>
-            <a:r>
-              <a:rPr lang="de-DE" b="0" dirty="0">
-                <a:sym typeface="Wingdings" panose="05000000000000000000" pitchFamily="2" charset="2"/>
-              </a:rPr>
-              <a:t>geben</a:t>
-            </a:r>
-            <a:r>
-              <a:rPr lang="de-DE" b="0" dirty="0"/>
-              <a:t> </a:t>
-            </a:r>
+              <a:t>anguage) ist Sprache, in der Webseiten geschrieben sind</a:t>
+            </a:r>
+          </a:p>
+          <a:p>
             <a:r>
               <a:rPr lang="de-DE" dirty="0"/>
-              <a:t>Zusatzangaben z.B. zum Viewport</a:t>
-            </a:r>
-          </a:p>
-          <a:p>
-            <a:pPr marL="171450" indent="-171450">
-              <a:buFontTx/>
-              <a:buChar char="-"/>
-            </a:pPr>
-            <a:r>
-              <a:rPr lang="de-DE" b="1" dirty="0"/>
-              <a:t>Viewport </a:t>
-            </a:r>
-            <a:r>
-              <a:rPr lang="de-DE" b="1" dirty="0">
-                <a:sym typeface="Wingdings" panose="05000000000000000000" pitchFamily="2" charset="2"/>
-              </a:rPr>
-              <a:t> </a:t>
-            </a:r>
-            <a:r>
-              <a:rPr lang="de-DE" b="0" dirty="0">
-                <a:sym typeface="Wingdings" panose="05000000000000000000" pitchFamily="2" charset="2"/>
-              </a:rPr>
-              <a:t>C</a:t>
-            </a:r>
+              <a:t>-HTML beschreibt mit Hilfe von tags, wie Seite aufgebaut ist</a:t>
+            </a:r>
+          </a:p>
+          <a:p>
             <a:r>
               <a:rPr lang="de-DE" dirty="0"/>
-              <a:t>odezeile sorgt für eine korrekte Skalierung der Website beim ersten Aufruf auf dem mobilen Gerät</a:t>
-            </a:r>
-            <a:endParaRPr lang="de-DE" b="1" dirty="0"/>
-          </a:p>
-          <a:p>
-            <a:pPr marL="171450" indent="-171450">
-              <a:buFontTx/>
-              <a:buChar char="-"/>
-            </a:pPr>
-            <a:r>
-              <a:rPr lang="de-DE" b="1" dirty="0"/>
-              <a:t>BODY </a:t>
-            </a:r>
-            <a:r>
-              <a:rPr lang="de-DE" b="1" dirty="0">
-                <a:sym typeface="Wingdings" panose="05000000000000000000" pitchFamily="2" charset="2"/>
-              </a:rPr>
-              <a:t> </a:t>
-            </a:r>
-            <a:r>
-              <a:rPr lang="de-DE" b="0" dirty="0">
-                <a:sym typeface="Wingdings" panose="05000000000000000000" pitchFamily="2" charset="2"/>
-              </a:rPr>
-              <a:t>im Körper befinden sich Inhalte, die auf der Webseite angezeigt werden sollen</a:t>
-            </a:r>
-            <a:endParaRPr lang="de-DE" b="0" dirty="0"/>
+              <a:t>-Browser interpretiert Tags u. stellt die entsprechend dar</a:t>
+            </a:r>
+          </a:p>
+          <a:p>
+            <a:r>
+              <a:rPr lang="de-DE" dirty="0"/>
+              <a:t>-über Tag kann z.B. Bild eingebunden werden</a:t>
+            </a:r>
+          </a:p>
+          <a:p>
+            <a:r>
+              <a:rPr lang="de-DE" dirty="0"/>
+              <a:t>-aktuelle Version ist seit dem 14. Dezember </a:t>
+            </a:r>
+            <a:r>
+              <a:rPr lang="de-DE" i="0" dirty="0"/>
+              <a:t>2017 HTML 5.2</a:t>
+            </a:r>
+          </a:p>
+          <a:p>
+            <a:r>
+              <a:rPr lang="de-DE" i="1" dirty="0"/>
+              <a:t>-</a:t>
+            </a:r>
+            <a:r>
+              <a:rPr lang="de-DE" dirty="0"/>
+              <a:t>HTML dient dazu Text semantisch zu strukturieren</a:t>
+            </a:r>
           </a:p>
         </p:txBody>
       </p:sp>
@@ -2646,7 +3102,7 @@
     </p:spTree>
     <p:extLst>
       <p:ext uri="{BB962C8B-B14F-4D97-AF65-F5344CB8AC3E}">
-        <p14:creationId xmlns:p14="http://schemas.microsoft.com/office/powerpoint/2010/main" val="2565093331"/>
+        <p14:creationId xmlns:p14="http://schemas.microsoft.com/office/powerpoint/2010/main" val="4039940716"/>
       </p:ext>
     </p:extLst>
   </p:cSld>
@@ -2706,7 +3162,7 @@
             </a:pPr>
             <a:r>
               <a:rPr lang="de-DE" dirty="0"/>
-              <a:t>In HTML wird ein Element über  Start-Tag u. End-Tag definiert</a:t>
+              <a:t>Grundgerüst einer HTML-Seite sieht vereinfacht folgendermaßen aus:</a:t>
             </a:r>
           </a:p>
           <a:p>
@@ -2715,14 +3171,24 @@
               <a:buChar char="-"/>
             </a:pPr>
             <a:r>
-              <a:rPr lang="de-DE" b="0" dirty="0"/>
-              <a:t>Innerhalb der Tags befindet sich der Content </a:t>
+              <a:rPr lang="de-DE" b="1" dirty="0"/>
+              <a:t>DOCTYPE </a:t>
+            </a:r>
+            <a:r>
+              <a:rPr lang="de-DE" b="1" dirty="0">
+                <a:sym typeface="Wingdings" panose="05000000000000000000" pitchFamily="2" charset="2"/>
+              </a:rPr>
+              <a:t> </a:t>
             </a:r>
             <a:r>
               <a:rPr lang="de-DE" b="0" dirty="0">
                 <a:sym typeface="Wingdings" panose="05000000000000000000" pitchFamily="2" charset="2"/>
               </a:rPr>
-              <a:t> der später sichtbarer Bereich auf einer Seite</a:t>
+              <a:t>g</a:t>
+            </a:r>
+            <a:r>
+              <a:rPr lang="de-DE" dirty="0"/>
+              <a:t>ibt an, um welchen Typ von Dokument es sich handelt ( z.B. XHTML, XML …)</a:t>
             </a:r>
           </a:p>
           <a:p>
@@ -2731,26 +3197,132 @@
               <a:buChar char="-"/>
             </a:pPr>
             <a:r>
-              <a:rPr lang="de-DE" dirty="0"/>
-              <a:t>Einige Elemente müssen nicht geschlossen werden </a:t>
-            </a:r>
-            <a:r>
-              <a:rPr lang="de-DE" dirty="0">
+              <a:rPr lang="de-DE" b="1" dirty="0"/>
+              <a:t>Lang-Attribut </a:t>
+            </a:r>
+            <a:r>
+              <a:rPr lang="de-DE" b="1" dirty="0">
                 <a:sym typeface="Wingdings" panose="05000000000000000000" pitchFamily="2" charset="2"/>
               </a:rPr>
               <a:t> </a:t>
             </a:r>
             <a:r>
               <a:rPr lang="de-DE" dirty="0"/>
-              <a:t>z.B. &lt;</a:t>
+              <a:t>Sprache der Seite festgelegt</a:t>
+            </a:r>
+          </a:p>
+          <a:p>
+            <a:pPr marL="171450" indent="-171450">
+              <a:buFontTx/>
+              <a:buChar char="-"/>
+            </a:pPr>
+            <a:endParaRPr lang="de-DE" b="1" dirty="0"/>
+          </a:p>
+          <a:p>
+            <a:pPr marL="171450" indent="-171450">
+              <a:buFontTx/>
+              <a:buChar char="-"/>
+            </a:pPr>
+            <a:r>
+              <a:rPr lang="de-DE" b="1" dirty="0"/>
+              <a:t>HEAD </a:t>
+            </a:r>
+            <a:r>
+              <a:rPr lang="de-DE" b="1" dirty="0">
+                <a:sym typeface="Wingdings" panose="05000000000000000000" pitchFamily="2" charset="2"/>
+              </a:rPr>
+              <a:t></a:t>
+            </a:r>
+            <a:r>
+              <a:rPr lang="de-DE" dirty="0"/>
+              <a:t> im Kopfbereich werden Elemente wie der Titel der Seite, Zeichencodierung, </a:t>
             </a:r>
             <a:r>
               <a:rPr lang="de-DE" dirty="0" err="1"/>
-              <a:t>img</a:t>
+              <a:t>viewport</a:t>
             </a:r>
             <a:r>
               <a:rPr lang="de-DE" dirty="0"/>
-              <a:t>&gt;-Tag</a:t>
+              <a:t> festgelegt</a:t>
+            </a:r>
+          </a:p>
+          <a:p>
+            <a:pPr marL="171450" indent="-171450">
+              <a:buFontTx/>
+              <a:buChar char="-"/>
+            </a:pPr>
+            <a:r>
+              <a:rPr lang="de-DE" b="1" dirty="0"/>
+              <a:t>meta-Element </a:t>
+            </a:r>
+            <a:r>
+              <a:rPr lang="de-DE" b="1" dirty="0">
+                <a:sym typeface="Wingdings" panose="05000000000000000000" pitchFamily="2" charset="2"/>
+              </a:rPr>
+              <a:t> </a:t>
+            </a:r>
+            <a:r>
+              <a:rPr lang="de-DE" b="0" dirty="0">
+                <a:sym typeface="Wingdings" panose="05000000000000000000" pitchFamily="2" charset="2"/>
+              </a:rPr>
+              <a:t>geben</a:t>
+            </a:r>
+            <a:r>
+              <a:rPr lang="de-DE" b="0" dirty="0"/>
+              <a:t> </a:t>
+            </a:r>
+            <a:r>
+              <a:rPr lang="de-DE" dirty="0"/>
+              <a:t>Zusatzangaben z.B. zum Viewport</a:t>
+            </a:r>
+          </a:p>
+          <a:p>
+            <a:pPr marL="171450" indent="-171450">
+              <a:buFontTx/>
+              <a:buChar char="-"/>
+            </a:pPr>
+            <a:r>
+              <a:rPr lang="de-DE" b="1" dirty="0"/>
+              <a:t>Viewport </a:t>
+            </a:r>
+            <a:r>
+              <a:rPr lang="de-DE" b="1" dirty="0">
+                <a:sym typeface="Wingdings" panose="05000000000000000000" pitchFamily="2" charset="2"/>
+              </a:rPr>
+              <a:t> </a:t>
+            </a:r>
+            <a:r>
+              <a:rPr lang="de-DE" b="0" dirty="0">
+                <a:sym typeface="Wingdings" panose="05000000000000000000" pitchFamily="2" charset="2"/>
+              </a:rPr>
+              <a:t>C</a:t>
+            </a:r>
+            <a:r>
+              <a:rPr lang="de-DE" dirty="0"/>
+              <a:t>odezeile sorgt für eine korrekte Skalierung der Website beim ersten Aufruf auf dem mobilen Gerät</a:t>
+            </a:r>
+            <a:endParaRPr lang="de-DE" b="1" dirty="0"/>
+          </a:p>
+          <a:p>
+            <a:pPr marL="171450" indent="-171450">
+              <a:buFontTx/>
+              <a:buChar char="-"/>
+            </a:pPr>
+            <a:r>
+              <a:rPr lang="de-DE" b="1" dirty="0"/>
+              <a:t>BODY </a:t>
+            </a:r>
+            <a:r>
+              <a:rPr lang="de-DE" b="1" dirty="0">
+                <a:sym typeface="Wingdings" panose="05000000000000000000" pitchFamily="2" charset="2"/>
+              </a:rPr>
+              <a:t> </a:t>
+            </a:r>
+            <a:r>
+              <a:rPr lang="de-DE" b="0" dirty="0">
+                <a:sym typeface="Wingdings" panose="05000000000000000000" pitchFamily="2" charset="2"/>
+              </a:rPr>
+              <a:t>im Körper befinden sich Inhalte, die auf der Webseite angezeigt werden sollen</a:t>
             </a:r>
             <a:endParaRPr lang="de-DE" b="0" dirty="0"/>
           </a:p>
@@ -2782,7 +3354,7 @@
     </p:spTree>
     <p:extLst>
       <p:ext uri="{BB962C8B-B14F-4D97-AF65-F5344CB8AC3E}">
-        <p14:creationId xmlns:p14="http://schemas.microsoft.com/office/powerpoint/2010/main" val="3049137418"/>
+        <p14:creationId xmlns:p14="http://schemas.microsoft.com/office/powerpoint/2010/main" val="2565093331"/>
       </p:ext>
     </p:extLst>
   </p:cSld>
@@ -2836,59 +3408,39 @@
           <a:bodyPr/>
           <a:lstStyle/>
           <a:p>
+            <a:pPr marL="171450" indent="-171450">
+              <a:buFontTx/>
+              <a:buChar char="-"/>
+            </a:pPr>
             <a:r>
               <a:rPr lang="de-DE" dirty="0"/>
-              <a:t>-Folie zeigt ein paar HTML Elemente, die durch Tags markiert sind</a:t>
-            </a:r>
-          </a:p>
-          <a:p>
-            <a:pPr marL="0" indent="0">
+              <a:t>In HTML wird ein Element über  Start-Tag u. End-Tag definiert</a:t>
+            </a:r>
+          </a:p>
+          <a:p>
+            <a:pPr marL="171450" indent="-171450">
               <a:buFontTx/>
-              <a:buNone/>
+              <a:buChar char="-"/>
             </a:pPr>
             <a:r>
-              <a:rPr lang="de-DE" dirty="0"/>
-              <a:t>-Elemente sorgen für übersichtliche u. semantische Struktur</a:t>
-            </a:r>
-          </a:p>
-          <a:p>
-            <a:pPr marL="0" indent="0">
-              <a:buFontTx/>
-              <a:buNone/>
-            </a:pPr>
-            <a:r>
-              <a:rPr lang="de-DE" dirty="0"/>
-              <a:t>-jedes HTML Element hat bestimmten Verwendungszweck z.B.</a:t>
-            </a:r>
-          </a:p>
-          <a:p>
-            <a:pPr marL="0" indent="0">
-              <a:buFontTx/>
-              <a:buNone/>
-            </a:pPr>
-            <a:r>
-              <a:rPr lang="de-DE" dirty="0">
+              <a:rPr lang="de-DE" b="0" dirty="0"/>
+              <a:t>Innerhalb der Tags befindet sich der Content </a:t>
+            </a:r>
+            <a:r>
+              <a:rPr lang="de-DE" b="0" dirty="0">
                 <a:sym typeface="Wingdings" panose="05000000000000000000" pitchFamily="2" charset="2"/>
               </a:rPr>
-              <a:t>	 </a:t>
-            </a:r>
-            <a:r>
-              <a:rPr lang="de-DE" b="1" dirty="0"/>
-              <a:t>header</a:t>
-            </a:r>
+              <a:t> der später sichtbarer Bereich auf einer Seite</a:t>
+            </a:r>
+          </a:p>
+          <a:p>
+            <a:pPr marL="171450" indent="-171450">
+              <a:buFontTx/>
+              <a:buChar char="-"/>
+            </a:pPr>
             <a:r>
               <a:rPr lang="de-DE" dirty="0"/>
-              <a:t>-Element enthält den sichtbaren Kopfbereich einer Webseite z.B. Logo, Navigation etc.</a:t>
-            </a:r>
-          </a:p>
-          <a:p>
-            <a:pPr marL="0" indent="0">
-              <a:buFontTx/>
-              <a:buNone/>
-            </a:pPr>
-            <a:r>
-              <a:rPr lang="de-DE" dirty="0"/>
-              <a:t>	</a:t>
+              <a:t>Einige Elemente müssen nicht geschlossen werden </a:t>
             </a:r>
             <a:r>
               <a:rPr lang="de-DE" dirty="0">
@@ -2897,179 +3449,18 @@
               <a:t> </a:t>
             </a:r>
             <a:r>
-              <a:rPr lang="de-DE" b="1" dirty="0" err="1">
-                <a:sym typeface="Wingdings" panose="05000000000000000000" pitchFamily="2" charset="2"/>
-              </a:rPr>
+              <a:rPr lang="de-DE" dirty="0"/>
+              <a:t>z.B. &lt;</a:t>
+            </a:r>
+            <a:r>
+              <a:rPr lang="de-DE" dirty="0" err="1"/>
               <a:t>img</a:t>
             </a:r>
             <a:r>
-              <a:rPr lang="de-DE" dirty="0">
-                <a:sym typeface="Wingdings" panose="05000000000000000000" pitchFamily="2" charset="2"/>
-              </a:rPr>
-              <a:t>-Element </a:t>
-            </a:r>
-            <a:r>
               <a:rPr lang="de-DE" dirty="0"/>
-              <a:t>ermöglicht es, Bilddateien in einem Dokument darzustellen, Besonderheit kein </a:t>
-            </a:r>
-            <a:r>
-              <a:rPr lang="de-DE" dirty="0" err="1"/>
-              <a:t>closing</a:t>
-            </a:r>
-            <a:r>
-              <a:rPr lang="de-DE" dirty="0"/>
-              <a:t> Tag</a:t>
-            </a:r>
-          </a:p>
-          <a:p>
-            <a:pPr marL="0" marR="0" lvl="0" indent="0" algn="l" defTabSz="914400" rtl="0" eaLnBrk="1" fontAlgn="auto" latinLnBrk="0" hangingPunct="1">
-              <a:lnSpc>
-                <a:spcPct val="100000"/>
-              </a:lnSpc>
-              <a:spcBef>
-                <a:spcPts val="0"/>
-              </a:spcBef>
-              <a:spcAft>
-                <a:spcPts val="0"/>
-              </a:spcAft>
-              <a:buClrTx/>
-              <a:buSzTx/>
-              <a:buFontTx/>
-              <a:buNone/>
-              <a:tabLst/>
-              <a:defRPr/>
-            </a:pPr>
-            <a:r>
-              <a:rPr lang="de-DE" b="0" dirty="0">
-                <a:sym typeface="Wingdings" panose="05000000000000000000" pitchFamily="2" charset="2"/>
-              </a:rPr>
-              <a:t>	 </a:t>
-            </a:r>
-            <a:r>
-              <a:rPr lang="de-DE" b="1" dirty="0" err="1">
-                <a:sym typeface="Wingdings" panose="05000000000000000000" pitchFamily="2" charset="2"/>
-              </a:rPr>
-              <a:t>ul</a:t>
-            </a:r>
-            <a:r>
-              <a:rPr lang="de-DE" b="1" dirty="0">
-                <a:sym typeface="Wingdings" panose="05000000000000000000" pitchFamily="2" charset="2"/>
-              </a:rPr>
-              <a:t>-</a:t>
-            </a:r>
-            <a:r>
-              <a:rPr lang="de-DE" b="0" dirty="0">
-                <a:sym typeface="Wingdings" panose="05000000000000000000" pitchFamily="2" charset="2"/>
-              </a:rPr>
-              <a:t>Element ungeordnete Liste</a:t>
-            </a:r>
-            <a:endParaRPr lang="de-DE" dirty="0"/>
-          </a:p>
-          <a:p>
-            <a:pPr marL="0" indent="0">
-              <a:buFontTx/>
-              <a:buNone/>
-            </a:pPr>
-            <a:r>
-              <a:rPr lang="de-DE" dirty="0"/>
-              <a:t>	</a:t>
-            </a:r>
-            <a:r>
-              <a:rPr lang="de-DE" dirty="0">
-                <a:sym typeface="Wingdings" panose="05000000000000000000" pitchFamily="2" charset="2"/>
-              </a:rPr>
-              <a:t> </a:t>
-            </a:r>
-            <a:r>
-              <a:rPr lang="de-DE" b="1" dirty="0">
-                <a:sym typeface="Wingdings" panose="05000000000000000000" pitchFamily="2" charset="2"/>
-              </a:rPr>
-              <a:t>li</a:t>
-            </a:r>
-            <a:r>
-              <a:rPr lang="de-DE" b="0" dirty="0">
-                <a:sym typeface="Wingdings" panose="05000000000000000000" pitchFamily="2" charset="2"/>
-              </a:rPr>
-              <a:t>-Element repräsentiert einzelnes Element einer ungeordneten/geordneten Liste</a:t>
-            </a:r>
-          </a:p>
-          <a:p>
-            <a:pPr marL="0" indent="0">
-              <a:buFontTx/>
-              <a:buNone/>
-            </a:pPr>
-            <a:endParaRPr lang="de-DE" b="0" dirty="0">
-              <a:sym typeface="Wingdings" panose="05000000000000000000" pitchFamily="2" charset="2"/>
-            </a:endParaRPr>
-          </a:p>
-          <a:p>
-            <a:pPr marL="0" indent="0">
-              <a:buFontTx/>
-              <a:buNone/>
-            </a:pPr>
-            <a:r>
-              <a:rPr lang="de-DE" b="0" dirty="0">
-                <a:sym typeface="Wingdings" panose="05000000000000000000" pitchFamily="2" charset="2"/>
-              </a:rPr>
-              <a:t>-Speziell im HTML5 wurden neue Elemente eingeführt z.B.</a:t>
-            </a:r>
-          </a:p>
-          <a:p>
-            <a:pPr marL="0" indent="0">
-              <a:buFontTx/>
-              <a:buNone/>
-            </a:pPr>
-            <a:r>
-              <a:rPr lang="de-DE" b="1" dirty="0">
-                <a:sym typeface="Wingdings" panose="05000000000000000000" pitchFamily="2" charset="2"/>
-              </a:rPr>
-              <a:t>	 </a:t>
-            </a:r>
-            <a:r>
-              <a:rPr lang="de-DE" b="1" dirty="0" err="1">
-                <a:sym typeface="Wingdings" panose="05000000000000000000" pitchFamily="2" charset="2"/>
-              </a:rPr>
-              <a:t>footer</a:t>
-            </a:r>
-            <a:r>
-              <a:rPr lang="de-DE" b="1" dirty="0">
-                <a:sym typeface="Wingdings" panose="05000000000000000000" pitchFamily="2" charset="2"/>
-              </a:rPr>
-              <a:t> </a:t>
-            </a:r>
-            <a:r>
-              <a:rPr lang="de-DE" dirty="0"/>
-              <a:t>repräsentiert eine Fußzeile</a:t>
-            </a:r>
-          </a:p>
-          <a:p>
-            <a:pPr marL="0" indent="0">
-              <a:buFontTx/>
-              <a:buNone/>
-            </a:pPr>
-            <a:r>
-              <a:rPr lang="de-DE" b="1" dirty="0">
-                <a:sym typeface="Wingdings" panose="05000000000000000000" pitchFamily="2" charset="2"/>
-              </a:rPr>
-              <a:t>	 </a:t>
-            </a:r>
-            <a:r>
-              <a:rPr lang="de-DE" b="1" dirty="0" err="1">
-                <a:sym typeface="Wingdings" panose="05000000000000000000" pitchFamily="2" charset="2"/>
-              </a:rPr>
-              <a:t>Aside</a:t>
-            </a:r>
-            <a:r>
-              <a:rPr lang="de-DE" b="1" dirty="0">
-                <a:sym typeface="Wingdings" panose="05000000000000000000" pitchFamily="2" charset="2"/>
-              </a:rPr>
-              <a:t> </a:t>
-            </a:r>
-            <a:r>
-              <a:rPr lang="de-DE" dirty="0"/>
-              <a:t>repräsentiert eine Sektion einer Seite</a:t>
-            </a:r>
-            <a:endParaRPr lang="de-DE" b="1" dirty="0"/>
+              <a:t>&gt;-Tag</a:t>
+            </a:r>
+            <a:endParaRPr lang="de-DE" b="0" dirty="0"/>
           </a:p>
         </p:txBody>
       </p:sp>
@@ -3099,7 +3490,7 @@
     </p:spTree>
     <p:extLst>
       <p:ext uri="{BB962C8B-B14F-4D97-AF65-F5344CB8AC3E}">
-        <p14:creationId xmlns:p14="http://schemas.microsoft.com/office/powerpoint/2010/main" val="3686366296"/>
+        <p14:creationId xmlns:p14="http://schemas.microsoft.com/office/powerpoint/2010/main" val="3049137418"/>
       </p:ext>
     </p:extLst>
   </p:cSld>
@@ -3153,23 +3544,9 @@
           <a:bodyPr/>
           <a:lstStyle/>
           <a:p>
-            <a:pPr marL="171450" indent="-171450">
-              <a:buFontTx/>
-              <a:buChar char="-"/>
-            </a:pPr>
-            <a:r>
-              <a:rPr lang="de-DE" b="0" dirty="0"/>
-              <a:t>Einige Elemente in HTML haben Attribute</a:t>
-            </a:r>
-          </a:p>
-          <a:p>
-            <a:pPr marL="171450" indent="-171450">
-              <a:buFontTx/>
-              <a:buChar char="-"/>
-            </a:pPr>
-            <a:r>
-              <a:rPr lang="de-DE" b="0" dirty="0"/>
-              <a:t>Attribute geben einem Element zusätzliche Werte</a:t>
+            <a:r>
+              <a:rPr lang="de-DE" dirty="0"/>
+              <a:t>-Folie zeigt ein paar HTML Elemente, die durch Tags markiert sind</a:t>
             </a:r>
           </a:p>
           <a:p>
@@ -3178,53 +3555,229 @@
               <a:buNone/>
             </a:pPr>
             <a:r>
+              <a:rPr lang="de-DE" dirty="0"/>
+              <a:t>-Elemente sorgen für übersichtliche u. semantische Struktur</a:t>
+            </a:r>
+          </a:p>
+          <a:p>
+            <a:pPr marL="0" indent="0">
+              <a:buFontTx/>
+              <a:buNone/>
+            </a:pPr>
+            <a:r>
+              <a:rPr lang="de-DE" dirty="0"/>
+              <a:t>-jedes HTML Element hat bestimmten Verwendungszweck z.B.</a:t>
+            </a:r>
+          </a:p>
+          <a:p>
+            <a:pPr marL="0" indent="0">
+              <a:buFontTx/>
+              <a:buNone/>
+            </a:pPr>
+            <a:r>
+              <a:rPr lang="de-DE" dirty="0">
+                <a:sym typeface="Wingdings" panose="05000000000000000000" pitchFamily="2" charset="2"/>
+              </a:rPr>
+              <a:t>	 </a:t>
+            </a:r>
+            <a:r>
+              <a:rPr lang="de-DE" b="1" dirty="0"/>
+              <a:t>header</a:t>
+            </a:r>
+            <a:r>
+              <a:rPr lang="de-DE" dirty="0"/>
+              <a:t>-Element enthält den sichtbaren Kopfbereich einer Webseite z.B. Logo, Navigation etc.</a:t>
+            </a:r>
+          </a:p>
+          <a:p>
+            <a:pPr marL="0" indent="0">
+              <a:buFontTx/>
+              <a:buNone/>
+            </a:pPr>
+            <a:r>
+              <a:rPr lang="de-DE" dirty="0"/>
+              <a:t>	</a:t>
+            </a:r>
+            <a:r>
+              <a:rPr lang="de-DE" dirty="0">
+                <a:sym typeface="Wingdings" panose="05000000000000000000" pitchFamily="2" charset="2"/>
+              </a:rPr>
+              <a:t> </a:t>
+            </a:r>
+            <a:r>
+              <a:rPr lang="de-DE" b="1" dirty="0" err="1">
+                <a:sym typeface="Wingdings" panose="05000000000000000000" pitchFamily="2" charset="2"/>
+              </a:rPr>
+              <a:t>img</a:t>
+            </a:r>
+            <a:r>
+              <a:rPr lang="de-DE" dirty="0">
+                <a:sym typeface="Wingdings" panose="05000000000000000000" pitchFamily="2" charset="2"/>
+              </a:rPr>
+              <a:t>-Element </a:t>
+            </a:r>
+            <a:r>
+              <a:rPr lang="de-DE" dirty="0"/>
+              <a:t>ermöglicht es, Bilddateien in einem Dokument darzustellen, Besonderheit kein </a:t>
+            </a:r>
+            <a:r>
+              <a:rPr lang="de-DE" dirty="0" err="1"/>
+              <a:t>closing</a:t>
+            </a:r>
+            <a:r>
+              <a:rPr lang="de-DE" dirty="0"/>
+              <a:t> Tag</a:t>
+            </a:r>
+          </a:p>
+          <a:p>
+            <a:pPr marL="0" marR="0" lvl="0" indent="0" algn="l" defTabSz="914400" rtl="0" eaLnBrk="1" fontAlgn="auto" latinLnBrk="0" hangingPunct="1">
+              <a:lnSpc>
+                <a:spcPct val="100000"/>
+              </a:lnSpc>
+              <a:spcBef>
+                <a:spcPts val="0"/>
+              </a:spcBef>
+              <a:spcAft>
+                <a:spcPts val="0"/>
+              </a:spcAft>
+              <a:buClrTx/>
+              <a:buSzTx/>
+              <a:buFontTx/>
+              <a:buNone/>
+              <a:tabLst/>
+              <a:defRPr/>
+            </a:pPr>
+            <a:r>
               <a:rPr lang="de-DE" b="0" dirty="0">
                 <a:sym typeface="Wingdings" panose="05000000000000000000" pitchFamily="2" charset="2"/>
               </a:rPr>
-              <a:t> </a:t>
+              <a:t>	 </a:t>
+            </a:r>
+            <a:r>
+              <a:rPr lang="de-DE" b="1" dirty="0" err="1">
+                <a:sym typeface="Wingdings" panose="05000000000000000000" pitchFamily="2" charset="2"/>
+              </a:rPr>
+              <a:t>ul</a:t>
             </a:r>
             <a:r>
               <a:rPr lang="de-DE" b="1" dirty="0">
                 <a:sym typeface="Wingdings" panose="05000000000000000000" pitchFamily="2" charset="2"/>
               </a:rPr>
-              <a:t>a- Element </a:t>
-            </a:r>
+              <a:t>-</a:t>
+            </a:r>
+            <a:r>
+              <a:rPr lang="de-DE" b="0" dirty="0">
+                <a:sym typeface="Wingdings" panose="05000000000000000000" pitchFamily="2" charset="2"/>
+              </a:rPr>
+              <a:t>Element ungeordnete Liste</a:t>
+            </a:r>
+            <a:endParaRPr lang="de-DE" dirty="0"/>
+          </a:p>
+          <a:p>
+            <a:pPr marL="0" indent="0">
+              <a:buFontTx/>
+              <a:buNone/>
+            </a:pPr>
             <a:r>
               <a:rPr lang="de-DE" dirty="0"/>
-              <a:t>definiert einen Hyperlink,</a:t>
-            </a:r>
-            <a:endParaRPr lang="de-DE" b="1" dirty="0">
+              <a:t>	</a:t>
+            </a:r>
+            <a:r>
+              <a:rPr lang="de-DE" dirty="0">
+                <a:sym typeface="Wingdings" panose="05000000000000000000" pitchFamily="2" charset="2"/>
+              </a:rPr>
+              <a:t> </a:t>
+            </a:r>
+            <a:r>
+              <a:rPr lang="de-DE" b="1" dirty="0">
+                <a:sym typeface="Wingdings" panose="05000000000000000000" pitchFamily="2" charset="2"/>
+              </a:rPr>
+              <a:t>li</a:t>
+            </a:r>
+            <a:r>
+              <a:rPr lang="de-DE" b="0" dirty="0">
+                <a:sym typeface="Wingdings" panose="05000000000000000000" pitchFamily="2" charset="2"/>
+              </a:rPr>
+              <a:t>-Element repräsentiert einzelnes Element einer ungeordneten/geordneten Liste</a:t>
+            </a:r>
+          </a:p>
+          <a:p>
+            <a:pPr marL="0" indent="0">
+              <a:buFontTx/>
+              <a:buNone/>
+            </a:pPr>
+            <a:endParaRPr lang="de-DE" b="0" dirty="0">
               <a:sym typeface="Wingdings" panose="05000000000000000000" pitchFamily="2" charset="2"/>
             </a:endParaRPr>
           </a:p>
           <a:p>
-            <a:pPr marL="171450" indent="-171450">
-              <a:buFont typeface="Wingdings" panose="05000000000000000000" pitchFamily="2" charset="2"/>
-              <a:buChar char="à"/>
+            <a:pPr marL="0" indent="0">
+              <a:buFontTx/>
+              <a:buNone/>
             </a:pPr>
+            <a:r>
+              <a:rPr lang="de-DE" b="0" dirty="0">
+                <a:sym typeface="Wingdings" panose="05000000000000000000" pitchFamily="2" charset="2"/>
+              </a:rPr>
+              <a:t>-Speziell im HTML5 wurden neue Elemente eingeführt z.B.</a:t>
+            </a:r>
+          </a:p>
+          <a:p>
+            <a:pPr marL="0" indent="0">
+              <a:buFontTx/>
+              <a:buNone/>
+            </a:pPr>
+            <a:r>
+              <a:rPr lang="de-DE" b="1" dirty="0">
+                <a:sym typeface="Wingdings" panose="05000000000000000000" pitchFamily="2" charset="2"/>
+              </a:rPr>
+              <a:t>	 </a:t>
+            </a:r>
             <a:r>
               <a:rPr lang="de-DE" b="1" dirty="0" err="1">
                 <a:sym typeface="Wingdings" panose="05000000000000000000" pitchFamily="2" charset="2"/>
               </a:rPr>
-              <a:t>href</a:t>
-            </a:r>
-            <a:r>
-              <a:rPr lang="de-DE" b="0" dirty="0">
+              <a:t>footer</a:t>
+            </a:r>
+            <a:r>
+              <a:rPr lang="de-DE" b="1" dirty="0">
                 <a:sym typeface="Wingdings" panose="05000000000000000000" pitchFamily="2" charset="2"/>
               </a:rPr>
               <a:t> </a:t>
             </a:r>
             <a:r>
               <a:rPr lang="de-DE" dirty="0"/>
-              <a:t>Gibt die URL einer verknüpften Ressource an.</a:t>
+              <a:t>repräsentiert eine Fußzeile</a:t>
             </a:r>
           </a:p>
           <a:p>
             <a:pPr marL="0" indent="0">
-              <a:buFont typeface="Wingdings" panose="05000000000000000000" pitchFamily="2" charset="2"/>
+              <a:buFontTx/>
               <a:buNone/>
             </a:pPr>
-            <a:endParaRPr lang="de-DE" b="0" dirty="0"/>
+            <a:r>
+              <a:rPr lang="de-DE" b="1" dirty="0">
+                <a:sym typeface="Wingdings" panose="05000000000000000000" pitchFamily="2" charset="2"/>
+              </a:rPr>
+              <a:t>	 </a:t>
+            </a:r>
+            <a:r>
+              <a:rPr lang="de-DE" b="1" dirty="0" err="1">
+                <a:sym typeface="Wingdings" panose="05000000000000000000" pitchFamily="2" charset="2"/>
+              </a:rPr>
+              <a:t>Aside</a:t>
+            </a:r>
+            <a:r>
+              <a:rPr lang="de-DE" b="1" dirty="0">
+                <a:sym typeface="Wingdings" panose="05000000000000000000" pitchFamily="2" charset="2"/>
+              </a:rPr>
+              <a:t> </a:t>
+            </a:r>
+            <a:r>
+              <a:rPr lang="de-DE" dirty="0"/>
+              <a:t>repräsentiert eine Sektion einer Seite</a:t>
+            </a:r>
+            <a:endParaRPr lang="de-DE" b="1" dirty="0"/>
           </a:p>
         </p:txBody>
       </p:sp>
@@ -3254,7 +3807,7 @@
     </p:spTree>
     <p:extLst>
       <p:ext uri="{BB962C8B-B14F-4D97-AF65-F5344CB8AC3E}">
-        <p14:creationId xmlns:p14="http://schemas.microsoft.com/office/powerpoint/2010/main" val="469345570"/>
+        <p14:creationId xmlns:p14="http://schemas.microsoft.com/office/powerpoint/2010/main" val="3686366296"/>
       </p:ext>
     </p:extLst>
   </p:cSld>
@@ -3308,35 +3861,13 @@
           <a:bodyPr/>
           <a:lstStyle/>
           <a:p>
-            <a:r>
-              <a:rPr lang="de-DE" dirty="0"/>
-              <a:t>-  CSS Kurzform für etwa: Kaskadierende Stildefinitionen (Cascading Style Sheets) </a:t>
-            </a:r>
-          </a:p>
-          <a:p>
             <a:pPr marL="171450" indent="-171450">
               <a:buFontTx/>
               <a:buChar char="-"/>
             </a:pPr>
             <a:r>
-              <a:rPr lang="de-DE" dirty="0"/>
-              <a:t>ist eine</a:t>
-            </a:r>
-            <a:r>
-              <a:rPr lang="de-DE" b="1" dirty="0"/>
-              <a:t> </a:t>
-            </a:r>
-            <a:r>
               <a:rPr lang="de-DE" b="0" dirty="0"/>
-              <a:t>Layout-</a:t>
-            </a:r>
-            <a:r>
-              <a:rPr lang="de-DE" dirty="0"/>
-              <a:t> und </a:t>
-            </a:r>
-            <a:r>
-              <a:rPr lang="de-DE" b="0" i="0" dirty="0"/>
-              <a:t>Formatierungssprache</a:t>
+              <a:t>Einige Elemente in HTML haben Attribute</a:t>
             </a:r>
           </a:p>
           <a:p>
@@ -3345,16 +3876,93 @@
               <a:buChar char="-"/>
             </a:pPr>
             <a:r>
+              <a:rPr lang="de-DE" b="0" dirty="0"/>
+              <a:t>Attribute geben einem Element zusätzliche Werte</a:t>
+            </a:r>
+          </a:p>
+          <a:p>
+            <a:pPr marL="0" indent="0">
+              <a:buFontTx/>
+              <a:buNone/>
+            </a:pPr>
+            <a:r>
+              <a:rPr lang="de-DE" b="0" dirty="0">
+                <a:sym typeface="Wingdings" panose="05000000000000000000" pitchFamily="2" charset="2"/>
+              </a:rPr>
+              <a:t> </a:t>
+            </a:r>
+            <a:r>
+              <a:rPr lang="de-DE" b="1" dirty="0">
+                <a:sym typeface="Wingdings" panose="05000000000000000000" pitchFamily="2" charset="2"/>
+              </a:rPr>
+              <a:t>a- Element </a:t>
+            </a:r>
+            <a:r>
               <a:rPr lang="de-DE" dirty="0"/>
-              <a:t>Z.B. Farbe von Text ändern oder Rahmen um Boxen hinzufügen</a:t>
-            </a:r>
-            <a:endParaRPr lang="de-DE" b="0" i="0" dirty="0"/>
-          </a:p>
-          <a:p>
+              <a:t>definiert einen Hyperlink,</a:t>
+            </a:r>
+            <a:endParaRPr lang="de-DE" b="1" dirty="0">
+              <a:sym typeface="Wingdings" panose="05000000000000000000" pitchFamily="2" charset="2"/>
+            </a:endParaRPr>
+          </a:p>
+          <a:p>
+            <a:pPr marL="171450" indent="-171450">
+              <a:buFont typeface="Wingdings" panose="05000000000000000000" pitchFamily="2" charset="2"/>
+              <a:buChar char="à"/>
+            </a:pPr>
+            <a:r>
+              <a:rPr lang="de-DE" b="1" dirty="0" err="1">
+                <a:sym typeface="Wingdings" panose="05000000000000000000" pitchFamily="2" charset="2"/>
+              </a:rPr>
+              <a:t>href</a:t>
+            </a:r>
+            <a:r>
+              <a:rPr lang="de-DE" b="0" dirty="0">
+                <a:sym typeface="Wingdings" panose="05000000000000000000" pitchFamily="2" charset="2"/>
+              </a:rPr>
+              <a:t> </a:t>
+            </a:r>
             <a:r>
               <a:rPr lang="de-DE" dirty="0"/>
-              <a:t>- HTML beschreibt die Struktur einer Webseite während CSS die visuelle Erscheinung definiert. </a:t>
-            </a:r>
+              <a:t>Gibt die URL einer verknüpften Ressource an.</a:t>
+            </a:r>
+          </a:p>
+          <a:p>
+            <a:pPr marL="171450" indent="-171450">
+              <a:buFont typeface="Wingdings" panose="05000000000000000000" pitchFamily="2" charset="2"/>
+              <a:buChar char="à"/>
+            </a:pPr>
+            <a:endParaRPr lang="de-DE" dirty="0"/>
+          </a:p>
+          <a:p>
+            <a:pPr marL="0" indent="0">
+              <a:buFont typeface="Wingdings" panose="05000000000000000000" pitchFamily="2" charset="2"/>
+              <a:buNone/>
+            </a:pPr>
+            <a:r>
+              <a:rPr lang="de-DE" dirty="0"/>
+              <a:t>!!HTML Präsentation zu Ende </a:t>
+            </a:r>
+            <a:r>
+              <a:rPr lang="de-DE" dirty="0">
+                <a:sym typeface="Wingdings" panose="05000000000000000000" pitchFamily="2" charset="2"/>
+              </a:rPr>
+              <a:t> Jetzt HTML Teil </a:t>
+            </a:r>
+            <a:r>
+              <a:rPr lang="de-DE" dirty="0" err="1">
+                <a:sym typeface="Wingdings" panose="05000000000000000000" pitchFamily="2" charset="2"/>
+              </a:rPr>
+              <a:t>coden</a:t>
+            </a:r>
+            <a:endParaRPr lang="de-DE" dirty="0"/>
+          </a:p>
+          <a:p>
+            <a:pPr marL="0" indent="0">
+              <a:buFont typeface="Wingdings" panose="05000000000000000000" pitchFamily="2" charset="2"/>
+              <a:buNone/>
+            </a:pPr>
+            <a:endParaRPr lang="de-DE" b="0" dirty="0"/>
           </a:p>
         </p:txBody>
       </p:sp>
@@ -3384,7 +3992,7 @@
     </p:spTree>
     <p:extLst>
       <p:ext uri="{BB962C8B-B14F-4D97-AF65-F5344CB8AC3E}">
-        <p14:creationId xmlns:p14="http://schemas.microsoft.com/office/powerpoint/2010/main" val="303042771"/>
+        <p14:creationId xmlns:p14="http://schemas.microsoft.com/office/powerpoint/2010/main" val="469345570"/>
       </p:ext>
     </p:extLst>
   </p:cSld>
@@ -3438,33 +4046,35 @@
           <a:bodyPr/>
           <a:lstStyle/>
           <a:p>
+            <a:r>
+              <a:rPr lang="de-DE" dirty="0"/>
+              <a:t>-  CSS Kurzform für etwa: Kaskadierende Stildefinitionen (Cascading Style Sheets) </a:t>
+            </a:r>
+          </a:p>
+          <a:p>
             <a:pPr marL="171450" indent="-171450">
               <a:buFontTx/>
               <a:buChar char="-"/>
             </a:pPr>
             <a:r>
               <a:rPr lang="de-DE" dirty="0"/>
-              <a:t>CSS-Regel besteht aus drei Elementen, einem </a:t>
-            </a:r>
-            <a:r>
-              <a:rPr lang="de-DE" i="1" dirty="0"/>
-              <a:t>Selektor</a:t>
+              <a:t>ist eine</a:t>
+            </a:r>
+            <a:r>
+              <a:rPr lang="de-DE" b="1" dirty="0"/>
+              <a:t> </a:t>
+            </a:r>
+            <a:r>
+              <a:rPr lang="de-DE" b="0" dirty="0"/>
+              <a:t>Layout-</a:t>
             </a:r>
             <a:r>
               <a:rPr lang="de-DE" dirty="0"/>
-              <a:t>, einer </a:t>
-            </a:r>
-            <a:r>
-              <a:rPr lang="de-DE" i="1" dirty="0"/>
-              <a:t>Eigenschaft</a:t>
-            </a:r>
-            <a:r>
-              <a:rPr lang="de-DE" dirty="0"/>
-              <a:t> und einem </a:t>
-            </a:r>
-            <a:r>
-              <a:rPr lang="de-DE" i="1" dirty="0"/>
-              <a:t>Wert</a:t>
+              <a:t> und </a:t>
+            </a:r>
+            <a:r>
+              <a:rPr lang="de-DE" b="0" i="0" dirty="0"/>
+              <a:t>Formatierungssprache</a:t>
             </a:r>
           </a:p>
           <a:p>
@@ -3473,20 +4083,16 @@
               <a:buChar char="-"/>
             </a:pPr>
             <a:r>
-              <a:rPr lang="de-DE" b="0" i="0" dirty="0"/>
-              <a:t>Regel besagt, dass alle h2 Elemente die </a:t>
-            </a:r>
-            <a:r>
               <a:rPr lang="de-DE" dirty="0"/>
-              <a:t>Hintergrundfarbe von #607d8b erhalten</a:t>
-            </a:r>
-          </a:p>
-          <a:p>
-            <a:pPr marL="171450" indent="-171450">
-              <a:buFontTx/>
-              <a:buChar char="-"/>
-            </a:pPr>
+              <a:t>Z.B. Farbe von Text ändern oder Rahmen um Boxen hinzufügen</a:t>
+            </a:r>
             <a:endParaRPr lang="de-DE" b="0" i="0" dirty="0"/>
+          </a:p>
+          <a:p>
+            <a:r>
+              <a:rPr lang="de-DE" dirty="0"/>
+              <a:t>- HTML beschreibt die Struktur einer Webseite während CSS die visuelle Erscheinung definiert. </a:t>
+            </a:r>
           </a:p>
         </p:txBody>
       </p:sp>
@@ -3516,7 +4122,7 @@
     </p:spTree>
     <p:extLst>
       <p:ext uri="{BB962C8B-B14F-4D97-AF65-F5344CB8AC3E}">
-        <p14:creationId xmlns:p14="http://schemas.microsoft.com/office/powerpoint/2010/main" val="1508606883"/>
+        <p14:creationId xmlns:p14="http://schemas.microsoft.com/office/powerpoint/2010/main" val="303042771"/>
       </p:ext>
     </p:extLst>
   </p:cSld>
@@ -3575,8 +4181,28 @@
               <a:buChar char="-"/>
             </a:pPr>
             <a:r>
-              <a:rPr lang="de-DE" b="0" dirty="0"/>
-              <a:t>Es gibt verschiedene Arten von Selektoren</a:t>
+              <a:rPr lang="de-DE" dirty="0"/>
+              <a:t>CSS-Regel besteht aus drei Elementen, einem </a:t>
+            </a:r>
+            <a:r>
+              <a:rPr lang="de-DE" i="1" dirty="0"/>
+              <a:t>Selektor</a:t>
+            </a:r>
+            <a:r>
+              <a:rPr lang="de-DE" dirty="0"/>
+              <a:t>, einer </a:t>
+            </a:r>
+            <a:r>
+              <a:rPr lang="de-DE" i="1" dirty="0"/>
+              <a:t>Eigenschaft</a:t>
+            </a:r>
+            <a:r>
+              <a:rPr lang="de-DE" dirty="0"/>
+              <a:t> und einem </a:t>
+            </a:r>
+            <a:r>
+              <a:rPr lang="de-DE" i="1" dirty="0"/>
+              <a:t>Wert</a:t>
             </a:r>
           </a:p>
           <a:p>
@@ -3585,183 +4211,20 @@
               <a:buChar char="-"/>
             </a:pPr>
             <a:r>
-              <a:rPr lang="de-DE" b="0" dirty="0"/>
-              <a:t>3 näher vorstellen:</a:t>
-            </a:r>
-          </a:p>
-          <a:p>
-            <a:pPr marL="0" indent="0">
+              <a:rPr lang="de-DE" b="0" i="0" dirty="0"/>
+              <a:t>Regel besagt, dass alle h2 Elemente die </a:t>
+            </a:r>
+            <a:r>
+              <a:rPr lang="de-DE" dirty="0"/>
+              <a:t>Hintergrundfarbe von #607d8b erhalten</a:t>
+            </a:r>
+          </a:p>
+          <a:p>
+            <a:pPr marL="171450" indent="-171450">
               <a:buFontTx/>
-              <a:buNone/>
+              <a:buChar char="-"/>
             </a:pPr>
-            <a:r>
-              <a:rPr lang="de-DE" b="0" dirty="0">
-                <a:sym typeface="Wingdings" panose="05000000000000000000" pitchFamily="2" charset="2"/>
-              </a:rPr>
-              <a:t></a:t>
-            </a:r>
-            <a:r>
-              <a:rPr lang="de-DE" b="1" dirty="0">
-                <a:sym typeface="Wingdings" panose="05000000000000000000" pitchFamily="2" charset="2"/>
-              </a:rPr>
-              <a:t>Typselektor:</a:t>
-            </a:r>
-            <a:r>
-              <a:rPr lang="de-DE" b="0" dirty="0">
-                <a:sym typeface="Wingdings" panose="05000000000000000000" pitchFamily="2" charset="2"/>
-              </a:rPr>
-              <a:t> </a:t>
-            </a:r>
-            <a:br>
-              <a:rPr lang="de-DE" b="0" dirty="0">
-                <a:sym typeface="Wingdings" panose="05000000000000000000" pitchFamily="2" charset="2"/>
-              </a:rPr>
-            </a:br>
-            <a:r>
-              <a:rPr lang="de-DE" b="0" dirty="0">
-                <a:sym typeface="Wingdings" panose="05000000000000000000" pitchFamily="2" charset="2"/>
-              </a:rPr>
-              <a:t>-</a:t>
-            </a:r>
-            <a:r>
-              <a:rPr lang="de-DE" dirty="0"/>
-              <a:t>besteht aus dem Namen des Elements z.B. &lt;p&gt;, &lt;h1&gt;</a:t>
-            </a:r>
-            <a:br>
-              <a:rPr lang="de-DE" dirty="0"/>
-            </a:br>
-            <a:r>
-              <a:rPr lang="de-DE" dirty="0"/>
-              <a:t>-Mit diesem Selektor werden alle Elemente eines Typs angesprochen.</a:t>
-            </a:r>
-          </a:p>
-          <a:p>
-            <a:pPr marL="0" indent="0">
-              <a:buFontTx/>
-              <a:buNone/>
-            </a:pPr>
-            <a:r>
-              <a:rPr lang="de-DE" dirty="0"/>
-              <a:t>-Nachteil: wenn man einem h1 Element ein Style gibt, erhalten alle im HTML späteren h1 Elemente Style</a:t>
-            </a:r>
-          </a:p>
-          <a:p>
-            <a:pPr marL="0" indent="0">
-              <a:buFontTx/>
-              <a:buNone/>
-            </a:pPr>
-            <a:br>
-              <a:rPr lang="de-DE" dirty="0"/>
-            </a:br>
-            <a:r>
-              <a:rPr lang="de-DE" dirty="0">
-                <a:sym typeface="Wingdings" panose="05000000000000000000" pitchFamily="2" charset="2"/>
-              </a:rPr>
-              <a:t></a:t>
-            </a:r>
-            <a:r>
-              <a:rPr lang="de-DE" b="1" dirty="0"/>
-              <a:t>ID-Selektor: </a:t>
-            </a:r>
-          </a:p>
-          <a:p>
-            <a:pPr marL="0" indent="0">
-              <a:buFontTx/>
-              <a:buNone/>
-            </a:pPr>
-            <a:r>
-              <a:rPr lang="de-DE" b="0" dirty="0"/>
-              <a:t>-mit </a:t>
-            </a:r>
-            <a:r>
-              <a:rPr lang="de-DE" b="0" dirty="0" err="1"/>
-              <a:t>Id</a:t>
-            </a:r>
-            <a:r>
-              <a:rPr lang="de-DE" b="0" dirty="0"/>
-              <a:t> kann man auch ein Element ansprechen</a:t>
-            </a:r>
-          </a:p>
-          <a:p>
-            <a:pPr marL="0" indent="0">
-              <a:buFontTx/>
-              <a:buNone/>
-            </a:pPr>
-            <a:r>
-              <a:rPr lang="de-DE" b="0" dirty="0"/>
-              <a:t>-Nachteil: </a:t>
-            </a:r>
-            <a:r>
-              <a:rPr lang="de-DE" dirty="0"/>
-              <a:t>Eine ID darf auf einer Seite nur einmal verwendet werden.</a:t>
-            </a:r>
-          </a:p>
-          <a:p>
-            <a:pPr marL="0" indent="0">
-              <a:buFontTx/>
-              <a:buNone/>
-            </a:pPr>
-            <a:r>
-              <a:rPr lang="de-DE" b="0" dirty="0"/>
-              <a:t>-IDs sind nicht vererbbar, verursachen unsauberen Code</a:t>
-            </a:r>
-          </a:p>
-          <a:p>
-            <a:pPr marL="0" indent="0">
-              <a:buFontTx/>
-              <a:buNone/>
-            </a:pPr>
-            <a:endParaRPr lang="de-DE" b="1" dirty="0"/>
-          </a:p>
-          <a:p>
-            <a:pPr marL="0" indent="0">
-              <a:buFontTx/>
-              <a:buNone/>
-            </a:pPr>
-            <a:r>
-              <a:rPr lang="de-DE" dirty="0">
-                <a:sym typeface="Wingdings" panose="05000000000000000000" pitchFamily="2" charset="2"/>
-              </a:rPr>
-              <a:t></a:t>
-            </a:r>
-            <a:r>
-              <a:rPr lang="de-DE" b="1" dirty="0"/>
-              <a:t>Klassenselektor:</a:t>
-            </a:r>
-            <a:r>
-              <a:rPr lang="de-DE" dirty="0"/>
-              <a:t> spricht Elemente an, die einer bestimmten Klasse zugehörend sind</a:t>
-            </a:r>
-          </a:p>
-          <a:p>
-            <a:pPr marL="0" indent="0">
-              <a:buFontTx/>
-              <a:buNone/>
-            </a:pPr>
-            <a:r>
-              <a:rPr lang="de-DE" dirty="0"/>
-              <a:t>-kann unabhängig vom HTML-TAG verwendet werden u. verschiedenen HTML-TAGs zugewiesen werden</a:t>
-            </a:r>
-          </a:p>
-          <a:p>
-            <a:pPr marL="0" indent="0">
-              <a:buFontTx/>
-              <a:buNone/>
-            </a:pPr>
-            <a:r>
-              <a:rPr lang="de-DE" dirty="0"/>
-              <a:t>-nicht wie bei IDs!</a:t>
-            </a:r>
-          </a:p>
-          <a:p>
-            <a:pPr marL="0" indent="0">
-              <a:buFontTx/>
-              <a:buNone/>
-            </a:pPr>
-            <a:br>
-              <a:rPr lang="de-DE" dirty="0"/>
-            </a:br>
-            <a:endParaRPr lang="de-DE" b="0" dirty="0"/>
+            <a:endParaRPr lang="de-DE" b="0" i="0" dirty="0"/>
           </a:p>
         </p:txBody>
       </p:sp>
@@ -3791,7 +4254,7 @@
     </p:spTree>
     <p:extLst>
       <p:ext uri="{BB962C8B-B14F-4D97-AF65-F5344CB8AC3E}">
-        <p14:creationId xmlns:p14="http://schemas.microsoft.com/office/powerpoint/2010/main" val="3091359653"/>
+        <p14:creationId xmlns:p14="http://schemas.microsoft.com/office/powerpoint/2010/main" val="1508606883"/>
       </p:ext>
     </p:extLst>
   </p:cSld>
@@ -14922,6 +15385,856 @@
           <a:chExt cx="0" cy="0"/>
         </a:xfrm>
       </p:grpSpPr>
+      <p:pic>
+        <p:nvPicPr>
+          <p:cNvPr id="11" name="Inhaltsplatzhalter 10">
+            <a:extLst>
+              <a:ext uri="{FF2B5EF4-FFF2-40B4-BE49-F238E27FC236}">
+                <a16:creationId xmlns:a16="http://schemas.microsoft.com/office/drawing/2014/main" id="{1DD20F73-674E-4544-A613-FA79E97E69EF}"/>
+              </a:ext>
+            </a:extLst>
+          </p:cNvPr>
+          <p:cNvPicPr>
+            <a:picLocks noGrp="1" noChangeAspect="1"/>
+          </p:cNvPicPr>
+          <p:nvPr>
+            <p:ph sz="quarter" idx="11"/>
+          </p:nvPr>
+        </p:nvPicPr>
+        <p:blipFill>
+          <a:blip r:embed="rId3"/>
+          <a:stretch>
+            <a:fillRect/>
+          </a:stretch>
+        </p:blipFill>
+        <p:spPr>
+          <a:xfrm>
+            <a:off x="1403648" y="1635646"/>
+            <a:ext cx="5621610" cy="2860594"/>
+          </a:xfrm>
+        </p:spPr>
+      </p:pic>
+      <p:sp>
+        <p:nvSpPr>
+          <p:cNvPr id="4" name="Rechteck 3">
+            <a:extLst>
+              <a:ext uri="{FF2B5EF4-FFF2-40B4-BE49-F238E27FC236}">
+                <a16:creationId xmlns:a16="http://schemas.microsoft.com/office/drawing/2014/main" id="{8D7F5EE0-0705-423E-A90C-5C0F1C81F1FE}"/>
+              </a:ext>
+            </a:extLst>
+          </p:cNvPr>
+          <p:cNvSpPr/>
+          <p:nvPr/>
+        </p:nvSpPr>
+        <p:spPr>
+          <a:xfrm>
+            <a:off x="3059832" y="120949"/>
+            <a:ext cx="1224136" cy="360040"/>
+          </a:xfrm>
+          <a:prstGeom prst="rect">
+            <a:avLst/>
+          </a:prstGeom>
+          <a:noFill/>
+          <a:ln>
+            <a:noFill/>
+          </a:ln>
+        </p:spPr>
+        <p:style>
+          <a:lnRef idx="2">
+            <a:schemeClr val="accent1">
+              <a:shade val="50000"/>
+            </a:schemeClr>
+          </a:lnRef>
+          <a:fillRef idx="1">
+            <a:schemeClr val="accent1"/>
+          </a:fillRef>
+          <a:effectRef idx="0">
+            <a:schemeClr val="accent1"/>
+          </a:effectRef>
+          <a:fontRef idx="minor">
+            <a:schemeClr val="lt1"/>
+          </a:fontRef>
+        </p:style>
+        <p:txBody>
+          <a:bodyPr rtlCol="0" anchor="ctr"/>
+          <a:lstStyle>
+            <a:defPPr>
+              <a:defRPr lang="de-DE"/>
+            </a:defPPr>
+            <a:lvl1pPr algn="l" rtl="0" fontAlgn="base">
+              <a:spcBef>
+                <a:spcPct val="0"/>
+              </a:spcBef>
+              <a:spcAft>
+                <a:spcPct val="0"/>
+              </a:spcAft>
+              <a:defRPr sz="2000" kern="1200">
+                <a:solidFill>
+                  <a:schemeClr val="lt1"/>
+                </a:solidFill>
+                <a:latin typeface="+mn-lt"/>
+                <a:ea typeface="+mn-ea"/>
+                <a:cs typeface="+mn-cs"/>
+              </a:defRPr>
+            </a:lvl1pPr>
+            <a:lvl2pPr marL="457200" algn="l" rtl="0" fontAlgn="base">
+              <a:spcBef>
+                <a:spcPct val="0"/>
+              </a:spcBef>
+              <a:spcAft>
+                <a:spcPct val="0"/>
+              </a:spcAft>
+              <a:defRPr sz="2000" kern="1200">
+                <a:solidFill>
+                  <a:schemeClr val="lt1"/>
+                </a:solidFill>
+                <a:latin typeface="+mn-lt"/>
+                <a:ea typeface="+mn-ea"/>
+                <a:cs typeface="+mn-cs"/>
+              </a:defRPr>
+            </a:lvl2pPr>
+            <a:lvl3pPr marL="914400" algn="l" rtl="0" fontAlgn="base">
+              <a:spcBef>
+                <a:spcPct val="0"/>
+              </a:spcBef>
+              <a:spcAft>
+                <a:spcPct val="0"/>
+              </a:spcAft>
+              <a:defRPr sz="2000" kern="1200">
+                <a:solidFill>
+                  <a:schemeClr val="lt1"/>
+                </a:solidFill>
+                <a:latin typeface="+mn-lt"/>
+                <a:ea typeface="+mn-ea"/>
+                <a:cs typeface="+mn-cs"/>
+              </a:defRPr>
+            </a:lvl3pPr>
+            <a:lvl4pPr marL="1371600" algn="l" rtl="0" fontAlgn="base">
+              <a:spcBef>
+                <a:spcPct val="0"/>
+              </a:spcBef>
+              <a:spcAft>
+                <a:spcPct val="0"/>
+              </a:spcAft>
+              <a:defRPr sz="2000" kern="1200">
+                <a:solidFill>
+                  <a:schemeClr val="lt1"/>
+                </a:solidFill>
+                <a:latin typeface="+mn-lt"/>
+                <a:ea typeface="+mn-ea"/>
+                <a:cs typeface="+mn-cs"/>
+              </a:defRPr>
+            </a:lvl4pPr>
+            <a:lvl5pPr marL="1828800" algn="l" rtl="0" fontAlgn="base">
+              <a:spcBef>
+                <a:spcPct val="0"/>
+              </a:spcBef>
+              <a:spcAft>
+                <a:spcPct val="0"/>
+              </a:spcAft>
+              <a:defRPr sz="2000" kern="1200">
+                <a:solidFill>
+                  <a:schemeClr val="lt1"/>
+                </a:solidFill>
+                <a:latin typeface="+mn-lt"/>
+                <a:ea typeface="+mn-ea"/>
+                <a:cs typeface="+mn-cs"/>
+              </a:defRPr>
+            </a:lvl5pPr>
+            <a:lvl6pPr marL="2286000" algn="l" defTabSz="914400" rtl="0" eaLnBrk="1" latinLnBrk="0" hangingPunct="1">
+              <a:defRPr sz="2000" kern="1200">
+                <a:solidFill>
+                  <a:schemeClr val="lt1"/>
+                </a:solidFill>
+                <a:latin typeface="+mn-lt"/>
+                <a:ea typeface="+mn-ea"/>
+                <a:cs typeface="+mn-cs"/>
+              </a:defRPr>
+            </a:lvl6pPr>
+            <a:lvl7pPr marL="2743200" algn="l" defTabSz="914400" rtl="0" eaLnBrk="1" latinLnBrk="0" hangingPunct="1">
+              <a:defRPr sz="2000" kern="1200">
+                <a:solidFill>
+                  <a:schemeClr val="lt1"/>
+                </a:solidFill>
+                <a:latin typeface="+mn-lt"/>
+                <a:ea typeface="+mn-ea"/>
+                <a:cs typeface="+mn-cs"/>
+              </a:defRPr>
+            </a:lvl7pPr>
+            <a:lvl8pPr marL="3200400" algn="l" defTabSz="914400" rtl="0" eaLnBrk="1" latinLnBrk="0" hangingPunct="1">
+              <a:defRPr sz="2000" kern="1200">
+                <a:solidFill>
+                  <a:schemeClr val="lt1"/>
+                </a:solidFill>
+                <a:latin typeface="+mn-lt"/>
+                <a:ea typeface="+mn-ea"/>
+                <a:cs typeface="+mn-cs"/>
+              </a:defRPr>
+            </a:lvl8pPr>
+            <a:lvl9pPr marL="3657600" algn="l" defTabSz="914400" rtl="0" eaLnBrk="1" latinLnBrk="0" hangingPunct="1">
+              <a:defRPr sz="2000" kern="1200">
+                <a:solidFill>
+                  <a:schemeClr val="lt1"/>
+                </a:solidFill>
+                <a:latin typeface="+mn-lt"/>
+                <a:ea typeface="+mn-ea"/>
+                <a:cs typeface="+mn-cs"/>
+              </a:defRPr>
+            </a:lvl9pPr>
+          </a:lstStyle>
+          <a:p>
+            <a:pPr algn="ctr"/>
+            <a:r>
+              <a:rPr lang="de-DE" sz="850" dirty="0">
+                <a:solidFill>
+                  <a:srgbClr val="7F0014"/>
+                </a:solidFill>
+              </a:rPr>
+              <a:t>CSS</a:t>
+            </a:r>
+          </a:p>
+        </p:txBody>
+      </p:sp>
+      <p:sp>
+        <p:nvSpPr>
+          <p:cNvPr id="5" name="Rechteck 4">
+            <a:extLst>
+              <a:ext uri="{FF2B5EF4-FFF2-40B4-BE49-F238E27FC236}">
+                <a16:creationId xmlns:a16="http://schemas.microsoft.com/office/drawing/2014/main" id="{576B55B6-FF80-4885-956B-150B335E16C5}"/>
+              </a:ext>
+            </a:extLst>
+          </p:cNvPr>
+          <p:cNvSpPr/>
+          <p:nvPr/>
+        </p:nvSpPr>
+        <p:spPr>
+          <a:xfrm>
+            <a:off x="4283968" y="120949"/>
+            <a:ext cx="1224136" cy="360040"/>
+          </a:xfrm>
+          <a:prstGeom prst="rect">
+            <a:avLst/>
+          </a:prstGeom>
+          <a:noFill/>
+          <a:ln>
+            <a:noFill/>
+          </a:ln>
+        </p:spPr>
+        <p:style>
+          <a:lnRef idx="2">
+            <a:schemeClr val="accent1">
+              <a:shade val="50000"/>
+            </a:schemeClr>
+          </a:lnRef>
+          <a:fillRef idx="1">
+            <a:schemeClr val="accent1"/>
+          </a:fillRef>
+          <a:effectRef idx="0">
+            <a:schemeClr val="accent1"/>
+          </a:effectRef>
+          <a:fontRef idx="minor">
+            <a:schemeClr val="lt1"/>
+          </a:fontRef>
+        </p:style>
+        <p:txBody>
+          <a:bodyPr rtlCol="0" anchor="ctr"/>
+          <a:lstStyle>
+            <a:defPPr>
+              <a:defRPr lang="de-DE"/>
+            </a:defPPr>
+            <a:lvl1pPr algn="l" rtl="0" fontAlgn="base">
+              <a:spcBef>
+                <a:spcPct val="0"/>
+              </a:spcBef>
+              <a:spcAft>
+                <a:spcPct val="0"/>
+              </a:spcAft>
+              <a:defRPr sz="2000" kern="1200">
+                <a:solidFill>
+                  <a:schemeClr val="lt1"/>
+                </a:solidFill>
+                <a:latin typeface="+mn-lt"/>
+                <a:ea typeface="+mn-ea"/>
+                <a:cs typeface="+mn-cs"/>
+              </a:defRPr>
+            </a:lvl1pPr>
+            <a:lvl2pPr marL="457200" algn="l" rtl="0" fontAlgn="base">
+              <a:spcBef>
+                <a:spcPct val="0"/>
+              </a:spcBef>
+              <a:spcAft>
+                <a:spcPct val="0"/>
+              </a:spcAft>
+              <a:defRPr sz="2000" kern="1200">
+                <a:solidFill>
+                  <a:schemeClr val="lt1"/>
+                </a:solidFill>
+                <a:latin typeface="+mn-lt"/>
+                <a:ea typeface="+mn-ea"/>
+                <a:cs typeface="+mn-cs"/>
+              </a:defRPr>
+            </a:lvl2pPr>
+            <a:lvl3pPr marL="914400" algn="l" rtl="0" fontAlgn="base">
+              <a:spcBef>
+                <a:spcPct val="0"/>
+              </a:spcBef>
+              <a:spcAft>
+                <a:spcPct val="0"/>
+              </a:spcAft>
+              <a:defRPr sz="2000" kern="1200">
+                <a:solidFill>
+                  <a:schemeClr val="lt1"/>
+                </a:solidFill>
+                <a:latin typeface="+mn-lt"/>
+                <a:ea typeface="+mn-ea"/>
+                <a:cs typeface="+mn-cs"/>
+              </a:defRPr>
+            </a:lvl3pPr>
+            <a:lvl4pPr marL="1371600" algn="l" rtl="0" fontAlgn="base">
+              <a:spcBef>
+                <a:spcPct val="0"/>
+              </a:spcBef>
+              <a:spcAft>
+                <a:spcPct val="0"/>
+              </a:spcAft>
+              <a:defRPr sz="2000" kern="1200">
+                <a:solidFill>
+                  <a:schemeClr val="lt1"/>
+                </a:solidFill>
+                <a:latin typeface="+mn-lt"/>
+                <a:ea typeface="+mn-ea"/>
+                <a:cs typeface="+mn-cs"/>
+              </a:defRPr>
+            </a:lvl4pPr>
+            <a:lvl5pPr marL="1828800" algn="l" rtl="0" fontAlgn="base">
+              <a:spcBef>
+                <a:spcPct val="0"/>
+              </a:spcBef>
+              <a:spcAft>
+                <a:spcPct val="0"/>
+              </a:spcAft>
+              <a:defRPr sz="2000" kern="1200">
+                <a:solidFill>
+                  <a:schemeClr val="lt1"/>
+                </a:solidFill>
+                <a:latin typeface="+mn-lt"/>
+                <a:ea typeface="+mn-ea"/>
+                <a:cs typeface="+mn-cs"/>
+              </a:defRPr>
+            </a:lvl5pPr>
+            <a:lvl6pPr marL="2286000" algn="l" defTabSz="914400" rtl="0" eaLnBrk="1" latinLnBrk="0" hangingPunct="1">
+              <a:defRPr sz="2000" kern="1200">
+                <a:solidFill>
+                  <a:schemeClr val="lt1"/>
+                </a:solidFill>
+                <a:latin typeface="+mn-lt"/>
+                <a:ea typeface="+mn-ea"/>
+                <a:cs typeface="+mn-cs"/>
+              </a:defRPr>
+            </a:lvl6pPr>
+            <a:lvl7pPr marL="2743200" algn="l" defTabSz="914400" rtl="0" eaLnBrk="1" latinLnBrk="0" hangingPunct="1">
+              <a:defRPr sz="2000" kern="1200">
+                <a:solidFill>
+                  <a:schemeClr val="lt1"/>
+                </a:solidFill>
+                <a:latin typeface="+mn-lt"/>
+                <a:ea typeface="+mn-ea"/>
+                <a:cs typeface="+mn-cs"/>
+              </a:defRPr>
+            </a:lvl7pPr>
+            <a:lvl8pPr marL="3200400" algn="l" defTabSz="914400" rtl="0" eaLnBrk="1" latinLnBrk="0" hangingPunct="1">
+              <a:defRPr sz="2000" kern="1200">
+                <a:solidFill>
+                  <a:schemeClr val="lt1"/>
+                </a:solidFill>
+                <a:latin typeface="+mn-lt"/>
+                <a:ea typeface="+mn-ea"/>
+                <a:cs typeface="+mn-cs"/>
+              </a:defRPr>
+            </a:lvl8pPr>
+            <a:lvl9pPr marL="3657600" algn="l" defTabSz="914400" rtl="0" eaLnBrk="1" latinLnBrk="0" hangingPunct="1">
+              <a:defRPr sz="2000" kern="1200">
+                <a:solidFill>
+                  <a:schemeClr val="lt1"/>
+                </a:solidFill>
+                <a:latin typeface="+mn-lt"/>
+                <a:ea typeface="+mn-ea"/>
+                <a:cs typeface="+mn-cs"/>
+              </a:defRPr>
+            </a:lvl9pPr>
+          </a:lstStyle>
+          <a:p>
+            <a:pPr algn="ctr"/>
+            <a:r>
+              <a:rPr lang="de-DE" sz="850" dirty="0">
+                <a:solidFill>
+                  <a:schemeClr val="tx1">
+                    <a:lumMod val="60000"/>
+                    <a:lumOff val="40000"/>
+                  </a:schemeClr>
+                </a:solidFill>
+              </a:rPr>
+              <a:t>Frameworks</a:t>
+            </a:r>
+          </a:p>
+        </p:txBody>
+      </p:sp>
+      <p:sp>
+        <p:nvSpPr>
+          <p:cNvPr id="6" name="Rechteck 5">
+            <a:extLst>
+              <a:ext uri="{FF2B5EF4-FFF2-40B4-BE49-F238E27FC236}">
+                <a16:creationId xmlns:a16="http://schemas.microsoft.com/office/drawing/2014/main" id="{C4282F28-7FB4-48C9-AAC3-41AEA5DD1721}"/>
+              </a:ext>
+            </a:extLst>
+          </p:cNvPr>
+          <p:cNvSpPr/>
+          <p:nvPr/>
+        </p:nvSpPr>
+        <p:spPr>
+          <a:xfrm>
+            <a:off x="5506411" y="120949"/>
+            <a:ext cx="1224136" cy="360040"/>
+          </a:xfrm>
+          <a:prstGeom prst="rect">
+            <a:avLst/>
+          </a:prstGeom>
+          <a:noFill/>
+          <a:ln>
+            <a:noFill/>
+          </a:ln>
+        </p:spPr>
+        <p:style>
+          <a:lnRef idx="2">
+            <a:schemeClr val="accent1">
+              <a:shade val="50000"/>
+            </a:schemeClr>
+          </a:lnRef>
+          <a:fillRef idx="1">
+            <a:schemeClr val="accent1"/>
+          </a:fillRef>
+          <a:effectRef idx="0">
+            <a:schemeClr val="accent1"/>
+          </a:effectRef>
+          <a:fontRef idx="minor">
+            <a:schemeClr val="lt1"/>
+          </a:fontRef>
+        </p:style>
+        <p:txBody>
+          <a:bodyPr rtlCol="0" anchor="ctr"/>
+          <a:lstStyle>
+            <a:defPPr>
+              <a:defRPr lang="de-DE"/>
+            </a:defPPr>
+            <a:lvl1pPr algn="l" rtl="0" fontAlgn="base">
+              <a:spcBef>
+                <a:spcPct val="0"/>
+              </a:spcBef>
+              <a:spcAft>
+                <a:spcPct val="0"/>
+              </a:spcAft>
+              <a:defRPr sz="2000" kern="1200">
+                <a:solidFill>
+                  <a:schemeClr val="lt1"/>
+                </a:solidFill>
+                <a:latin typeface="+mn-lt"/>
+                <a:ea typeface="+mn-ea"/>
+                <a:cs typeface="+mn-cs"/>
+              </a:defRPr>
+            </a:lvl1pPr>
+            <a:lvl2pPr marL="457200" algn="l" rtl="0" fontAlgn="base">
+              <a:spcBef>
+                <a:spcPct val="0"/>
+              </a:spcBef>
+              <a:spcAft>
+                <a:spcPct val="0"/>
+              </a:spcAft>
+              <a:defRPr sz="2000" kern="1200">
+                <a:solidFill>
+                  <a:schemeClr val="lt1"/>
+                </a:solidFill>
+                <a:latin typeface="+mn-lt"/>
+                <a:ea typeface="+mn-ea"/>
+                <a:cs typeface="+mn-cs"/>
+              </a:defRPr>
+            </a:lvl2pPr>
+            <a:lvl3pPr marL="914400" algn="l" rtl="0" fontAlgn="base">
+              <a:spcBef>
+                <a:spcPct val="0"/>
+              </a:spcBef>
+              <a:spcAft>
+                <a:spcPct val="0"/>
+              </a:spcAft>
+              <a:defRPr sz="2000" kern="1200">
+                <a:solidFill>
+                  <a:schemeClr val="lt1"/>
+                </a:solidFill>
+                <a:latin typeface="+mn-lt"/>
+                <a:ea typeface="+mn-ea"/>
+                <a:cs typeface="+mn-cs"/>
+              </a:defRPr>
+            </a:lvl3pPr>
+            <a:lvl4pPr marL="1371600" algn="l" rtl="0" fontAlgn="base">
+              <a:spcBef>
+                <a:spcPct val="0"/>
+              </a:spcBef>
+              <a:spcAft>
+                <a:spcPct val="0"/>
+              </a:spcAft>
+              <a:defRPr sz="2000" kern="1200">
+                <a:solidFill>
+                  <a:schemeClr val="lt1"/>
+                </a:solidFill>
+                <a:latin typeface="+mn-lt"/>
+                <a:ea typeface="+mn-ea"/>
+                <a:cs typeface="+mn-cs"/>
+              </a:defRPr>
+            </a:lvl4pPr>
+            <a:lvl5pPr marL="1828800" algn="l" rtl="0" fontAlgn="base">
+              <a:spcBef>
+                <a:spcPct val="0"/>
+              </a:spcBef>
+              <a:spcAft>
+                <a:spcPct val="0"/>
+              </a:spcAft>
+              <a:defRPr sz="2000" kern="1200">
+                <a:solidFill>
+                  <a:schemeClr val="lt1"/>
+                </a:solidFill>
+                <a:latin typeface="+mn-lt"/>
+                <a:ea typeface="+mn-ea"/>
+                <a:cs typeface="+mn-cs"/>
+              </a:defRPr>
+            </a:lvl5pPr>
+            <a:lvl6pPr marL="2286000" algn="l" defTabSz="914400" rtl="0" eaLnBrk="1" latinLnBrk="0" hangingPunct="1">
+              <a:defRPr sz="2000" kern="1200">
+                <a:solidFill>
+                  <a:schemeClr val="lt1"/>
+                </a:solidFill>
+                <a:latin typeface="+mn-lt"/>
+                <a:ea typeface="+mn-ea"/>
+                <a:cs typeface="+mn-cs"/>
+              </a:defRPr>
+            </a:lvl6pPr>
+            <a:lvl7pPr marL="2743200" algn="l" defTabSz="914400" rtl="0" eaLnBrk="1" latinLnBrk="0" hangingPunct="1">
+              <a:defRPr sz="2000" kern="1200">
+                <a:solidFill>
+                  <a:schemeClr val="lt1"/>
+                </a:solidFill>
+                <a:latin typeface="+mn-lt"/>
+                <a:ea typeface="+mn-ea"/>
+                <a:cs typeface="+mn-cs"/>
+              </a:defRPr>
+            </a:lvl7pPr>
+            <a:lvl8pPr marL="3200400" algn="l" defTabSz="914400" rtl="0" eaLnBrk="1" latinLnBrk="0" hangingPunct="1">
+              <a:defRPr sz="2000" kern="1200">
+                <a:solidFill>
+                  <a:schemeClr val="lt1"/>
+                </a:solidFill>
+                <a:latin typeface="+mn-lt"/>
+                <a:ea typeface="+mn-ea"/>
+                <a:cs typeface="+mn-cs"/>
+              </a:defRPr>
+            </a:lvl8pPr>
+            <a:lvl9pPr marL="3657600" algn="l" defTabSz="914400" rtl="0" eaLnBrk="1" latinLnBrk="0" hangingPunct="1">
+              <a:defRPr sz="2000" kern="1200">
+                <a:solidFill>
+                  <a:schemeClr val="lt1"/>
+                </a:solidFill>
+                <a:latin typeface="+mn-lt"/>
+                <a:ea typeface="+mn-ea"/>
+                <a:cs typeface="+mn-cs"/>
+              </a:defRPr>
+            </a:lvl9pPr>
+          </a:lstStyle>
+          <a:p>
+            <a:pPr algn="ctr"/>
+            <a:r>
+              <a:rPr lang="de-DE" sz="850" dirty="0">
+                <a:solidFill>
+                  <a:schemeClr val="tx1">
+                    <a:lumMod val="60000"/>
+                    <a:lumOff val="40000"/>
+                  </a:schemeClr>
+                </a:solidFill>
+              </a:rPr>
+              <a:t>JavaScript</a:t>
+            </a:r>
+          </a:p>
+        </p:txBody>
+      </p:sp>
+      <p:sp>
+        <p:nvSpPr>
+          <p:cNvPr id="7" name="Rechteck 6">
+            <a:extLst>
+              <a:ext uri="{FF2B5EF4-FFF2-40B4-BE49-F238E27FC236}">
+                <a16:creationId xmlns:a16="http://schemas.microsoft.com/office/drawing/2014/main" id="{178ADB80-7E7E-4D8A-9EE5-2F5C580A0F4F}"/>
+              </a:ext>
+            </a:extLst>
+          </p:cNvPr>
+          <p:cNvSpPr/>
+          <p:nvPr/>
+        </p:nvSpPr>
+        <p:spPr>
+          <a:xfrm>
+            <a:off x="1835696" y="120949"/>
+            <a:ext cx="1224136" cy="360040"/>
+          </a:xfrm>
+          <a:prstGeom prst="rect">
+            <a:avLst/>
+          </a:prstGeom>
+          <a:noFill/>
+          <a:ln w="6350">
+            <a:noFill/>
+          </a:ln>
+        </p:spPr>
+        <p:style>
+          <a:lnRef idx="2">
+            <a:schemeClr val="accent1">
+              <a:shade val="50000"/>
+            </a:schemeClr>
+          </a:lnRef>
+          <a:fillRef idx="1">
+            <a:schemeClr val="accent1"/>
+          </a:fillRef>
+          <a:effectRef idx="0">
+            <a:schemeClr val="accent1"/>
+          </a:effectRef>
+          <a:fontRef idx="minor">
+            <a:schemeClr val="lt1"/>
+          </a:fontRef>
+        </p:style>
+        <p:txBody>
+          <a:bodyPr rtlCol="0" anchor="ctr"/>
+          <a:lstStyle>
+            <a:defPPr>
+              <a:defRPr lang="de-DE"/>
+            </a:defPPr>
+            <a:lvl1pPr algn="l" rtl="0" fontAlgn="base">
+              <a:spcBef>
+                <a:spcPct val="0"/>
+              </a:spcBef>
+              <a:spcAft>
+                <a:spcPct val="0"/>
+              </a:spcAft>
+              <a:defRPr sz="2000" kern="1200">
+                <a:solidFill>
+                  <a:schemeClr val="lt1"/>
+                </a:solidFill>
+                <a:latin typeface="+mn-lt"/>
+                <a:ea typeface="+mn-ea"/>
+                <a:cs typeface="+mn-cs"/>
+              </a:defRPr>
+            </a:lvl1pPr>
+            <a:lvl2pPr marL="457200" algn="l" rtl="0" fontAlgn="base">
+              <a:spcBef>
+                <a:spcPct val="0"/>
+              </a:spcBef>
+              <a:spcAft>
+                <a:spcPct val="0"/>
+              </a:spcAft>
+              <a:defRPr sz="2000" kern="1200">
+                <a:solidFill>
+                  <a:schemeClr val="lt1"/>
+                </a:solidFill>
+                <a:latin typeface="+mn-lt"/>
+                <a:ea typeface="+mn-ea"/>
+                <a:cs typeface="+mn-cs"/>
+              </a:defRPr>
+            </a:lvl2pPr>
+            <a:lvl3pPr marL="914400" algn="l" rtl="0" fontAlgn="base">
+              <a:spcBef>
+                <a:spcPct val="0"/>
+              </a:spcBef>
+              <a:spcAft>
+                <a:spcPct val="0"/>
+              </a:spcAft>
+              <a:defRPr sz="2000" kern="1200">
+                <a:solidFill>
+                  <a:schemeClr val="lt1"/>
+                </a:solidFill>
+                <a:latin typeface="+mn-lt"/>
+                <a:ea typeface="+mn-ea"/>
+                <a:cs typeface="+mn-cs"/>
+              </a:defRPr>
+            </a:lvl3pPr>
+            <a:lvl4pPr marL="1371600" algn="l" rtl="0" fontAlgn="base">
+              <a:spcBef>
+                <a:spcPct val="0"/>
+              </a:spcBef>
+              <a:spcAft>
+                <a:spcPct val="0"/>
+              </a:spcAft>
+              <a:defRPr sz="2000" kern="1200">
+                <a:solidFill>
+                  <a:schemeClr val="lt1"/>
+                </a:solidFill>
+                <a:latin typeface="+mn-lt"/>
+                <a:ea typeface="+mn-ea"/>
+                <a:cs typeface="+mn-cs"/>
+              </a:defRPr>
+            </a:lvl4pPr>
+            <a:lvl5pPr marL="1828800" algn="l" rtl="0" fontAlgn="base">
+              <a:spcBef>
+                <a:spcPct val="0"/>
+              </a:spcBef>
+              <a:spcAft>
+                <a:spcPct val="0"/>
+              </a:spcAft>
+              <a:defRPr sz="2000" kern="1200">
+                <a:solidFill>
+                  <a:schemeClr val="lt1"/>
+                </a:solidFill>
+                <a:latin typeface="+mn-lt"/>
+                <a:ea typeface="+mn-ea"/>
+                <a:cs typeface="+mn-cs"/>
+              </a:defRPr>
+            </a:lvl5pPr>
+            <a:lvl6pPr marL="2286000" algn="l" defTabSz="914400" rtl="0" eaLnBrk="1" latinLnBrk="0" hangingPunct="1">
+              <a:defRPr sz="2000" kern="1200">
+                <a:solidFill>
+                  <a:schemeClr val="lt1"/>
+                </a:solidFill>
+                <a:latin typeface="+mn-lt"/>
+                <a:ea typeface="+mn-ea"/>
+                <a:cs typeface="+mn-cs"/>
+              </a:defRPr>
+            </a:lvl6pPr>
+            <a:lvl7pPr marL="2743200" algn="l" defTabSz="914400" rtl="0" eaLnBrk="1" latinLnBrk="0" hangingPunct="1">
+              <a:defRPr sz="2000" kern="1200">
+                <a:solidFill>
+                  <a:schemeClr val="lt1"/>
+                </a:solidFill>
+                <a:latin typeface="+mn-lt"/>
+                <a:ea typeface="+mn-ea"/>
+                <a:cs typeface="+mn-cs"/>
+              </a:defRPr>
+            </a:lvl7pPr>
+            <a:lvl8pPr marL="3200400" algn="l" defTabSz="914400" rtl="0" eaLnBrk="1" latinLnBrk="0" hangingPunct="1">
+              <a:defRPr sz="2000" kern="1200">
+                <a:solidFill>
+                  <a:schemeClr val="lt1"/>
+                </a:solidFill>
+                <a:latin typeface="+mn-lt"/>
+                <a:ea typeface="+mn-ea"/>
+                <a:cs typeface="+mn-cs"/>
+              </a:defRPr>
+            </a:lvl8pPr>
+            <a:lvl9pPr marL="3657600" algn="l" defTabSz="914400" rtl="0" eaLnBrk="1" latinLnBrk="0" hangingPunct="1">
+              <a:defRPr sz="2000" kern="1200">
+                <a:solidFill>
+                  <a:schemeClr val="lt1"/>
+                </a:solidFill>
+                <a:latin typeface="+mn-lt"/>
+                <a:ea typeface="+mn-ea"/>
+                <a:cs typeface="+mn-cs"/>
+              </a:defRPr>
+            </a:lvl9pPr>
+          </a:lstStyle>
+          <a:p>
+            <a:pPr algn="ctr"/>
+            <a:r>
+              <a:rPr lang="de-DE" sz="850" dirty="0">
+                <a:solidFill>
+                  <a:schemeClr val="tx2">
+                    <a:lumMod val="50000"/>
+                    <a:lumOff val="50000"/>
+                  </a:schemeClr>
+                </a:solidFill>
+              </a:rPr>
+              <a:t>HTML</a:t>
+            </a:r>
+          </a:p>
+        </p:txBody>
+      </p:sp>
+      <p:sp>
+        <p:nvSpPr>
+          <p:cNvPr id="8" name="Titel 2">
+            <a:extLst>
+              <a:ext uri="{FF2B5EF4-FFF2-40B4-BE49-F238E27FC236}">
+                <a16:creationId xmlns:a16="http://schemas.microsoft.com/office/drawing/2014/main" id="{A248A2E6-A5EB-4168-AF5E-E9AAABF8C617}"/>
+              </a:ext>
+            </a:extLst>
+          </p:cNvPr>
+          <p:cNvSpPr txBox="1">
+            <a:spLocks/>
+          </p:cNvSpPr>
+          <p:nvPr/>
+        </p:nvSpPr>
+        <p:spPr>
+          <a:xfrm>
+            <a:off x="323528" y="918101"/>
+            <a:ext cx="7236416" cy="432641"/>
+          </a:xfrm>
+          <a:prstGeom prst="rect">
+            <a:avLst/>
+          </a:prstGeom>
+        </p:spPr>
+        <p:txBody>
+          <a:bodyPr/>
+          <a:lstStyle>
+            <a:lvl1pPr algn="l" defTabSz="914400" rtl="0" eaLnBrk="1" latinLnBrk="0" hangingPunct="1">
+              <a:spcBef>
+                <a:spcPct val="0"/>
+              </a:spcBef>
+              <a:buNone/>
+              <a:defRPr sz="2400" kern="1200" baseline="0">
+                <a:solidFill>
+                  <a:schemeClr val="accent1"/>
+                </a:solidFill>
+                <a:latin typeface="+mj-lt"/>
+                <a:ea typeface="+mj-ea"/>
+                <a:cs typeface="+mj-cs"/>
+              </a:defRPr>
+            </a:lvl1pPr>
+          </a:lstStyle>
+          <a:p>
+            <a:pPr fontAlgn="auto">
+              <a:spcAft>
+                <a:spcPts val="0"/>
+              </a:spcAft>
+            </a:pPr>
+            <a:r>
+              <a:rPr lang="de-DE" dirty="0"/>
+              <a:t>Syntax/Aufbau</a:t>
+            </a:r>
+            <a:br>
+              <a:rPr lang="de-DE" b="1" dirty="0"/>
+            </a:br>
+            <a:endParaRPr lang="de-DE" dirty="0"/>
+          </a:p>
+        </p:txBody>
+      </p:sp>
+    </p:spTree>
+    <p:extLst>
+      <p:ext uri="{BB962C8B-B14F-4D97-AF65-F5344CB8AC3E}">
+        <p14:creationId xmlns:p14="http://schemas.microsoft.com/office/powerpoint/2010/main" val="1355048112"/>
+      </p:ext>
+    </p:extLst>
+  </p:cSld>
+  <p:clrMapOvr>
+    <a:masterClrMapping/>
+  </p:clrMapOvr>
+</p:sld>
+</file>
+
+<file path=ppt/slides/slide11.xml><?xml version="1.0" encoding="utf-8"?>
+<p:sld xmlns:a="http://schemas.openxmlformats.org/drawingml/2006/main" xmlns:r="http://schemas.openxmlformats.org/officeDocument/2006/relationships" xmlns:p="http://schemas.openxmlformats.org/presentationml/2006/main">
+  <p:cSld>
+    <p:spTree>
+      <p:nvGrpSpPr>
+        <p:cNvPr id="1" name=""/>
+        <p:cNvGrpSpPr/>
+        <p:nvPr/>
+      </p:nvGrpSpPr>
+      <p:grpSpPr>
+        <a:xfrm>
+          <a:off x="0" y="0"/>
+          <a:ext cx="0" cy="0"/>
+          <a:chOff x="0" y="0"/>
+          <a:chExt cx="0" cy="0"/>
+        </a:xfrm>
+      </p:grpSpPr>
       <p:sp>
         <p:nvSpPr>
           <p:cNvPr id="5" name="Titel 2">
@@ -16306,7 +17619,7 @@
 </p:sld>
 </file>
 
-<file path=ppt/slides/slide11.xml><?xml version="1.0" encoding="utf-8"?>
+<file path=ppt/slides/slide12.xml><?xml version="1.0" encoding="utf-8"?>
 <p:sld xmlns:a="http://schemas.openxmlformats.org/drawingml/2006/main" xmlns:r="http://schemas.openxmlformats.org/officeDocument/2006/relationships" xmlns:p="http://schemas.openxmlformats.org/presentationml/2006/main">
   <p:cSld>
     <p:spTree>
@@ -17220,7 +18533,7 @@
 </p:sld>
 </file>
 
-<file path=ppt/slides/slide12.xml><?xml version="1.0" encoding="utf-8"?>
+<file path=ppt/slides/slide13.xml><?xml version="1.0" encoding="utf-8"?>
 <p:sld xmlns:a="http://schemas.openxmlformats.org/drawingml/2006/main" xmlns:r="http://schemas.openxmlformats.org/officeDocument/2006/relationships" xmlns:p="http://schemas.openxmlformats.org/presentationml/2006/main">
   <p:cSld>
     <p:spTree>
@@ -18315,7 +19628,7 @@
 </p:sld>
 </file>
 
-<file path=ppt/slides/slide13.xml><?xml version="1.0" encoding="utf-8"?>
+<file path=ppt/slides/slide14.xml><?xml version="1.0" encoding="utf-8"?>
 <p:sld xmlns:a="http://schemas.openxmlformats.org/drawingml/2006/main" xmlns:r="http://schemas.openxmlformats.org/officeDocument/2006/relationships" xmlns:p="http://schemas.openxmlformats.org/presentationml/2006/main">
   <p:cSld>
     <p:spTree>
@@ -19163,7 +20476,7 @@
 </p:sld>
 </file>
 
-<file path=ppt/slides/slide14.xml><?xml version="1.0" encoding="utf-8"?>
+<file path=ppt/slides/slide15.xml><?xml version="1.0" encoding="utf-8"?>
 <p:sld xmlns:a="http://schemas.openxmlformats.org/drawingml/2006/main" xmlns:r="http://schemas.openxmlformats.org/officeDocument/2006/relationships" xmlns:p="http://schemas.openxmlformats.org/presentationml/2006/main">
   <p:cSld>
     <p:spTree>
@@ -20815,7 +22128,7 @@
 </p:sld>
 </file>
 
-<file path=ppt/slides/slide15.xml><?xml version="1.0" encoding="utf-8"?>
+<file path=ppt/slides/slide16.xml><?xml version="1.0" encoding="utf-8"?>
 <p:sld xmlns:a="http://schemas.openxmlformats.org/drawingml/2006/main" xmlns:r="http://schemas.openxmlformats.org/officeDocument/2006/relationships" xmlns:p="http://schemas.openxmlformats.org/presentationml/2006/main">
   <p:cSld>
     <p:spTree>
@@ -21736,7 +23049,7 @@
 </p:sld>
 </file>
 
-<file path=ppt/slides/slide16.xml><?xml version="1.0" encoding="utf-8"?>
+<file path=ppt/slides/slide17.xml><?xml version="1.0" encoding="utf-8"?>
 <p:sld xmlns:a="http://schemas.openxmlformats.org/drawingml/2006/main" xmlns:r="http://schemas.openxmlformats.org/officeDocument/2006/relationships" xmlns:p="http://schemas.openxmlformats.org/presentationml/2006/main">
   <p:cSld>
     <p:spTree>
@@ -23677,7 +24990,7 @@
 </p:sld>
 </file>
 
-<file path=ppt/slides/slide17.xml><?xml version="1.0" encoding="utf-8"?>
+<file path=ppt/slides/slide18.xml><?xml version="1.0" encoding="utf-8"?>
 <p:sld xmlns:a="http://schemas.openxmlformats.org/drawingml/2006/main" xmlns:r="http://schemas.openxmlformats.org/officeDocument/2006/relationships" xmlns:p="http://schemas.openxmlformats.org/presentationml/2006/main">
   <p:cSld>
     <p:spTree>
@@ -23826,7 +25139,7 @@
 </p:sld>
 </file>
 
-<file path=ppt/slides/slide18.xml><?xml version="1.0" encoding="utf-8"?>
+<file path=ppt/slides/slide19.xml><?xml version="1.0" encoding="utf-8"?>
 <p:sld xmlns:a="http://schemas.openxmlformats.org/drawingml/2006/main" xmlns:r="http://schemas.openxmlformats.org/officeDocument/2006/relationships" xmlns:p="http://schemas.openxmlformats.org/presentationml/2006/main">
   <p:cSld>
     <p:spTree>
@@ -25208,7 +26521,1187 @@
 </p:sld>
 </file>
 
+<file path=ppt/slides/slide20.xml><?xml version="1.0" encoding="utf-8"?>
+<p:sld xmlns:a="http://schemas.openxmlformats.org/drawingml/2006/main" xmlns:r="http://schemas.openxmlformats.org/officeDocument/2006/relationships" xmlns:p="http://schemas.openxmlformats.org/presentationml/2006/main">
+  <p:cSld>
+    <p:spTree>
+      <p:nvGrpSpPr>
+        <p:cNvPr id="1" name=""/>
+        <p:cNvGrpSpPr/>
+        <p:nvPr/>
+      </p:nvGrpSpPr>
+      <p:grpSpPr>
+        <a:xfrm>
+          <a:off x="0" y="0"/>
+          <a:ext cx="0" cy="0"/>
+          <a:chOff x="0" y="0"/>
+          <a:chExt cx="0" cy="0"/>
+        </a:xfrm>
+      </p:grpSpPr>
+      <p:sp>
+        <p:nvSpPr>
+          <p:cNvPr id="9" name="Rechteck 8">
+            <a:extLst>
+              <a:ext uri="{FF2B5EF4-FFF2-40B4-BE49-F238E27FC236}">
+                <a16:creationId xmlns:a16="http://schemas.microsoft.com/office/drawing/2014/main" id="{5AEBFE86-D3E0-4F66-A002-19D74F59F331}"/>
+              </a:ext>
+            </a:extLst>
+          </p:cNvPr>
+          <p:cNvSpPr/>
+          <p:nvPr/>
+        </p:nvSpPr>
+        <p:spPr>
+          <a:xfrm>
+            <a:off x="3059832" y="120949"/>
+            <a:ext cx="1224136" cy="360040"/>
+          </a:xfrm>
+          <a:prstGeom prst="rect">
+            <a:avLst/>
+          </a:prstGeom>
+          <a:noFill/>
+          <a:ln>
+            <a:noFill/>
+          </a:ln>
+        </p:spPr>
+        <p:style>
+          <a:lnRef idx="2">
+            <a:schemeClr val="accent1">
+              <a:shade val="50000"/>
+            </a:schemeClr>
+          </a:lnRef>
+          <a:fillRef idx="1">
+            <a:schemeClr val="accent1"/>
+          </a:fillRef>
+          <a:effectRef idx="0">
+            <a:schemeClr val="accent1"/>
+          </a:effectRef>
+          <a:fontRef idx="minor">
+            <a:schemeClr val="lt1"/>
+          </a:fontRef>
+        </p:style>
+        <p:txBody>
+          <a:bodyPr rtlCol="0" anchor="ctr"/>
+          <a:lstStyle>
+            <a:defPPr>
+              <a:defRPr lang="de-DE"/>
+            </a:defPPr>
+            <a:lvl1pPr algn="l" rtl="0" fontAlgn="base">
+              <a:spcBef>
+                <a:spcPct val="0"/>
+              </a:spcBef>
+              <a:spcAft>
+                <a:spcPct val="0"/>
+              </a:spcAft>
+              <a:defRPr sz="2000" kern="1200">
+                <a:solidFill>
+                  <a:schemeClr val="lt1"/>
+                </a:solidFill>
+                <a:latin typeface="+mn-lt"/>
+                <a:ea typeface="+mn-ea"/>
+                <a:cs typeface="+mn-cs"/>
+              </a:defRPr>
+            </a:lvl1pPr>
+            <a:lvl2pPr marL="457200" algn="l" rtl="0" fontAlgn="base">
+              <a:spcBef>
+                <a:spcPct val="0"/>
+              </a:spcBef>
+              <a:spcAft>
+                <a:spcPct val="0"/>
+              </a:spcAft>
+              <a:defRPr sz="2000" kern="1200">
+                <a:solidFill>
+                  <a:schemeClr val="lt1"/>
+                </a:solidFill>
+                <a:latin typeface="+mn-lt"/>
+                <a:ea typeface="+mn-ea"/>
+                <a:cs typeface="+mn-cs"/>
+              </a:defRPr>
+            </a:lvl2pPr>
+            <a:lvl3pPr marL="914400" algn="l" rtl="0" fontAlgn="base">
+              <a:spcBef>
+                <a:spcPct val="0"/>
+              </a:spcBef>
+              <a:spcAft>
+                <a:spcPct val="0"/>
+              </a:spcAft>
+              <a:defRPr sz="2000" kern="1200">
+                <a:solidFill>
+                  <a:schemeClr val="lt1"/>
+                </a:solidFill>
+                <a:latin typeface="+mn-lt"/>
+                <a:ea typeface="+mn-ea"/>
+                <a:cs typeface="+mn-cs"/>
+              </a:defRPr>
+            </a:lvl3pPr>
+            <a:lvl4pPr marL="1371600" algn="l" rtl="0" fontAlgn="base">
+              <a:spcBef>
+                <a:spcPct val="0"/>
+              </a:spcBef>
+              <a:spcAft>
+                <a:spcPct val="0"/>
+              </a:spcAft>
+              <a:defRPr sz="2000" kern="1200">
+                <a:solidFill>
+                  <a:schemeClr val="lt1"/>
+                </a:solidFill>
+                <a:latin typeface="+mn-lt"/>
+                <a:ea typeface="+mn-ea"/>
+                <a:cs typeface="+mn-cs"/>
+              </a:defRPr>
+            </a:lvl4pPr>
+            <a:lvl5pPr marL="1828800" algn="l" rtl="0" fontAlgn="base">
+              <a:spcBef>
+                <a:spcPct val="0"/>
+              </a:spcBef>
+              <a:spcAft>
+                <a:spcPct val="0"/>
+              </a:spcAft>
+              <a:defRPr sz="2000" kern="1200">
+                <a:solidFill>
+                  <a:schemeClr val="lt1"/>
+                </a:solidFill>
+                <a:latin typeface="+mn-lt"/>
+                <a:ea typeface="+mn-ea"/>
+                <a:cs typeface="+mn-cs"/>
+              </a:defRPr>
+            </a:lvl5pPr>
+            <a:lvl6pPr marL="2286000" algn="l" defTabSz="914400" rtl="0" eaLnBrk="1" latinLnBrk="0" hangingPunct="1">
+              <a:defRPr sz="2000" kern="1200">
+                <a:solidFill>
+                  <a:schemeClr val="lt1"/>
+                </a:solidFill>
+                <a:latin typeface="+mn-lt"/>
+                <a:ea typeface="+mn-ea"/>
+                <a:cs typeface="+mn-cs"/>
+              </a:defRPr>
+            </a:lvl6pPr>
+            <a:lvl7pPr marL="2743200" algn="l" defTabSz="914400" rtl="0" eaLnBrk="1" latinLnBrk="0" hangingPunct="1">
+              <a:defRPr sz="2000" kern="1200">
+                <a:solidFill>
+                  <a:schemeClr val="lt1"/>
+                </a:solidFill>
+                <a:latin typeface="+mn-lt"/>
+                <a:ea typeface="+mn-ea"/>
+                <a:cs typeface="+mn-cs"/>
+              </a:defRPr>
+            </a:lvl7pPr>
+            <a:lvl8pPr marL="3200400" algn="l" defTabSz="914400" rtl="0" eaLnBrk="1" latinLnBrk="0" hangingPunct="1">
+              <a:defRPr sz="2000" kern="1200">
+                <a:solidFill>
+                  <a:schemeClr val="lt1"/>
+                </a:solidFill>
+                <a:latin typeface="+mn-lt"/>
+                <a:ea typeface="+mn-ea"/>
+                <a:cs typeface="+mn-cs"/>
+              </a:defRPr>
+            </a:lvl8pPr>
+            <a:lvl9pPr marL="3657600" algn="l" defTabSz="914400" rtl="0" eaLnBrk="1" latinLnBrk="0" hangingPunct="1">
+              <a:defRPr sz="2000" kern="1200">
+                <a:solidFill>
+                  <a:schemeClr val="lt1"/>
+                </a:solidFill>
+                <a:latin typeface="+mn-lt"/>
+                <a:ea typeface="+mn-ea"/>
+                <a:cs typeface="+mn-cs"/>
+              </a:defRPr>
+            </a:lvl9pPr>
+          </a:lstStyle>
+          <a:p>
+            <a:pPr algn="ctr"/>
+            <a:r>
+              <a:rPr lang="de-DE" sz="850" dirty="0">
+                <a:solidFill>
+                  <a:schemeClr val="tx1">
+                    <a:lumMod val="60000"/>
+                    <a:lumOff val="40000"/>
+                  </a:schemeClr>
+                </a:solidFill>
+              </a:rPr>
+              <a:t>CSS</a:t>
+            </a:r>
+          </a:p>
+        </p:txBody>
+      </p:sp>
+      <p:sp>
+        <p:nvSpPr>
+          <p:cNvPr id="10" name="Rechteck 9">
+            <a:extLst>
+              <a:ext uri="{FF2B5EF4-FFF2-40B4-BE49-F238E27FC236}">
+                <a16:creationId xmlns:a16="http://schemas.microsoft.com/office/drawing/2014/main" id="{411A8DE3-9DC6-4CF3-B035-8AE5F0058A03}"/>
+              </a:ext>
+            </a:extLst>
+          </p:cNvPr>
+          <p:cNvSpPr/>
+          <p:nvPr/>
+        </p:nvSpPr>
+        <p:spPr>
+          <a:xfrm>
+            <a:off x="4283968" y="120949"/>
+            <a:ext cx="1224136" cy="360040"/>
+          </a:xfrm>
+          <a:prstGeom prst="rect">
+            <a:avLst/>
+          </a:prstGeom>
+          <a:noFill/>
+          <a:ln>
+            <a:noFill/>
+          </a:ln>
+        </p:spPr>
+        <p:style>
+          <a:lnRef idx="2">
+            <a:schemeClr val="accent1">
+              <a:shade val="50000"/>
+            </a:schemeClr>
+          </a:lnRef>
+          <a:fillRef idx="1">
+            <a:schemeClr val="accent1"/>
+          </a:fillRef>
+          <a:effectRef idx="0">
+            <a:schemeClr val="accent1"/>
+          </a:effectRef>
+          <a:fontRef idx="minor">
+            <a:schemeClr val="lt1"/>
+          </a:fontRef>
+        </p:style>
+        <p:txBody>
+          <a:bodyPr rtlCol="0" anchor="ctr"/>
+          <a:lstStyle>
+            <a:defPPr>
+              <a:defRPr lang="de-DE"/>
+            </a:defPPr>
+            <a:lvl1pPr algn="l" rtl="0" fontAlgn="base">
+              <a:spcBef>
+                <a:spcPct val="0"/>
+              </a:spcBef>
+              <a:spcAft>
+                <a:spcPct val="0"/>
+              </a:spcAft>
+              <a:defRPr sz="2000" kern="1200">
+                <a:solidFill>
+                  <a:schemeClr val="lt1"/>
+                </a:solidFill>
+                <a:latin typeface="+mn-lt"/>
+                <a:ea typeface="+mn-ea"/>
+                <a:cs typeface="+mn-cs"/>
+              </a:defRPr>
+            </a:lvl1pPr>
+            <a:lvl2pPr marL="457200" algn="l" rtl="0" fontAlgn="base">
+              <a:spcBef>
+                <a:spcPct val="0"/>
+              </a:spcBef>
+              <a:spcAft>
+                <a:spcPct val="0"/>
+              </a:spcAft>
+              <a:defRPr sz="2000" kern="1200">
+                <a:solidFill>
+                  <a:schemeClr val="lt1"/>
+                </a:solidFill>
+                <a:latin typeface="+mn-lt"/>
+                <a:ea typeface="+mn-ea"/>
+                <a:cs typeface="+mn-cs"/>
+              </a:defRPr>
+            </a:lvl2pPr>
+            <a:lvl3pPr marL="914400" algn="l" rtl="0" fontAlgn="base">
+              <a:spcBef>
+                <a:spcPct val="0"/>
+              </a:spcBef>
+              <a:spcAft>
+                <a:spcPct val="0"/>
+              </a:spcAft>
+              <a:defRPr sz="2000" kern="1200">
+                <a:solidFill>
+                  <a:schemeClr val="lt1"/>
+                </a:solidFill>
+                <a:latin typeface="+mn-lt"/>
+                <a:ea typeface="+mn-ea"/>
+                <a:cs typeface="+mn-cs"/>
+              </a:defRPr>
+            </a:lvl3pPr>
+            <a:lvl4pPr marL="1371600" algn="l" rtl="0" fontAlgn="base">
+              <a:spcBef>
+                <a:spcPct val="0"/>
+              </a:spcBef>
+              <a:spcAft>
+                <a:spcPct val="0"/>
+              </a:spcAft>
+              <a:defRPr sz="2000" kern="1200">
+                <a:solidFill>
+                  <a:schemeClr val="lt1"/>
+                </a:solidFill>
+                <a:latin typeface="+mn-lt"/>
+                <a:ea typeface="+mn-ea"/>
+                <a:cs typeface="+mn-cs"/>
+              </a:defRPr>
+            </a:lvl4pPr>
+            <a:lvl5pPr marL="1828800" algn="l" rtl="0" fontAlgn="base">
+              <a:spcBef>
+                <a:spcPct val="0"/>
+              </a:spcBef>
+              <a:spcAft>
+                <a:spcPct val="0"/>
+              </a:spcAft>
+              <a:defRPr sz="2000" kern="1200">
+                <a:solidFill>
+                  <a:schemeClr val="lt1"/>
+                </a:solidFill>
+                <a:latin typeface="+mn-lt"/>
+                <a:ea typeface="+mn-ea"/>
+                <a:cs typeface="+mn-cs"/>
+              </a:defRPr>
+            </a:lvl5pPr>
+            <a:lvl6pPr marL="2286000" algn="l" defTabSz="914400" rtl="0" eaLnBrk="1" latinLnBrk="0" hangingPunct="1">
+              <a:defRPr sz="2000" kern="1200">
+                <a:solidFill>
+                  <a:schemeClr val="lt1"/>
+                </a:solidFill>
+                <a:latin typeface="+mn-lt"/>
+                <a:ea typeface="+mn-ea"/>
+                <a:cs typeface="+mn-cs"/>
+              </a:defRPr>
+            </a:lvl6pPr>
+            <a:lvl7pPr marL="2743200" algn="l" defTabSz="914400" rtl="0" eaLnBrk="1" latinLnBrk="0" hangingPunct="1">
+              <a:defRPr sz="2000" kern="1200">
+                <a:solidFill>
+                  <a:schemeClr val="lt1"/>
+                </a:solidFill>
+                <a:latin typeface="+mn-lt"/>
+                <a:ea typeface="+mn-ea"/>
+                <a:cs typeface="+mn-cs"/>
+              </a:defRPr>
+            </a:lvl7pPr>
+            <a:lvl8pPr marL="3200400" algn="l" defTabSz="914400" rtl="0" eaLnBrk="1" latinLnBrk="0" hangingPunct="1">
+              <a:defRPr sz="2000" kern="1200">
+                <a:solidFill>
+                  <a:schemeClr val="lt1"/>
+                </a:solidFill>
+                <a:latin typeface="+mn-lt"/>
+                <a:ea typeface="+mn-ea"/>
+                <a:cs typeface="+mn-cs"/>
+              </a:defRPr>
+            </a:lvl8pPr>
+            <a:lvl9pPr marL="3657600" algn="l" defTabSz="914400" rtl="0" eaLnBrk="1" latinLnBrk="0" hangingPunct="1">
+              <a:defRPr sz="2000" kern="1200">
+                <a:solidFill>
+                  <a:schemeClr val="lt1"/>
+                </a:solidFill>
+                <a:latin typeface="+mn-lt"/>
+                <a:ea typeface="+mn-ea"/>
+                <a:cs typeface="+mn-cs"/>
+              </a:defRPr>
+            </a:lvl9pPr>
+          </a:lstStyle>
+          <a:p>
+            <a:pPr algn="ctr"/>
+            <a:r>
+              <a:rPr lang="de-DE" sz="850" dirty="0">
+                <a:solidFill>
+                  <a:schemeClr val="tx1">
+                    <a:lumMod val="60000"/>
+                    <a:lumOff val="40000"/>
+                  </a:schemeClr>
+                </a:solidFill>
+              </a:rPr>
+              <a:t>Frameworks</a:t>
+            </a:r>
+          </a:p>
+        </p:txBody>
+      </p:sp>
+      <p:sp>
+        <p:nvSpPr>
+          <p:cNvPr id="11" name="Rechteck 10">
+            <a:extLst>
+              <a:ext uri="{FF2B5EF4-FFF2-40B4-BE49-F238E27FC236}">
+                <a16:creationId xmlns:a16="http://schemas.microsoft.com/office/drawing/2014/main" id="{AD47D059-D87F-45E0-B770-2875B9D52EAB}"/>
+              </a:ext>
+            </a:extLst>
+          </p:cNvPr>
+          <p:cNvSpPr/>
+          <p:nvPr/>
+        </p:nvSpPr>
+        <p:spPr>
+          <a:xfrm>
+            <a:off x="5506411" y="120949"/>
+            <a:ext cx="1224136" cy="360040"/>
+          </a:xfrm>
+          <a:prstGeom prst="rect">
+            <a:avLst/>
+          </a:prstGeom>
+          <a:noFill/>
+          <a:ln>
+            <a:noFill/>
+          </a:ln>
+        </p:spPr>
+        <p:style>
+          <a:lnRef idx="2">
+            <a:schemeClr val="accent1">
+              <a:shade val="50000"/>
+            </a:schemeClr>
+          </a:lnRef>
+          <a:fillRef idx="1">
+            <a:schemeClr val="accent1"/>
+          </a:fillRef>
+          <a:effectRef idx="0">
+            <a:schemeClr val="accent1"/>
+          </a:effectRef>
+          <a:fontRef idx="minor">
+            <a:schemeClr val="lt1"/>
+          </a:fontRef>
+        </p:style>
+        <p:txBody>
+          <a:bodyPr rtlCol="0" anchor="ctr"/>
+          <a:lstStyle>
+            <a:defPPr>
+              <a:defRPr lang="de-DE"/>
+            </a:defPPr>
+            <a:lvl1pPr algn="l" rtl="0" fontAlgn="base">
+              <a:spcBef>
+                <a:spcPct val="0"/>
+              </a:spcBef>
+              <a:spcAft>
+                <a:spcPct val="0"/>
+              </a:spcAft>
+              <a:defRPr sz="2000" kern="1200">
+                <a:solidFill>
+                  <a:schemeClr val="lt1"/>
+                </a:solidFill>
+                <a:latin typeface="+mn-lt"/>
+                <a:ea typeface="+mn-ea"/>
+                <a:cs typeface="+mn-cs"/>
+              </a:defRPr>
+            </a:lvl1pPr>
+            <a:lvl2pPr marL="457200" algn="l" rtl="0" fontAlgn="base">
+              <a:spcBef>
+                <a:spcPct val="0"/>
+              </a:spcBef>
+              <a:spcAft>
+                <a:spcPct val="0"/>
+              </a:spcAft>
+              <a:defRPr sz="2000" kern="1200">
+                <a:solidFill>
+                  <a:schemeClr val="lt1"/>
+                </a:solidFill>
+                <a:latin typeface="+mn-lt"/>
+                <a:ea typeface="+mn-ea"/>
+                <a:cs typeface="+mn-cs"/>
+              </a:defRPr>
+            </a:lvl2pPr>
+            <a:lvl3pPr marL="914400" algn="l" rtl="0" fontAlgn="base">
+              <a:spcBef>
+                <a:spcPct val="0"/>
+              </a:spcBef>
+              <a:spcAft>
+                <a:spcPct val="0"/>
+              </a:spcAft>
+              <a:defRPr sz="2000" kern="1200">
+                <a:solidFill>
+                  <a:schemeClr val="lt1"/>
+                </a:solidFill>
+                <a:latin typeface="+mn-lt"/>
+                <a:ea typeface="+mn-ea"/>
+                <a:cs typeface="+mn-cs"/>
+              </a:defRPr>
+            </a:lvl3pPr>
+            <a:lvl4pPr marL="1371600" algn="l" rtl="0" fontAlgn="base">
+              <a:spcBef>
+                <a:spcPct val="0"/>
+              </a:spcBef>
+              <a:spcAft>
+                <a:spcPct val="0"/>
+              </a:spcAft>
+              <a:defRPr sz="2000" kern="1200">
+                <a:solidFill>
+                  <a:schemeClr val="lt1"/>
+                </a:solidFill>
+                <a:latin typeface="+mn-lt"/>
+                <a:ea typeface="+mn-ea"/>
+                <a:cs typeface="+mn-cs"/>
+              </a:defRPr>
+            </a:lvl4pPr>
+            <a:lvl5pPr marL="1828800" algn="l" rtl="0" fontAlgn="base">
+              <a:spcBef>
+                <a:spcPct val="0"/>
+              </a:spcBef>
+              <a:spcAft>
+                <a:spcPct val="0"/>
+              </a:spcAft>
+              <a:defRPr sz="2000" kern="1200">
+                <a:solidFill>
+                  <a:schemeClr val="lt1"/>
+                </a:solidFill>
+                <a:latin typeface="+mn-lt"/>
+                <a:ea typeface="+mn-ea"/>
+                <a:cs typeface="+mn-cs"/>
+              </a:defRPr>
+            </a:lvl5pPr>
+            <a:lvl6pPr marL="2286000" algn="l" defTabSz="914400" rtl="0" eaLnBrk="1" latinLnBrk="0" hangingPunct="1">
+              <a:defRPr sz="2000" kern="1200">
+                <a:solidFill>
+                  <a:schemeClr val="lt1"/>
+                </a:solidFill>
+                <a:latin typeface="+mn-lt"/>
+                <a:ea typeface="+mn-ea"/>
+                <a:cs typeface="+mn-cs"/>
+              </a:defRPr>
+            </a:lvl6pPr>
+            <a:lvl7pPr marL="2743200" algn="l" defTabSz="914400" rtl="0" eaLnBrk="1" latinLnBrk="0" hangingPunct="1">
+              <a:defRPr sz="2000" kern="1200">
+                <a:solidFill>
+                  <a:schemeClr val="lt1"/>
+                </a:solidFill>
+                <a:latin typeface="+mn-lt"/>
+                <a:ea typeface="+mn-ea"/>
+                <a:cs typeface="+mn-cs"/>
+              </a:defRPr>
+            </a:lvl7pPr>
+            <a:lvl8pPr marL="3200400" algn="l" defTabSz="914400" rtl="0" eaLnBrk="1" latinLnBrk="0" hangingPunct="1">
+              <a:defRPr sz="2000" kern="1200">
+                <a:solidFill>
+                  <a:schemeClr val="lt1"/>
+                </a:solidFill>
+                <a:latin typeface="+mn-lt"/>
+                <a:ea typeface="+mn-ea"/>
+                <a:cs typeface="+mn-cs"/>
+              </a:defRPr>
+            </a:lvl8pPr>
+            <a:lvl9pPr marL="3657600" algn="l" defTabSz="914400" rtl="0" eaLnBrk="1" latinLnBrk="0" hangingPunct="1">
+              <a:defRPr sz="2000" kern="1200">
+                <a:solidFill>
+                  <a:schemeClr val="lt1"/>
+                </a:solidFill>
+                <a:latin typeface="+mn-lt"/>
+                <a:ea typeface="+mn-ea"/>
+                <a:cs typeface="+mn-cs"/>
+              </a:defRPr>
+            </a:lvl9pPr>
+          </a:lstStyle>
+          <a:p>
+            <a:pPr algn="ctr"/>
+            <a:r>
+              <a:rPr lang="de-DE" sz="850" dirty="0">
+                <a:solidFill>
+                  <a:srgbClr val="7F0014"/>
+                </a:solidFill>
+              </a:rPr>
+              <a:t>JavaScript</a:t>
+            </a:r>
+          </a:p>
+        </p:txBody>
+      </p:sp>
+      <p:sp>
+        <p:nvSpPr>
+          <p:cNvPr id="12" name="Rechteck 11">
+            <a:extLst>
+              <a:ext uri="{FF2B5EF4-FFF2-40B4-BE49-F238E27FC236}">
+                <a16:creationId xmlns:a16="http://schemas.microsoft.com/office/drawing/2014/main" id="{E7DF345D-03CD-4F7B-AB19-0908CDBC6A7B}"/>
+              </a:ext>
+            </a:extLst>
+          </p:cNvPr>
+          <p:cNvSpPr/>
+          <p:nvPr/>
+        </p:nvSpPr>
+        <p:spPr>
+          <a:xfrm>
+            <a:off x="1835696" y="120949"/>
+            <a:ext cx="1224136" cy="360040"/>
+          </a:xfrm>
+          <a:prstGeom prst="rect">
+            <a:avLst/>
+          </a:prstGeom>
+          <a:noFill/>
+          <a:ln w="6350">
+            <a:noFill/>
+          </a:ln>
+        </p:spPr>
+        <p:style>
+          <a:lnRef idx="2">
+            <a:schemeClr val="accent1">
+              <a:shade val="50000"/>
+            </a:schemeClr>
+          </a:lnRef>
+          <a:fillRef idx="1">
+            <a:schemeClr val="accent1"/>
+          </a:fillRef>
+          <a:effectRef idx="0">
+            <a:schemeClr val="accent1"/>
+          </a:effectRef>
+          <a:fontRef idx="minor">
+            <a:schemeClr val="lt1"/>
+          </a:fontRef>
+        </p:style>
+        <p:txBody>
+          <a:bodyPr rtlCol="0" anchor="ctr"/>
+          <a:lstStyle>
+            <a:defPPr>
+              <a:defRPr lang="de-DE"/>
+            </a:defPPr>
+            <a:lvl1pPr algn="l" rtl="0" fontAlgn="base">
+              <a:spcBef>
+                <a:spcPct val="0"/>
+              </a:spcBef>
+              <a:spcAft>
+                <a:spcPct val="0"/>
+              </a:spcAft>
+              <a:defRPr sz="2000" kern="1200">
+                <a:solidFill>
+                  <a:schemeClr val="lt1"/>
+                </a:solidFill>
+                <a:latin typeface="+mn-lt"/>
+                <a:ea typeface="+mn-ea"/>
+                <a:cs typeface="+mn-cs"/>
+              </a:defRPr>
+            </a:lvl1pPr>
+            <a:lvl2pPr marL="457200" algn="l" rtl="0" fontAlgn="base">
+              <a:spcBef>
+                <a:spcPct val="0"/>
+              </a:spcBef>
+              <a:spcAft>
+                <a:spcPct val="0"/>
+              </a:spcAft>
+              <a:defRPr sz="2000" kern="1200">
+                <a:solidFill>
+                  <a:schemeClr val="lt1"/>
+                </a:solidFill>
+                <a:latin typeface="+mn-lt"/>
+                <a:ea typeface="+mn-ea"/>
+                <a:cs typeface="+mn-cs"/>
+              </a:defRPr>
+            </a:lvl2pPr>
+            <a:lvl3pPr marL="914400" algn="l" rtl="0" fontAlgn="base">
+              <a:spcBef>
+                <a:spcPct val="0"/>
+              </a:spcBef>
+              <a:spcAft>
+                <a:spcPct val="0"/>
+              </a:spcAft>
+              <a:defRPr sz="2000" kern="1200">
+                <a:solidFill>
+                  <a:schemeClr val="lt1"/>
+                </a:solidFill>
+                <a:latin typeface="+mn-lt"/>
+                <a:ea typeface="+mn-ea"/>
+                <a:cs typeface="+mn-cs"/>
+              </a:defRPr>
+            </a:lvl3pPr>
+            <a:lvl4pPr marL="1371600" algn="l" rtl="0" fontAlgn="base">
+              <a:spcBef>
+                <a:spcPct val="0"/>
+              </a:spcBef>
+              <a:spcAft>
+                <a:spcPct val="0"/>
+              </a:spcAft>
+              <a:defRPr sz="2000" kern="1200">
+                <a:solidFill>
+                  <a:schemeClr val="lt1"/>
+                </a:solidFill>
+                <a:latin typeface="+mn-lt"/>
+                <a:ea typeface="+mn-ea"/>
+                <a:cs typeface="+mn-cs"/>
+              </a:defRPr>
+            </a:lvl4pPr>
+            <a:lvl5pPr marL="1828800" algn="l" rtl="0" fontAlgn="base">
+              <a:spcBef>
+                <a:spcPct val="0"/>
+              </a:spcBef>
+              <a:spcAft>
+                <a:spcPct val="0"/>
+              </a:spcAft>
+              <a:defRPr sz="2000" kern="1200">
+                <a:solidFill>
+                  <a:schemeClr val="lt1"/>
+                </a:solidFill>
+                <a:latin typeface="+mn-lt"/>
+                <a:ea typeface="+mn-ea"/>
+                <a:cs typeface="+mn-cs"/>
+              </a:defRPr>
+            </a:lvl5pPr>
+            <a:lvl6pPr marL="2286000" algn="l" defTabSz="914400" rtl="0" eaLnBrk="1" latinLnBrk="0" hangingPunct="1">
+              <a:defRPr sz="2000" kern="1200">
+                <a:solidFill>
+                  <a:schemeClr val="lt1"/>
+                </a:solidFill>
+                <a:latin typeface="+mn-lt"/>
+                <a:ea typeface="+mn-ea"/>
+                <a:cs typeface="+mn-cs"/>
+              </a:defRPr>
+            </a:lvl6pPr>
+            <a:lvl7pPr marL="2743200" algn="l" defTabSz="914400" rtl="0" eaLnBrk="1" latinLnBrk="0" hangingPunct="1">
+              <a:defRPr sz="2000" kern="1200">
+                <a:solidFill>
+                  <a:schemeClr val="lt1"/>
+                </a:solidFill>
+                <a:latin typeface="+mn-lt"/>
+                <a:ea typeface="+mn-ea"/>
+                <a:cs typeface="+mn-cs"/>
+              </a:defRPr>
+            </a:lvl7pPr>
+            <a:lvl8pPr marL="3200400" algn="l" defTabSz="914400" rtl="0" eaLnBrk="1" latinLnBrk="0" hangingPunct="1">
+              <a:defRPr sz="2000" kern="1200">
+                <a:solidFill>
+                  <a:schemeClr val="lt1"/>
+                </a:solidFill>
+                <a:latin typeface="+mn-lt"/>
+                <a:ea typeface="+mn-ea"/>
+                <a:cs typeface="+mn-cs"/>
+              </a:defRPr>
+            </a:lvl8pPr>
+            <a:lvl9pPr marL="3657600" algn="l" defTabSz="914400" rtl="0" eaLnBrk="1" latinLnBrk="0" hangingPunct="1">
+              <a:defRPr sz="2000" kern="1200">
+                <a:solidFill>
+                  <a:schemeClr val="lt1"/>
+                </a:solidFill>
+                <a:latin typeface="+mn-lt"/>
+                <a:ea typeface="+mn-ea"/>
+                <a:cs typeface="+mn-cs"/>
+              </a:defRPr>
+            </a:lvl9pPr>
+          </a:lstStyle>
+          <a:p>
+            <a:pPr algn="ctr"/>
+            <a:r>
+              <a:rPr lang="de-DE" sz="850" dirty="0">
+                <a:solidFill>
+                  <a:schemeClr val="tx2">
+                    <a:lumMod val="50000"/>
+                    <a:lumOff val="50000"/>
+                  </a:schemeClr>
+                </a:solidFill>
+              </a:rPr>
+              <a:t>HTML</a:t>
+            </a:r>
+          </a:p>
+        </p:txBody>
+      </p:sp>
+      <p:sp>
+        <p:nvSpPr>
+          <p:cNvPr id="17" name="Titel 2">
+            <a:extLst>
+              <a:ext uri="{FF2B5EF4-FFF2-40B4-BE49-F238E27FC236}">
+                <a16:creationId xmlns:a16="http://schemas.microsoft.com/office/drawing/2014/main" id="{B88AE2C8-97D6-4724-B5BC-47A2729EAF74}"/>
+              </a:ext>
+            </a:extLst>
+          </p:cNvPr>
+          <p:cNvSpPr txBox="1">
+            <a:spLocks/>
+          </p:cNvSpPr>
+          <p:nvPr/>
+        </p:nvSpPr>
+        <p:spPr>
+          <a:xfrm>
+            <a:off x="323528" y="918101"/>
+            <a:ext cx="7236416" cy="432641"/>
+          </a:xfrm>
+          <a:prstGeom prst="rect">
+            <a:avLst/>
+          </a:prstGeom>
+        </p:spPr>
+        <p:txBody>
+          <a:bodyPr/>
+          <a:lstStyle>
+            <a:lvl1pPr algn="l" defTabSz="914400" rtl="0" eaLnBrk="1" latinLnBrk="0" hangingPunct="1">
+              <a:spcBef>
+                <a:spcPct val="0"/>
+              </a:spcBef>
+              <a:buNone/>
+              <a:defRPr sz="2400" kern="1200" baseline="0">
+                <a:solidFill>
+                  <a:schemeClr val="accent1"/>
+                </a:solidFill>
+                <a:latin typeface="+mj-lt"/>
+                <a:ea typeface="+mj-ea"/>
+                <a:cs typeface="+mj-cs"/>
+              </a:defRPr>
+            </a:lvl1pPr>
+          </a:lstStyle>
+          <a:p>
+            <a:pPr fontAlgn="auto">
+              <a:spcAft>
+                <a:spcPts val="0"/>
+              </a:spcAft>
+            </a:pPr>
+            <a:r>
+              <a:rPr lang="de-DE" dirty="0">
+                <a:solidFill>
+                  <a:srgbClr val="7F0014"/>
+                </a:solidFill>
+              </a:rPr>
+              <a:t>Java </a:t>
+            </a:r>
+            <a:r>
+              <a:rPr lang="de-DE" dirty="0" err="1">
+                <a:solidFill>
+                  <a:srgbClr val="7F0014"/>
+                </a:solidFill>
+              </a:rPr>
+              <a:t>Script</a:t>
+            </a:r>
+            <a:endParaRPr lang="de-DE" dirty="0">
+              <a:solidFill>
+                <a:srgbClr val="7F0014"/>
+              </a:solidFill>
+            </a:endParaRPr>
+          </a:p>
+        </p:txBody>
+      </p:sp>
+      <p:pic>
+        <p:nvPicPr>
+          <p:cNvPr id="26" name="Inhaltsplatzhalter 25">
+            <a:extLst>
+              <a:ext uri="{FF2B5EF4-FFF2-40B4-BE49-F238E27FC236}">
+                <a16:creationId xmlns:a16="http://schemas.microsoft.com/office/drawing/2014/main" id="{6B64CC33-2DC3-4039-9EBA-EBB81B058391}"/>
+              </a:ext>
+            </a:extLst>
+          </p:cNvPr>
+          <p:cNvPicPr>
+            <a:picLocks noGrp="1" noChangeAspect="1"/>
+          </p:cNvPicPr>
+          <p:nvPr>
+            <p:ph sz="quarter" idx="11"/>
+          </p:nvPr>
+        </p:nvPicPr>
+        <p:blipFill>
+          <a:blip r:embed="rId3"/>
+          <a:stretch>
+            <a:fillRect/>
+          </a:stretch>
+        </p:blipFill>
+        <p:spPr>
+          <a:xfrm>
+            <a:off x="2669204" y="1059582"/>
+            <a:ext cx="4061343" cy="3858277"/>
+          </a:xfrm>
+        </p:spPr>
+      </p:pic>
+    </p:spTree>
+    <p:extLst>
+      <p:ext uri="{BB962C8B-B14F-4D97-AF65-F5344CB8AC3E}">
+        <p14:creationId xmlns:p14="http://schemas.microsoft.com/office/powerpoint/2010/main" val="3762504787"/>
+      </p:ext>
+    </p:extLst>
+  </p:cSld>
+  <p:clrMapOvr>
+    <a:masterClrMapping/>
+  </p:clrMapOvr>
+</p:sld>
+</file>
+
 <file path=ppt/slides/slide3.xml><?xml version="1.0" encoding="utf-8"?>
+<p:sld xmlns:a="http://schemas.openxmlformats.org/drawingml/2006/main" xmlns:r="http://schemas.openxmlformats.org/officeDocument/2006/relationships" xmlns:p="http://schemas.openxmlformats.org/presentationml/2006/main">
+  <p:cSld>
+    <p:spTree>
+      <p:nvGrpSpPr>
+        <p:cNvPr id="1" name=""/>
+        <p:cNvGrpSpPr/>
+        <p:nvPr/>
+      </p:nvGrpSpPr>
+      <p:grpSpPr>
+        <a:xfrm>
+          <a:off x="0" y="0"/>
+          <a:ext cx="0" cy="0"/>
+          <a:chOff x="0" y="0"/>
+          <a:chExt cx="0" cy="0"/>
+        </a:xfrm>
+      </p:grpSpPr>
+      <p:sp>
+        <p:nvSpPr>
+          <p:cNvPr id="3" name="Titel 2"/>
+          <p:cNvSpPr>
+            <a:spLocks noGrp="1"/>
+          </p:cNvSpPr>
+          <p:nvPr>
+            <p:ph type="title"/>
+          </p:nvPr>
+        </p:nvSpPr>
+        <p:spPr/>
+        <p:txBody>
+          <a:bodyPr/>
+          <a:lstStyle/>
+          <a:p>
+            <a:r>
+              <a:rPr lang="de-DE" dirty="0"/>
+              <a:t>Bevor wir starten…</a:t>
+            </a:r>
+          </a:p>
+        </p:txBody>
+      </p:sp>
+      <p:sp>
+        <p:nvSpPr>
+          <p:cNvPr id="7" name="Inhaltsplatzhalter 14">
+            <a:extLst>
+              <a:ext uri="{FF2B5EF4-FFF2-40B4-BE49-F238E27FC236}">
+                <a16:creationId xmlns:a16="http://schemas.microsoft.com/office/drawing/2014/main" id="{91079029-CECD-4B32-A950-BE7B01C1686B}"/>
+              </a:ext>
+            </a:extLst>
+          </p:cNvPr>
+          <p:cNvSpPr txBox="1">
+            <a:spLocks/>
+          </p:cNvSpPr>
+          <p:nvPr/>
+        </p:nvSpPr>
+        <p:spPr>
+          <a:xfrm>
+            <a:off x="323528" y="1605299"/>
+            <a:ext cx="8423999" cy="3433225"/>
+          </a:xfrm>
+          <a:prstGeom prst="rect">
+            <a:avLst/>
+          </a:prstGeom>
+        </p:spPr>
+        <p:txBody>
+          <a:bodyPr/>
+          <a:lstStyle>
+            <a:lvl1pPr marL="342900" indent="-342900" algn="l" defTabSz="914400" rtl="0" eaLnBrk="1" latinLnBrk="0" hangingPunct="1">
+              <a:spcBef>
+                <a:spcPct val="20000"/>
+              </a:spcBef>
+              <a:buFont typeface="Arial" panose="020B0604020202020204" pitchFamily="34" charset="0"/>
+              <a:buChar char="•"/>
+              <a:defRPr sz="3200" kern="1200">
+                <a:solidFill>
+                  <a:schemeClr val="tx1"/>
+                </a:solidFill>
+                <a:latin typeface="+mn-lt"/>
+                <a:ea typeface="+mn-ea"/>
+                <a:cs typeface="+mn-cs"/>
+              </a:defRPr>
+            </a:lvl1pPr>
+            <a:lvl2pPr marL="742950" indent="-285750" algn="l" defTabSz="914400" rtl="0" eaLnBrk="1" latinLnBrk="0" hangingPunct="1">
+              <a:spcBef>
+                <a:spcPct val="20000"/>
+              </a:spcBef>
+              <a:buFont typeface="Arial" panose="020B0604020202020204" pitchFamily="34" charset="0"/>
+              <a:buChar char="–"/>
+              <a:defRPr sz="2800" kern="1200">
+                <a:solidFill>
+                  <a:schemeClr val="tx1"/>
+                </a:solidFill>
+                <a:latin typeface="+mn-lt"/>
+                <a:ea typeface="+mn-ea"/>
+                <a:cs typeface="+mn-cs"/>
+              </a:defRPr>
+            </a:lvl2pPr>
+            <a:lvl3pPr marL="1143000" indent="-228600" algn="l" defTabSz="914400" rtl="0" eaLnBrk="1" latinLnBrk="0" hangingPunct="1">
+              <a:spcBef>
+                <a:spcPct val="20000"/>
+              </a:spcBef>
+              <a:buFont typeface="Arial" panose="020B0604020202020204" pitchFamily="34" charset="0"/>
+              <a:buChar char="•"/>
+              <a:defRPr sz="2400" kern="1200">
+                <a:solidFill>
+                  <a:schemeClr val="tx1"/>
+                </a:solidFill>
+                <a:latin typeface="+mn-lt"/>
+                <a:ea typeface="+mn-ea"/>
+                <a:cs typeface="+mn-cs"/>
+              </a:defRPr>
+            </a:lvl3pPr>
+            <a:lvl4pPr marL="1600200" indent="-228600" algn="l" defTabSz="914400" rtl="0" eaLnBrk="1" latinLnBrk="0" hangingPunct="1">
+              <a:spcBef>
+                <a:spcPct val="20000"/>
+              </a:spcBef>
+              <a:buFont typeface="Arial" panose="020B0604020202020204" pitchFamily="34" charset="0"/>
+              <a:buChar char="–"/>
+              <a:defRPr sz="2000" kern="1200">
+                <a:solidFill>
+                  <a:schemeClr val="tx1"/>
+                </a:solidFill>
+                <a:latin typeface="+mn-lt"/>
+                <a:ea typeface="+mn-ea"/>
+                <a:cs typeface="+mn-cs"/>
+              </a:defRPr>
+            </a:lvl4pPr>
+            <a:lvl5pPr marL="2057400" indent="-228600" algn="l" defTabSz="914400" rtl="0" eaLnBrk="1" latinLnBrk="0" hangingPunct="1">
+              <a:spcBef>
+                <a:spcPct val="20000"/>
+              </a:spcBef>
+              <a:buFont typeface="Arial" panose="020B0604020202020204" pitchFamily="34" charset="0"/>
+              <a:buChar char="»"/>
+              <a:defRPr sz="2000" kern="1200">
+                <a:solidFill>
+                  <a:schemeClr val="tx1"/>
+                </a:solidFill>
+                <a:latin typeface="+mn-lt"/>
+                <a:ea typeface="+mn-ea"/>
+                <a:cs typeface="+mn-cs"/>
+              </a:defRPr>
+            </a:lvl5pPr>
+            <a:lvl6pPr marL="2514600" indent="-228600" algn="l" defTabSz="914400" rtl="0" eaLnBrk="1" latinLnBrk="0" hangingPunct="1">
+              <a:spcBef>
+                <a:spcPct val="20000"/>
+              </a:spcBef>
+              <a:buFont typeface="Arial" panose="020B0604020202020204" pitchFamily="34" charset="0"/>
+              <a:buChar char="•"/>
+              <a:defRPr sz="2000" kern="1200">
+                <a:solidFill>
+                  <a:schemeClr val="tx1"/>
+                </a:solidFill>
+                <a:latin typeface="+mn-lt"/>
+                <a:ea typeface="+mn-ea"/>
+                <a:cs typeface="+mn-cs"/>
+              </a:defRPr>
+            </a:lvl6pPr>
+            <a:lvl7pPr marL="2971800" indent="-228600" algn="l" defTabSz="914400" rtl="0" eaLnBrk="1" latinLnBrk="0" hangingPunct="1">
+              <a:spcBef>
+                <a:spcPct val="20000"/>
+              </a:spcBef>
+              <a:buFont typeface="Arial" panose="020B0604020202020204" pitchFamily="34" charset="0"/>
+              <a:buChar char="•"/>
+              <a:defRPr sz="2000" kern="1200">
+                <a:solidFill>
+                  <a:schemeClr val="tx1"/>
+                </a:solidFill>
+                <a:latin typeface="+mn-lt"/>
+                <a:ea typeface="+mn-ea"/>
+                <a:cs typeface="+mn-cs"/>
+              </a:defRPr>
+            </a:lvl7pPr>
+            <a:lvl8pPr marL="3429000" indent="-228600" algn="l" defTabSz="914400" rtl="0" eaLnBrk="1" latinLnBrk="0" hangingPunct="1">
+              <a:spcBef>
+                <a:spcPct val="20000"/>
+              </a:spcBef>
+              <a:buFont typeface="Arial" panose="020B0604020202020204" pitchFamily="34" charset="0"/>
+              <a:buChar char="•"/>
+              <a:defRPr sz="2000" kern="1200">
+                <a:solidFill>
+                  <a:schemeClr val="tx1"/>
+                </a:solidFill>
+                <a:latin typeface="+mn-lt"/>
+                <a:ea typeface="+mn-ea"/>
+                <a:cs typeface="+mn-cs"/>
+              </a:defRPr>
+            </a:lvl8pPr>
+            <a:lvl9pPr marL="3886200" indent="-228600" algn="l" defTabSz="914400" rtl="0" eaLnBrk="1" latinLnBrk="0" hangingPunct="1">
+              <a:spcBef>
+                <a:spcPct val="20000"/>
+              </a:spcBef>
+              <a:buFont typeface="Arial" panose="020B0604020202020204" pitchFamily="34" charset="0"/>
+              <a:buChar char="•"/>
+              <a:defRPr sz="2000" kern="1200">
+                <a:solidFill>
+                  <a:schemeClr val="tx1"/>
+                </a:solidFill>
+                <a:latin typeface="+mn-lt"/>
+                <a:ea typeface="+mn-ea"/>
+                <a:cs typeface="+mn-cs"/>
+              </a:defRPr>
+            </a:lvl9pPr>
+          </a:lstStyle>
+          <a:p>
+            <a:pPr marL="0" indent="0" fontAlgn="auto">
+              <a:spcAft>
+                <a:spcPts val="0"/>
+              </a:spcAft>
+              <a:buNone/>
+            </a:pPr>
+            <a:r>
+              <a:rPr lang="de-DE" altLang="de-DE" sz="1500" dirty="0"/>
+              <a:t>Benötigen wir</a:t>
+            </a:r>
+          </a:p>
+          <a:p>
+            <a:pPr marL="0" indent="0" fontAlgn="auto">
+              <a:spcAft>
+                <a:spcPts val="0"/>
+              </a:spcAft>
+              <a:buNone/>
+            </a:pPr>
+            <a:endParaRPr lang="de-DE" altLang="de-DE" sz="1500" dirty="0"/>
+          </a:p>
+          <a:p>
+            <a:pPr marL="0" indent="0" fontAlgn="auto">
+              <a:spcAft>
+                <a:spcPts val="0"/>
+              </a:spcAft>
+              <a:buNone/>
+            </a:pPr>
+            <a:r>
+              <a:rPr lang="de-DE" altLang="de-DE" sz="1500" dirty="0"/>
+              <a:t>-Visual Studio Code als Editor</a:t>
+            </a:r>
+          </a:p>
+          <a:p>
+            <a:pPr marL="0" indent="0" fontAlgn="auto">
+              <a:spcAft>
+                <a:spcPts val="0"/>
+              </a:spcAft>
+              <a:buNone/>
+            </a:pPr>
+            <a:r>
+              <a:rPr lang="de-DE" altLang="de-DE" sz="1500" dirty="0"/>
+              <a:t>-node.js als </a:t>
+            </a:r>
+            <a:r>
+              <a:rPr lang="de-DE" sz="1500" dirty="0"/>
+              <a:t>JavaScript-Laufzeitumgebung</a:t>
+            </a:r>
+            <a:br>
+              <a:rPr lang="de-DE" sz="1500" dirty="0"/>
+            </a:br>
+            <a:r>
+              <a:rPr lang="de-DE" sz="1500" dirty="0"/>
+              <a:t>-</a:t>
+            </a:r>
+            <a:r>
+              <a:rPr lang="de-DE" sz="1500" dirty="0" err="1"/>
+              <a:t>git</a:t>
+            </a:r>
+            <a:r>
+              <a:rPr lang="de-DE" sz="1500" dirty="0"/>
+              <a:t> für Versionsverwaltung</a:t>
+            </a:r>
+          </a:p>
+          <a:p>
+            <a:pPr marL="0" indent="0" fontAlgn="auto">
+              <a:spcAft>
+                <a:spcPts val="0"/>
+              </a:spcAft>
+              <a:buNone/>
+            </a:pPr>
+            <a:r>
+              <a:rPr lang="de-DE" altLang="de-DE" sz="1500" dirty="0"/>
+              <a:t>-</a:t>
+            </a:r>
+            <a:r>
+              <a:rPr lang="de-DE" altLang="de-DE" sz="1500" dirty="0" err="1"/>
+              <a:t>gulp</a:t>
+            </a:r>
+            <a:r>
+              <a:rPr lang="de-DE" altLang="de-DE" sz="1500" dirty="0"/>
+              <a:t> als </a:t>
+            </a:r>
+            <a:r>
+              <a:rPr lang="de-DE" sz="1500" dirty="0" err="1"/>
+              <a:t>Build</a:t>
+            </a:r>
+            <a:r>
+              <a:rPr lang="de-DE" sz="1500" dirty="0"/>
+              <a:t>-System</a:t>
+            </a:r>
+            <a:endParaRPr lang="de-DE" altLang="de-DE" sz="1500" dirty="0"/>
+          </a:p>
+          <a:p>
+            <a:pPr fontAlgn="auto">
+              <a:spcAft>
+                <a:spcPts val="0"/>
+              </a:spcAft>
+            </a:pPr>
+            <a:endParaRPr lang="de-DE" dirty="0"/>
+          </a:p>
+        </p:txBody>
+      </p:sp>
+    </p:spTree>
+    <p:extLst>
+      <p:ext uri="{BB962C8B-B14F-4D97-AF65-F5344CB8AC3E}">
+        <p14:creationId xmlns:p14="http://schemas.microsoft.com/office/powerpoint/2010/main" val="4075288905"/>
+      </p:ext>
+    </p:extLst>
+  </p:cSld>
+  <p:clrMapOvr>
+    <a:masterClrMapping/>
+  </p:clrMapOvr>
+</p:sld>
+</file>
+
+<file path=ppt/slides/slide4.xml><?xml version="1.0" encoding="utf-8"?>
 <p:sld xmlns:a="http://schemas.openxmlformats.org/drawingml/2006/main" xmlns:r="http://schemas.openxmlformats.org/officeDocument/2006/relationships" xmlns:p="http://schemas.openxmlformats.org/presentationml/2006/main">
   <p:cSld>
     <p:spTree>
@@ -26554,7 +29047,7 @@
 </p:sld>
 </file>
 
-<file path=ppt/slides/slide4.xml><?xml version="1.0" encoding="utf-8"?>
+<file path=ppt/slides/slide5.xml><?xml version="1.0" encoding="utf-8"?>
 <p:sld xmlns:a="http://schemas.openxmlformats.org/drawingml/2006/main" xmlns:r="http://schemas.openxmlformats.org/officeDocument/2006/relationships" xmlns:p="http://schemas.openxmlformats.org/presentationml/2006/main">
   <p:cSld>
     <p:spTree>
@@ -27341,282 +29834,35 @@
           </a:p>
         </p:txBody>
       </p:sp>
-      <p:sp>
-        <p:nvSpPr>
-          <p:cNvPr id="9" name="Inhaltsplatzhalter 14">
+      <p:pic>
+        <p:nvPicPr>
+          <p:cNvPr id="11" name="Inhaltsplatzhalter 10">
             <a:extLst>
               <a:ext uri="{FF2B5EF4-FFF2-40B4-BE49-F238E27FC236}">
-                <a16:creationId xmlns:a16="http://schemas.microsoft.com/office/drawing/2014/main" id="{7E91A68F-F4A1-48C4-B7FE-C2A83C0C9C27}"/>
+                <a16:creationId xmlns:a16="http://schemas.microsoft.com/office/drawing/2014/main" id="{762D58A8-FD92-4076-B809-334D8E1972A7}"/>
               </a:ext>
             </a:extLst>
           </p:cNvPr>
-          <p:cNvSpPr>
-            <a:spLocks noGrp="1"/>
-          </p:cNvSpPr>
+          <p:cNvPicPr>
+            <a:picLocks noGrp="1" noChangeAspect="1"/>
+          </p:cNvPicPr>
           <p:nvPr>
             <p:ph sz="quarter" idx="11"/>
           </p:nvPr>
-        </p:nvSpPr>
+        </p:nvPicPr>
+        <p:blipFill>
+          <a:blip r:embed="rId3"/>
+          <a:stretch>
+            <a:fillRect/>
+          </a:stretch>
+        </p:blipFill>
         <p:spPr>
           <a:xfrm>
-            <a:off x="323528" y="1605299"/>
-            <a:ext cx="8423999" cy="3433225"/>
+            <a:off x="416280" y="1570141"/>
+            <a:ext cx="7735375" cy="2532000"/>
           </a:xfrm>
         </p:spPr>
-        <p:txBody>
-          <a:bodyPr/>
-          <a:lstStyle/>
-          <a:p>
-            <a:pPr marL="0" lvl="0" indent="0" defTabSz="914400">
-              <a:lnSpc>
-                <a:spcPct val="100000"/>
-              </a:lnSpc>
-            </a:pPr>
-            <a:r>
-              <a:rPr lang="de-DE" altLang="de-DE" sz="1500" dirty="0"/>
-              <a:t>&lt;!DOCTYPE </a:t>
-            </a:r>
-            <a:r>
-              <a:rPr lang="de-DE" altLang="de-DE" sz="1500" dirty="0" err="1"/>
-              <a:t>html</a:t>
-            </a:r>
-            <a:r>
-              <a:rPr lang="de-DE" altLang="de-DE" sz="1500" dirty="0"/>
-              <a:t>&gt;</a:t>
-            </a:r>
-          </a:p>
-          <a:p>
-            <a:pPr marL="0" lvl="0" indent="0" defTabSz="914400">
-              <a:lnSpc>
-                <a:spcPct val="100000"/>
-              </a:lnSpc>
-            </a:pPr>
-            <a:r>
-              <a:rPr lang="de-DE" altLang="de-DE" sz="1500" dirty="0"/>
-              <a:t> &lt;</a:t>
-            </a:r>
-            <a:r>
-              <a:rPr lang="de-DE" altLang="de-DE" sz="1500" dirty="0" err="1"/>
-              <a:t>html</a:t>
-            </a:r>
-            <a:r>
-              <a:rPr lang="de-DE" altLang="de-DE" sz="1500" dirty="0"/>
-              <a:t> lang="de"&gt;</a:t>
-            </a:r>
-          </a:p>
-          <a:p>
-            <a:pPr marL="0" lvl="0" indent="0" defTabSz="914400">
-              <a:lnSpc>
-                <a:spcPct val="100000"/>
-              </a:lnSpc>
-            </a:pPr>
-            <a:r>
-              <a:rPr lang="de-DE" altLang="de-DE" sz="1500" dirty="0"/>
-              <a:t> &lt;</a:t>
-            </a:r>
-            <a:r>
-              <a:rPr lang="de-DE" altLang="de-DE" sz="1500" dirty="0" err="1"/>
-              <a:t>head</a:t>
-            </a:r>
-            <a:r>
-              <a:rPr lang="de-DE" altLang="de-DE" sz="1500" dirty="0"/>
-              <a:t>&gt; </a:t>
-            </a:r>
-          </a:p>
-          <a:p>
-            <a:pPr marL="0" lvl="0" indent="0" defTabSz="914400">
-              <a:lnSpc>
-                <a:spcPct val="100000"/>
-              </a:lnSpc>
-            </a:pPr>
-            <a:r>
-              <a:rPr lang="de-DE" altLang="de-DE" sz="1500" dirty="0"/>
-              <a:t>          &lt;</a:t>
-            </a:r>
-            <a:r>
-              <a:rPr lang="de-DE" altLang="de-DE" sz="1500" dirty="0" err="1"/>
-              <a:t>meta</a:t>
-            </a:r>
-            <a:r>
-              <a:rPr lang="de-DE" altLang="de-DE" sz="1500" dirty="0"/>
-              <a:t> </a:t>
-            </a:r>
-            <a:r>
-              <a:rPr lang="de-DE" altLang="de-DE" sz="1500" dirty="0" err="1"/>
-              <a:t>charset</a:t>
-            </a:r>
-            <a:r>
-              <a:rPr lang="de-DE" altLang="de-DE" sz="1500" dirty="0"/>
-              <a:t>="utf-8" /&gt;</a:t>
-            </a:r>
-          </a:p>
-          <a:p>
-            <a:pPr marL="0" lvl="0" indent="0" defTabSz="914400">
-              <a:lnSpc>
-                <a:spcPct val="100000"/>
-              </a:lnSpc>
-            </a:pPr>
-            <a:r>
-              <a:rPr lang="de-DE" altLang="de-DE" sz="1500" dirty="0"/>
-              <a:t>          &lt;</a:t>
-            </a:r>
-            <a:r>
-              <a:rPr lang="de-DE" altLang="de-DE" sz="1500" dirty="0" err="1"/>
-              <a:t>meta</a:t>
-            </a:r>
-            <a:r>
-              <a:rPr lang="de-DE" altLang="de-DE" sz="1500" dirty="0"/>
-              <a:t> </a:t>
-            </a:r>
-            <a:r>
-              <a:rPr lang="de-DE" altLang="de-DE" sz="1500" dirty="0" err="1"/>
-              <a:t>name</a:t>
-            </a:r>
-            <a:r>
-              <a:rPr lang="de-DE" altLang="de-DE" sz="1500" dirty="0"/>
-              <a:t>="</a:t>
-            </a:r>
-            <a:r>
-              <a:rPr lang="de-DE" altLang="de-DE" sz="1500" dirty="0" err="1"/>
-              <a:t>viewport</a:t>
-            </a:r>
-            <a:r>
-              <a:rPr lang="de-DE" altLang="de-DE" sz="1500" dirty="0"/>
-              <a:t>" </a:t>
-            </a:r>
-            <a:r>
-              <a:rPr lang="de-DE" altLang="de-DE" sz="1500" dirty="0" err="1"/>
-              <a:t>content</a:t>
-            </a:r>
-            <a:r>
-              <a:rPr lang="de-DE" altLang="de-DE" sz="1500" dirty="0"/>
-              <a:t>="</a:t>
-            </a:r>
-            <a:r>
-              <a:rPr lang="de-DE" altLang="de-DE" sz="1500" dirty="0" err="1"/>
-              <a:t>width</a:t>
-            </a:r>
-            <a:r>
-              <a:rPr lang="de-DE" altLang="de-DE" sz="1500" dirty="0"/>
-              <a:t>=</a:t>
-            </a:r>
-            <a:r>
-              <a:rPr lang="de-DE" altLang="de-DE" sz="1500" dirty="0" err="1"/>
-              <a:t>device-width</a:t>
-            </a:r>
-            <a:r>
-              <a:rPr lang="de-DE" altLang="de-DE" sz="1500" dirty="0"/>
-              <a:t>, initial-</a:t>
-            </a:r>
-            <a:r>
-              <a:rPr lang="de-DE" altLang="de-DE" sz="1500" dirty="0" err="1"/>
-              <a:t>scale</a:t>
-            </a:r>
-            <a:r>
-              <a:rPr lang="de-DE" altLang="de-DE" sz="1500" dirty="0"/>
-              <a:t>=1.0" /&gt;</a:t>
-            </a:r>
-          </a:p>
-          <a:p>
-            <a:pPr marL="0" lvl="0" indent="0" defTabSz="914400">
-              <a:lnSpc>
-                <a:spcPct val="100000"/>
-              </a:lnSpc>
-            </a:pPr>
-            <a:r>
-              <a:rPr lang="de-DE" altLang="de-DE" sz="1500" dirty="0"/>
-              <a:t>          &lt;title&gt;Titel&lt;/title&gt;</a:t>
-            </a:r>
-          </a:p>
-          <a:p>
-            <a:pPr marL="0" lvl="0" indent="0" defTabSz="914400">
-              <a:lnSpc>
-                <a:spcPct val="100000"/>
-              </a:lnSpc>
-            </a:pPr>
-            <a:r>
-              <a:rPr lang="de-DE" altLang="de-DE" sz="1500" dirty="0"/>
-              <a:t>&lt;/</a:t>
-            </a:r>
-            <a:r>
-              <a:rPr lang="de-DE" altLang="de-DE" sz="1500" dirty="0" err="1"/>
-              <a:t>head</a:t>
-            </a:r>
-            <a:r>
-              <a:rPr lang="de-DE" altLang="de-DE" sz="1500" dirty="0"/>
-              <a:t>&gt; </a:t>
-            </a:r>
-          </a:p>
-          <a:p>
-            <a:pPr marL="0" lvl="0" indent="0" defTabSz="914400">
-              <a:lnSpc>
-                <a:spcPct val="100000"/>
-              </a:lnSpc>
-            </a:pPr>
-            <a:r>
-              <a:rPr lang="de-DE" altLang="de-DE" sz="1500" dirty="0"/>
-              <a:t>&lt;</a:t>
-            </a:r>
-            <a:r>
-              <a:rPr lang="de-DE" altLang="de-DE" sz="1500" dirty="0" err="1"/>
-              <a:t>body</a:t>
-            </a:r>
-            <a:r>
-              <a:rPr lang="de-DE" altLang="de-DE" sz="1500" dirty="0"/>
-              <a:t>&gt; </a:t>
-            </a:r>
-          </a:p>
-          <a:p>
-            <a:pPr marL="0" lvl="0" indent="0" defTabSz="914400">
-              <a:lnSpc>
-                <a:spcPct val="100000"/>
-              </a:lnSpc>
-            </a:pPr>
-            <a:endParaRPr lang="de-DE" altLang="de-DE" sz="1500" dirty="0"/>
-          </a:p>
-          <a:p>
-            <a:pPr marL="0" lvl="0" indent="0" defTabSz="914400">
-              <a:lnSpc>
-                <a:spcPct val="100000"/>
-              </a:lnSpc>
-            </a:pPr>
-            <a:r>
-              <a:rPr lang="de-DE" altLang="de-DE" sz="1500" dirty="0"/>
-              <a:t> &lt;/</a:t>
-            </a:r>
-            <a:r>
-              <a:rPr lang="de-DE" altLang="de-DE" sz="1500" dirty="0" err="1"/>
-              <a:t>body</a:t>
-            </a:r>
-            <a:r>
-              <a:rPr lang="de-DE" altLang="de-DE" sz="1500" dirty="0"/>
-              <a:t>&gt;</a:t>
-            </a:r>
-          </a:p>
-          <a:p>
-            <a:pPr marL="0" lvl="0" indent="0" defTabSz="914400">
-              <a:lnSpc>
-                <a:spcPct val="100000"/>
-              </a:lnSpc>
-            </a:pPr>
-            <a:r>
-              <a:rPr lang="de-DE" altLang="de-DE" sz="1500" dirty="0"/>
-              <a:t> &lt;/</a:t>
-            </a:r>
-            <a:r>
-              <a:rPr lang="de-DE" altLang="de-DE" sz="1500" dirty="0" err="1"/>
-              <a:t>html</a:t>
-            </a:r>
-            <a:r>
-              <a:rPr lang="de-DE" altLang="de-DE" sz="1500" dirty="0"/>
-              <a:t>&gt; </a:t>
-            </a:r>
-          </a:p>
-          <a:p>
-            <a:endParaRPr lang="de-DE" dirty="0"/>
-          </a:p>
-        </p:txBody>
-      </p:sp>
+      </p:pic>
     </p:spTree>
     <p:extLst>
       <p:ext uri="{BB962C8B-B14F-4D97-AF65-F5344CB8AC3E}">
@@ -27630,7 +29876,7 @@
 </p:sld>
 </file>
 
-<file path=ppt/slides/slide5.xml><?xml version="1.0" encoding="utf-8"?>
+<file path=ppt/slides/slide6.xml><?xml version="1.0" encoding="utf-8"?>
 <p:sld xmlns:a="http://schemas.openxmlformats.org/drawingml/2006/main" xmlns:r="http://schemas.openxmlformats.org/officeDocument/2006/relationships" xmlns:p="http://schemas.openxmlformats.org/presentationml/2006/main">
   <p:cSld>
     <p:spTree>
@@ -29672,7 +31918,7 @@
 </p:sld>
 </file>
 
-<file path=ppt/slides/slide6.xml><?xml version="1.0" encoding="utf-8"?>
+<file path=ppt/slides/slide7.xml><?xml version="1.0" encoding="utf-8"?>
 <p:sld xmlns:a="http://schemas.openxmlformats.org/drawingml/2006/main" xmlns:r="http://schemas.openxmlformats.org/officeDocument/2006/relationships" xmlns:p="http://schemas.openxmlformats.org/presentationml/2006/main">
   <p:cSld>
     <p:spTree>
@@ -31833,7 +34079,7 @@
 </p:sld>
 </file>
 
-<file path=ppt/slides/slide7.xml><?xml version="1.0" encoding="utf-8"?>
+<file path=ppt/slides/slide8.xml><?xml version="1.0" encoding="utf-8"?>
 <p:sld xmlns:a="http://schemas.openxmlformats.org/drawingml/2006/main" xmlns:r="http://schemas.openxmlformats.org/officeDocument/2006/relationships" xmlns:p="http://schemas.openxmlformats.org/presentationml/2006/main">
   <p:cSld>
     <p:spTree>
@@ -32684,7 +34930,7 @@
 </p:sld>
 </file>
 
-<file path=ppt/slides/slide8.xml><?xml version="1.0" encoding="utf-8"?>
+<file path=ppt/slides/slide9.xml><?xml version="1.0" encoding="utf-8"?>
 <p:sld xmlns:a="http://schemas.openxmlformats.org/drawingml/2006/main" xmlns:r="http://schemas.openxmlformats.org/officeDocument/2006/relationships" xmlns:p="http://schemas.openxmlformats.org/presentationml/2006/main">
   <p:cSld>
     <p:spTree>
@@ -33623,856 +35869,6 @@
     <p:extLst>
       <p:ext uri="{BB962C8B-B14F-4D97-AF65-F5344CB8AC3E}">
         <p14:creationId xmlns:p14="http://schemas.microsoft.com/office/powerpoint/2010/main" val="1674789221"/>
-      </p:ext>
-    </p:extLst>
-  </p:cSld>
-  <p:clrMapOvr>
-    <a:masterClrMapping/>
-  </p:clrMapOvr>
-</p:sld>
-</file>
-
-<file path=ppt/slides/slide9.xml><?xml version="1.0" encoding="utf-8"?>
-<p:sld xmlns:a="http://schemas.openxmlformats.org/drawingml/2006/main" xmlns:r="http://schemas.openxmlformats.org/officeDocument/2006/relationships" xmlns:p="http://schemas.openxmlformats.org/presentationml/2006/main">
-  <p:cSld>
-    <p:spTree>
-      <p:nvGrpSpPr>
-        <p:cNvPr id="1" name=""/>
-        <p:cNvGrpSpPr/>
-        <p:nvPr/>
-      </p:nvGrpSpPr>
-      <p:grpSpPr>
-        <a:xfrm>
-          <a:off x="0" y="0"/>
-          <a:ext cx="0" cy="0"/>
-          <a:chOff x="0" y="0"/>
-          <a:chExt cx="0" cy="0"/>
-        </a:xfrm>
-      </p:grpSpPr>
-      <p:pic>
-        <p:nvPicPr>
-          <p:cNvPr id="11" name="Inhaltsplatzhalter 10">
-            <a:extLst>
-              <a:ext uri="{FF2B5EF4-FFF2-40B4-BE49-F238E27FC236}">
-                <a16:creationId xmlns:a16="http://schemas.microsoft.com/office/drawing/2014/main" id="{1DD20F73-674E-4544-A613-FA79E97E69EF}"/>
-              </a:ext>
-            </a:extLst>
-          </p:cNvPr>
-          <p:cNvPicPr>
-            <a:picLocks noGrp="1" noChangeAspect="1"/>
-          </p:cNvPicPr>
-          <p:nvPr>
-            <p:ph sz="quarter" idx="11"/>
-          </p:nvPr>
-        </p:nvPicPr>
-        <p:blipFill>
-          <a:blip r:embed="rId3"/>
-          <a:stretch>
-            <a:fillRect/>
-          </a:stretch>
-        </p:blipFill>
-        <p:spPr>
-          <a:xfrm>
-            <a:off x="1403648" y="1635646"/>
-            <a:ext cx="5621610" cy="2860594"/>
-          </a:xfrm>
-        </p:spPr>
-      </p:pic>
-      <p:sp>
-        <p:nvSpPr>
-          <p:cNvPr id="4" name="Rechteck 3">
-            <a:extLst>
-              <a:ext uri="{FF2B5EF4-FFF2-40B4-BE49-F238E27FC236}">
-                <a16:creationId xmlns:a16="http://schemas.microsoft.com/office/drawing/2014/main" id="{8D7F5EE0-0705-423E-A90C-5C0F1C81F1FE}"/>
-              </a:ext>
-            </a:extLst>
-          </p:cNvPr>
-          <p:cNvSpPr/>
-          <p:nvPr/>
-        </p:nvSpPr>
-        <p:spPr>
-          <a:xfrm>
-            <a:off x="3059832" y="120949"/>
-            <a:ext cx="1224136" cy="360040"/>
-          </a:xfrm>
-          <a:prstGeom prst="rect">
-            <a:avLst/>
-          </a:prstGeom>
-          <a:noFill/>
-          <a:ln>
-            <a:noFill/>
-          </a:ln>
-        </p:spPr>
-        <p:style>
-          <a:lnRef idx="2">
-            <a:schemeClr val="accent1">
-              <a:shade val="50000"/>
-            </a:schemeClr>
-          </a:lnRef>
-          <a:fillRef idx="1">
-            <a:schemeClr val="accent1"/>
-          </a:fillRef>
-          <a:effectRef idx="0">
-            <a:schemeClr val="accent1"/>
-          </a:effectRef>
-          <a:fontRef idx="minor">
-            <a:schemeClr val="lt1"/>
-          </a:fontRef>
-        </p:style>
-        <p:txBody>
-          <a:bodyPr rtlCol="0" anchor="ctr"/>
-          <a:lstStyle>
-            <a:defPPr>
-              <a:defRPr lang="de-DE"/>
-            </a:defPPr>
-            <a:lvl1pPr algn="l" rtl="0" fontAlgn="base">
-              <a:spcBef>
-                <a:spcPct val="0"/>
-              </a:spcBef>
-              <a:spcAft>
-                <a:spcPct val="0"/>
-              </a:spcAft>
-              <a:defRPr sz="2000" kern="1200">
-                <a:solidFill>
-                  <a:schemeClr val="lt1"/>
-                </a:solidFill>
-                <a:latin typeface="+mn-lt"/>
-                <a:ea typeface="+mn-ea"/>
-                <a:cs typeface="+mn-cs"/>
-              </a:defRPr>
-            </a:lvl1pPr>
-            <a:lvl2pPr marL="457200" algn="l" rtl="0" fontAlgn="base">
-              <a:spcBef>
-                <a:spcPct val="0"/>
-              </a:spcBef>
-              <a:spcAft>
-                <a:spcPct val="0"/>
-              </a:spcAft>
-              <a:defRPr sz="2000" kern="1200">
-                <a:solidFill>
-                  <a:schemeClr val="lt1"/>
-                </a:solidFill>
-                <a:latin typeface="+mn-lt"/>
-                <a:ea typeface="+mn-ea"/>
-                <a:cs typeface="+mn-cs"/>
-              </a:defRPr>
-            </a:lvl2pPr>
-            <a:lvl3pPr marL="914400" algn="l" rtl="0" fontAlgn="base">
-              <a:spcBef>
-                <a:spcPct val="0"/>
-              </a:spcBef>
-              <a:spcAft>
-                <a:spcPct val="0"/>
-              </a:spcAft>
-              <a:defRPr sz="2000" kern="1200">
-                <a:solidFill>
-                  <a:schemeClr val="lt1"/>
-                </a:solidFill>
-                <a:latin typeface="+mn-lt"/>
-                <a:ea typeface="+mn-ea"/>
-                <a:cs typeface="+mn-cs"/>
-              </a:defRPr>
-            </a:lvl3pPr>
-            <a:lvl4pPr marL="1371600" algn="l" rtl="0" fontAlgn="base">
-              <a:spcBef>
-                <a:spcPct val="0"/>
-              </a:spcBef>
-              <a:spcAft>
-                <a:spcPct val="0"/>
-              </a:spcAft>
-              <a:defRPr sz="2000" kern="1200">
-                <a:solidFill>
-                  <a:schemeClr val="lt1"/>
-                </a:solidFill>
-                <a:latin typeface="+mn-lt"/>
-                <a:ea typeface="+mn-ea"/>
-                <a:cs typeface="+mn-cs"/>
-              </a:defRPr>
-            </a:lvl4pPr>
-            <a:lvl5pPr marL="1828800" algn="l" rtl="0" fontAlgn="base">
-              <a:spcBef>
-                <a:spcPct val="0"/>
-              </a:spcBef>
-              <a:spcAft>
-                <a:spcPct val="0"/>
-              </a:spcAft>
-              <a:defRPr sz="2000" kern="1200">
-                <a:solidFill>
-                  <a:schemeClr val="lt1"/>
-                </a:solidFill>
-                <a:latin typeface="+mn-lt"/>
-                <a:ea typeface="+mn-ea"/>
-                <a:cs typeface="+mn-cs"/>
-              </a:defRPr>
-            </a:lvl5pPr>
-            <a:lvl6pPr marL="2286000" algn="l" defTabSz="914400" rtl="0" eaLnBrk="1" latinLnBrk="0" hangingPunct="1">
-              <a:defRPr sz="2000" kern="1200">
-                <a:solidFill>
-                  <a:schemeClr val="lt1"/>
-                </a:solidFill>
-                <a:latin typeface="+mn-lt"/>
-                <a:ea typeface="+mn-ea"/>
-                <a:cs typeface="+mn-cs"/>
-              </a:defRPr>
-            </a:lvl6pPr>
-            <a:lvl7pPr marL="2743200" algn="l" defTabSz="914400" rtl="0" eaLnBrk="1" latinLnBrk="0" hangingPunct="1">
-              <a:defRPr sz="2000" kern="1200">
-                <a:solidFill>
-                  <a:schemeClr val="lt1"/>
-                </a:solidFill>
-                <a:latin typeface="+mn-lt"/>
-                <a:ea typeface="+mn-ea"/>
-                <a:cs typeface="+mn-cs"/>
-              </a:defRPr>
-            </a:lvl7pPr>
-            <a:lvl8pPr marL="3200400" algn="l" defTabSz="914400" rtl="0" eaLnBrk="1" latinLnBrk="0" hangingPunct="1">
-              <a:defRPr sz="2000" kern="1200">
-                <a:solidFill>
-                  <a:schemeClr val="lt1"/>
-                </a:solidFill>
-                <a:latin typeface="+mn-lt"/>
-                <a:ea typeface="+mn-ea"/>
-                <a:cs typeface="+mn-cs"/>
-              </a:defRPr>
-            </a:lvl8pPr>
-            <a:lvl9pPr marL="3657600" algn="l" defTabSz="914400" rtl="0" eaLnBrk="1" latinLnBrk="0" hangingPunct="1">
-              <a:defRPr sz="2000" kern="1200">
-                <a:solidFill>
-                  <a:schemeClr val="lt1"/>
-                </a:solidFill>
-                <a:latin typeface="+mn-lt"/>
-                <a:ea typeface="+mn-ea"/>
-                <a:cs typeface="+mn-cs"/>
-              </a:defRPr>
-            </a:lvl9pPr>
-          </a:lstStyle>
-          <a:p>
-            <a:pPr algn="ctr"/>
-            <a:r>
-              <a:rPr lang="de-DE" sz="850" dirty="0">
-                <a:solidFill>
-                  <a:srgbClr val="7F0014"/>
-                </a:solidFill>
-              </a:rPr>
-              <a:t>CSS</a:t>
-            </a:r>
-          </a:p>
-        </p:txBody>
-      </p:sp>
-      <p:sp>
-        <p:nvSpPr>
-          <p:cNvPr id="5" name="Rechteck 4">
-            <a:extLst>
-              <a:ext uri="{FF2B5EF4-FFF2-40B4-BE49-F238E27FC236}">
-                <a16:creationId xmlns:a16="http://schemas.microsoft.com/office/drawing/2014/main" id="{576B55B6-FF80-4885-956B-150B335E16C5}"/>
-              </a:ext>
-            </a:extLst>
-          </p:cNvPr>
-          <p:cNvSpPr/>
-          <p:nvPr/>
-        </p:nvSpPr>
-        <p:spPr>
-          <a:xfrm>
-            <a:off x="4283968" y="120949"/>
-            <a:ext cx="1224136" cy="360040"/>
-          </a:xfrm>
-          <a:prstGeom prst="rect">
-            <a:avLst/>
-          </a:prstGeom>
-          <a:noFill/>
-          <a:ln>
-            <a:noFill/>
-          </a:ln>
-        </p:spPr>
-        <p:style>
-          <a:lnRef idx="2">
-            <a:schemeClr val="accent1">
-              <a:shade val="50000"/>
-            </a:schemeClr>
-          </a:lnRef>
-          <a:fillRef idx="1">
-            <a:schemeClr val="accent1"/>
-          </a:fillRef>
-          <a:effectRef idx="0">
-            <a:schemeClr val="accent1"/>
-          </a:effectRef>
-          <a:fontRef idx="minor">
-            <a:schemeClr val="lt1"/>
-          </a:fontRef>
-        </p:style>
-        <p:txBody>
-          <a:bodyPr rtlCol="0" anchor="ctr"/>
-          <a:lstStyle>
-            <a:defPPr>
-              <a:defRPr lang="de-DE"/>
-            </a:defPPr>
-            <a:lvl1pPr algn="l" rtl="0" fontAlgn="base">
-              <a:spcBef>
-                <a:spcPct val="0"/>
-              </a:spcBef>
-              <a:spcAft>
-                <a:spcPct val="0"/>
-              </a:spcAft>
-              <a:defRPr sz="2000" kern="1200">
-                <a:solidFill>
-                  <a:schemeClr val="lt1"/>
-                </a:solidFill>
-                <a:latin typeface="+mn-lt"/>
-                <a:ea typeface="+mn-ea"/>
-                <a:cs typeface="+mn-cs"/>
-              </a:defRPr>
-            </a:lvl1pPr>
-            <a:lvl2pPr marL="457200" algn="l" rtl="0" fontAlgn="base">
-              <a:spcBef>
-                <a:spcPct val="0"/>
-              </a:spcBef>
-              <a:spcAft>
-                <a:spcPct val="0"/>
-              </a:spcAft>
-              <a:defRPr sz="2000" kern="1200">
-                <a:solidFill>
-                  <a:schemeClr val="lt1"/>
-                </a:solidFill>
-                <a:latin typeface="+mn-lt"/>
-                <a:ea typeface="+mn-ea"/>
-                <a:cs typeface="+mn-cs"/>
-              </a:defRPr>
-            </a:lvl2pPr>
-            <a:lvl3pPr marL="914400" algn="l" rtl="0" fontAlgn="base">
-              <a:spcBef>
-                <a:spcPct val="0"/>
-              </a:spcBef>
-              <a:spcAft>
-                <a:spcPct val="0"/>
-              </a:spcAft>
-              <a:defRPr sz="2000" kern="1200">
-                <a:solidFill>
-                  <a:schemeClr val="lt1"/>
-                </a:solidFill>
-                <a:latin typeface="+mn-lt"/>
-                <a:ea typeface="+mn-ea"/>
-                <a:cs typeface="+mn-cs"/>
-              </a:defRPr>
-            </a:lvl3pPr>
-            <a:lvl4pPr marL="1371600" algn="l" rtl="0" fontAlgn="base">
-              <a:spcBef>
-                <a:spcPct val="0"/>
-              </a:spcBef>
-              <a:spcAft>
-                <a:spcPct val="0"/>
-              </a:spcAft>
-              <a:defRPr sz="2000" kern="1200">
-                <a:solidFill>
-                  <a:schemeClr val="lt1"/>
-                </a:solidFill>
-                <a:latin typeface="+mn-lt"/>
-                <a:ea typeface="+mn-ea"/>
-                <a:cs typeface="+mn-cs"/>
-              </a:defRPr>
-            </a:lvl4pPr>
-            <a:lvl5pPr marL="1828800" algn="l" rtl="0" fontAlgn="base">
-              <a:spcBef>
-                <a:spcPct val="0"/>
-              </a:spcBef>
-              <a:spcAft>
-                <a:spcPct val="0"/>
-              </a:spcAft>
-              <a:defRPr sz="2000" kern="1200">
-                <a:solidFill>
-                  <a:schemeClr val="lt1"/>
-                </a:solidFill>
-                <a:latin typeface="+mn-lt"/>
-                <a:ea typeface="+mn-ea"/>
-                <a:cs typeface="+mn-cs"/>
-              </a:defRPr>
-            </a:lvl5pPr>
-            <a:lvl6pPr marL="2286000" algn="l" defTabSz="914400" rtl="0" eaLnBrk="1" latinLnBrk="0" hangingPunct="1">
-              <a:defRPr sz="2000" kern="1200">
-                <a:solidFill>
-                  <a:schemeClr val="lt1"/>
-                </a:solidFill>
-                <a:latin typeface="+mn-lt"/>
-                <a:ea typeface="+mn-ea"/>
-                <a:cs typeface="+mn-cs"/>
-              </a:defRPr>
-            </a:lvl6pPr>
-            <a:lvl7pPr marL="2743200" algn="l" defTabSz="914400" rtl="0" eaLnBrk="1" latinLnBrk="0" hangingPunct="1">
-              <a:defRPr sz="2000" kern="1200">
-                <a:solidFill>
-                  <a:schemeClr val="lt1"/>
-                </a:solidFill>
-                <a:latin typeface="+mn-lt"/>
-                <a:ea typeface="+mn-ea"/>
-                <a:cs typeface="+mn-cs"/>
-              </a:defRPr>
-            </a:lvl7pPr>
-            <a:lvl8pPr marL="3200400" algn="l" defTabSz="914400" rtl="0" eaLnBrk="1" latinLnBrk="0" hangingPunct="1">
-              <a:defRPr sz="2000" kern="1200">
-                <a:solidFill>
-                  <a:schemeClr val="lt1"/>
-                </a:solidFill>
-                <a:latin typeface="+mn-lt"/>
-                <a:ea typeface="+mn-ea"/>
-                <a:cs typeface="+mn-cs"/>
-              </a:defRPr>
-            </a:lvl8pPr>
-            <a:lvl9pPr marL="3657600" algn="l" defTabSz="914400" rtl="0" eaLnBrk="1" latinLnBrk="0" hangingPunct="1">
-              <a:defRPr sz="2000" kern="1200">
-                <a:solidFill>
-                  <a:schemeClr val="lt1"/>
-                </a:solidFill>
-                <a:latin typeface="+mn-lt"/>
-                <a:ea typeface="+mn-ea"/>
-                <a:cs typeface="+mn-cs"/>
-              </a:defRPr>
-            </a:lvl9pPr>
-          </a:lstStyle>
-          <a:p>
-            <a:pPr algn="ctr"/>
-            <a:r>
-              <a:rPr lang="de-DE" sz="850" dirty="0">
-                <a:solidFill>
-                  <a:schemeClr val="tx1">
-                    <a:lumMod val="60000"/>
-                    <a:lumOff val="40000"/>
-                  </a:schemeClr>
-                </a:solidFill>
-              </a:rPr>
-              <a:t>Frameworks</a:t>
-            </a:r>
-          </a:p>
-        </p:txBody>
-      </p:sp>
-      <p:sp>
-        <p:nvSpPr>
-          <p:cNvPr id="6" name="Rechteck 5">
-            <a:extLst>
-              <a:ext uri="{FF2B5EF4-FFF2-40B4-BE49-F238E27FC236}">
-                <a16:creationId xmlns:a16="http://schemas.microsoft.com/office/drawing/2014/main" id="{C4282F28-7FB4-48C9-AAC3-41AEA5DD1721}"/>
-              </a:ext>
-            </a:extLst>
-          </p:cNvPr>
-          <p:cNvSpPr/>
-          <p:nvPr/>
-        </p:nvSpPr>
-        <p:spPr>
-          <a:xfrm>
-            <a:off x="5506411" y="120949"/>
-            <a:ext cx="1224136" cy="360040"/>
-          </a:xfrm>
-          <a:prstGeom prst="rect">
-            <a:avLst/>
-          </a:prstGeom>
-          <a:noFill/>
-          <a:ln>
-            <a:noFill/>
-          </a:ln>
-        </p:spPr>
-        <p:style>
-          <a:lnRef idx="2">
-            <a:schemeClr val="accent1">
-              <a:shade val="50000"/>
-            </a:schemeClr>
-          </a:lnRef>
-          <a:fillRef idx="1">
-            <a:schemeClr val="accent1"/>
-          </a:fillRef>
-          <a:effectRef idx="0">
-            <a:schemeClr val="accent1"/>
-          </a:effectRef>
-          <a:fontRef idx="minor">
-            <a:schemeClr val="lt1"/>
-          </a:fontRef>
-        </p:style>
-        <p:txBody>
-          <a:bodyPr rtlCol="0" anchor="ctr"/>
-          <a:lstStyle>
-            <a:defPPr>
-              <a:defRPr lang="de-DE"/>
-            </a:defPPr>
-            <a:lvl1pPr algn="l" rtl="0" fontAlgn="base">
-              <a:spcBef>
-                <a:spcPct val="0"/>
-              </a:spcBef>
-              <a:spcAft>
-                <a:spcPct val="0"/>
-              </a:spcAft>
-              <a:defRPr sz="2000" kern="1200">
-                <a:solidFill>
-                  <a:schemeClr val="lt1"/>
-                </a:solidFill>
-                <a:latin typeface="+mn-lt"/>
-                <a:ea typeface="+mn-ea"/>
-                <a:cs typeface="+mn-cs"/>
-              </a:defRPr>
-            </a:lvl1pPr>
-            <a:lvl2pPr marL="457200" algn="l" rtl="0" fontAlgn="base">
-              <a:spcBef>
-                <a:spcPct val="0"/>
-              </a:spcBef>
-              <a:spcAft>
-                <a:spcPct val="0"/>
-              </a:spcAft>
-              <a:defRPr sz="2000" kern="1200">
-                <a:solidFill>
-                  <a:schemeClr val="lt1"/>
-                </a:solidFill>
-                <a:latin typeface="+mn-lt"/>
-                <a:ea typeface="+mn-ea"/>
-                <a:cs typeface="+mn-cs"/>
-              </a:defRPr>
-            </a:lvl2pPr>
-            <a:lvl3pPr marL="914400" algn="l" rtl="0" fontAlgn="base">
-              <a:spcBef>
-                <a:spcPct val="0"/>
-              </a:spcBef>
-              <a:spcAft>
-                <a:spcPct val="0"/>
-              </a:spcAft>
-              <a:defRPr sz="2000" kern="1200">
-                <a:solidFill>
-                  <a:schemeClr val="lt1"/>
-                </a:solidFill>
-                <a:latin typeface="+mn-lt"/>
-                <a:ea typeface="+mn-ea"/>
-                <a:cs typeface="+mn-cs"/>
-              </a:defRPr>
-            </a:lvl3pPr>
-            <a:lvl4pPr marL="1371600" algn="l" rtl="0" fontAlgn="base">
-              <a:spcBef>
-                <a:spcPct val="0"/>
-              </a:spcBef>
-              <a:spcAft>
-                <a:spcPct val="0"/>
-              </a:spcAft>
-              <a:defRPr sz="2000" kern="1200">
-                <a:solidFill>
-                  <a:schemeClr val="lt1"/>
-                </a:solidFill>
-                <a:latin typeface="+mn-lt"/>
-                <a:ea typeface="+mn-ea"/>
-                <a:cs typeface="+mn-cs"/>
-              </a:defRPr>
-            </a:lvl4pPr>
-            <a:lvl5pPr marL="1828800" algn="l" rtl="0" fontAlgn="base">
-              <a:spcBef>
-                <a:spcPct val="0"/>
-              </a:spcBef>
-              <a:spcAft>
-                <a:spcPct val="0"/>
-              </a:spcAft>
-              <a:defRPr sz="2000" kern="1200">
-                <a:solidFill>
-                  <a:schemeClr val="lt1"/>
-                </a:solidFill>
-                <a:latin typeface="+mn-lt"/>
-                <a:ea typeface="+mn-ea"/>
-                <a:cs typeface="+mn-cs"/>
-              </a:defRPr>
-            </a:lvl5pPr>
-            <a:lvl6pPr marL="2286000" algn="l" defTabSz="914400" rtl="0" eaLnBrk="1" latinLnBrk="0" hangingPunct="1">
-              <a:defRPr sz="2000" kern="1200">
-                <a:solidFill>
-                  <a:schemeClr val="lt1"/>
-                </a:solidFill>
-                <a:latin typeface="+mn-lt"/>
-                <a:ea typeface="+mn-ea"/>
-                <a:cs typeface="+mn-cs"/>
-              </a:defRPr>
-            </a:lvl6pPr>
-            <a:lvl7pPr marL="2743200" algn="l" defTabSz="914400" rtl="0" eaLnBrk="1" latinLnBrk="0" hangingPunct="1">
-              <a:defRPr sz="2000" kern="1200">
-                <a:solidFill>
-                  <a:schemeClr val="lt1"/>
-                </a:solidFill>
-                <a:latin typeface="+mn-lt"/>
-                <a:ea typeface="+mn-ea"/>
-                <a:cs typeface="+mn-cs"/>
-              </a:defRPr>
-            </a:lvl7pPr>
-            <a:lvl8pPr marL="3200400" algn="l" defTabSz="914400" rtl="0" eaLnBrk="1" latinLnBrk="0" hangingPunct="1">
-              <a:defRPr sz="2000" kern="1200">
-                <a:solidFill>
-                  <a:schemeClr val="lt1"/>
-                </a:solidFill>
-                <a:latin typeface="+mn-lt"/>
-                <a:ea typeface="+mn-ea"/>
-                <a:cs typeface="+mn-cs"/>
-              </a:defRPr>
-            </a:lvl8pPr>
-            <a:lvl9pPr marL="3657600" algn="l" defTabSz="914400" rtl="0" eaLnBrk="1" latinLnBrk="0" hangingPunct="1">
-              <a:defRPr sz="2000" kern="1200">
-                <a:solidFill>
-                  <a:schemeClr val="lt1"/>
-                </a:solidFill>
-                <a:latin typeface="+mn-lt"/>
-                <a:ea typeface="+mn-ea"/>
-                <a:cs typeface="+mn-cs"/>
-              </a:defRPr>
-            </a:lvl9pPr>
-          </a:lstStyle>
-          <a:p>
-            <a:pPr algn="ctr"/>
-            <a:r>
-              <a:rPr lang="de-DE" sz="850" dirty="0">
-                <a:solidFill>
-                  <a:schemeClr val="tx1">
-                    <a:lumMod val="60000"/>
-                    <a:lumOff val="40000"/>
-                  </a:schemeClr>
-                </a:solidFill>
-              </a:rPr>
-              <a:t>JavaScript</a:t>
-            </a:r>
-          </a:p>
-        </p:txBody>
-      </p:sp>
-      <p:sp>
-        <p:nvSpPr>
-          <p:cNvPr id="7" name="Rechteck 6">
-            <a:extLst>
-              <a:ext uri="{FF2B5EF4-FFF2-40B4-BE49-F238E27FC236}">
-                <a16:creationId xmlns:a16="http://schemas.microsoft.com/office/drawing/2014/main" id="{178ADB80-7E7E-4D8A-9EE5-2F5C580A0F4F}"/>
-              </a:ext>
-            </a:extLst>
-          </p:cNvPr>
-          <p:cNvSpPr/>
-          <p:nvPr/>
-        </p:nvSpPr>
-        <p:spPr>
-          <a:xfrm>
-            <a:off x="1835696" y="120949"/>
-            <a:ext cx="1224136" cy="360040"/>
-          </a:xfrm>
-          <a:prstGeom prst="rect">
-            <a:avLst/>
-          </a:prstGeom>
-          <a:noFill/>
-          <a:ln w="6350">
-            <a:noFill/>
-          </a:ln>
-        </p:spPr>
-        <p:style>
-          <a:lnRef idx="2">
-            <a:schemeClr val="accent1">
-              <a:shade val="50000"/>
-            </a:schemeClr>
-          </a:lnRef>
-          <a:fillRef idx="1">
-            <a:schemeClr val="accent1"/>
-          </a:fillRef>
-          <a:effectRef idx="0">
-            <a:schemeClr val="accent1"/>
-          </a:effectRef>
-          <a:fontRef idx="minor">
-            <a:schemeClr val="lt1"/>
-          </a:fontRef>
-        </p:style>
-        <p:txBody>
-          <a:bodyPr rtlCol="0" anchor="ctr"/>
-          <a:lstStyle>
-            <a:defPPr>
-              <a:defRPr lang="de-DE"/>
-            </a:defPPr>
-            <a:lvl1pPr algn="l" rtl="0" fontAlgn="base">
-              <a:spcBef>
-                <a:spcPct val="0"/>
-              </a:spcBef>
-              <a:spcAft>
-                <a:spcPct val="0"/>
-              </a:spcAft>
-              <a:defRPr sz="2000" kern="1200">
-                <a:solidFill>
-                  <a:schemeClr val="lt1"/>
-                </a:solidFill>
-                <a:latin typeface="+mn-lt"/>
-                <a:ea typeface="+mn-ea"/>
-                <a:cs typeface="+mn-cs"/>
-              </a:defRPr>
-            </a:lvl1pPr>
-            <a:lvl2pPr marL="457200" algn="l" rtl="0" fontAlgn="base">
-              <a:spcBef>
-                <a:spcPct val="0"/>
-              </a:spcBef>
-              <a:spcAft>
-                <a:spcPct val="0"/>
-              </a:spcAft>
-              <a:defRPr sz="2000" kern="1200">
-                <a:solidFill>
-                  <a:schemeClr val="lt1"/>
-                </a:solidFill>
-                <a:latin typeface="+mn-lt"/>
-                <a:ea typeface="+mn-ea"/>
-                <a:cs typeface="+mn-cs"/>
-              </a:defRPr>
-            </a:lvl2pPr>
-            <a:lvl3pPr marL="914400" algn="l" rtl="0" fontAlgn="base">
-              <a:spcBef>
-                <a:spcPct val="0"/>
-              </a:spcBef>
-              <a:spcAft>
-                <a:spcPct val="0"/>
-              </a:spcAft>
-              <a:defRPr sz="2000" kern="1200">
-                <a:solidFill>
-                  <a:schemeClr val="lt1"/>
-                </a:solidFill>
-                <a:latin typeface="+mn-lt"/>
-                <a:ea typeface="+mn-ea"/>
-                <a:cs typeface="+mn-cs"/>
-              </a:defRPr>
-            </a:lvl3pPr>
-            <a:lvl4pPr marL="1371600" algn="l" rtl="0" fontAlgn="base">
-              <a:spcBef>
-                <a:spcPct val="0"/>
-              </a:spcBef>
-              <a:spcAft>
-                <a:spcPct val="0"/>
-              </a:spcAft>
-              <a:defRPr sz="2000" kern="1200">
-                <a:solidFill>
-                  <a:schemeClr val="lt1"/>
-                </a:solidFill>
-                <a:latin typeface="+mn-lt"/>
-                <a:ea typeface="+mn-ea"/>
-                <a:cs typeface="+mn-cs"/>
-              </a:defRPr>
-            </a:lvl4pPr>
-            <a:lvl5pPr marL="1828800" algn="l" rtl="0" fontAlgn="base">
-              <a:spcBef>
-                <a:spcPct val="0"/>
-              </a:spcBef>
-              <a:spcAft>
-                <a:spcPct val="0"/>
-              </a:spcAft>
-              <a:defRPr sz="2000" kern="1200">
-                <a:solidFill>
-                  <a:schemeClr val="lt1"/>
-                </a:solidFill>
-                <a:latin typeface="+mn-lt"/>
-                <a:ea typeface="+mn-ea"/>
-                <a:cs typeface="+mn-cs"/>
-              </a:defRPr>
-            </a:lvl5pPr>
-            <a:lvl6pPr marL="2286000" algn="l" defTabSz="914400" rtl="0" eaLnBrk="1" latinLnBrk="0" hangingPunct="1">
-              <a:defRPr sz="2000" kern="1200">
-                <a:solidFill>
-                  <a:schemeClr val="lt1"/>
-                </a:solidFill>
-                <a:latin typeface="+mn-lt"/>
-                <a:ea typeface="+mn-ea"/>
-                <a:cs typeface="+mn-cs"/>
-              </a:defRPr>
-            </a:lvl6pPr>
-            <a:lvl7pPr marL="2743200" algn="l" defTabSz="914400" rtl="0" eaLnBrk="1" latinLnBrk="0" hangingPunct="1">
-              <a:defRPr sz="2000" kern="1200">
-                <a:solidFill>
-                  <a:schemeClr val="lt1"/>
-                </a:solidFill>
-                <a:latin typeface="+mn-lt"/>
-                <a:ea typeface="+mn-ea"/>
-                <a:cs typeface="+mn-cs"/>
-              </a:defRPr>
-            </a:lvl7pPr>
-            <a:lvl8pPr marL="3200400" algn="l" defTabSz="914400" rtl="0" eaLnBrk="1" latinLnBrk="0" hangingPunct="1">
-              <a:defRPr sz="2000" kern="1200">
-                <a:solidFill>
-                  <a:schemeClr val="lt1"/>
-                </a:solidFill>
-                <a:latin typeface="+mn-lt"/>
-                <a:ea typeface="+mn-ea"/>
-                <a:cs typeface="+mn-cs"/>
-              </a:defRPr>
-            </a:lvl8pPr>
-            <a:lvl9pPr marL="3657600" algn="l" defTabSz="914400" rtl="0" eaLnBrk="1" latinLnBrk="0" hangingPunct="1">
-              <a:defRPr sz="2000" kern="1200">
-                <a:solidFill>
-                  <a:schemeClr val="lt1"/>
-                </a:solidFill>
-                <a:latin typeface="+mn-lt"/>
-                <a:ea typeface="+mn-ea"/>
-                <a:cs typeface="+mn-cs"/>
-              </a:defRPr>
-            </a:lvl9pPr>
-          </a:lstStyle>
-          <a:p>
-            <a:pPr algn="ctr"/>
-            <a:r>
-              <a:rPr lang="de-DE" sz="850" dirty="0">
-                <a:solidFill>
-                  <a:schemeClr val="tx2">
-                    <a:lumMod val="50000"/>
-                    <a:lumOff val="50000"/>
-                  </a:schemeClr>
-                </a:solidFill>
-              </a:rPr>
-              <a:t>HTML</a:t>
-            </a:r>
-          </a:p>
-        </p:txBody>
-      </p:sp>
-      <p:sp>
-        <p:nvSpPr>
-          <p:cNvPr id="8" name="Titel 2">
-            <a:extLst>
-              <a:ext uri="{FF2B5EF4-FFF2-40B4-BE49-F238E27FC236}">
-                <a16:creationId xmlns:a16="http://schemas.microsoft.com/office/drawing/2014/main" id="{A248A2E6-A5EB-4168-AF5E-E9AAABF8C617}"/>
-              </a:ext>
-            </a:extLst>
-          </p:cNvPr>
-          <p:cNvSpPr txBox="1">
-            <a:spLocks/>
-          </p:cNvSpPr>
-          <p:nvPr/>
-        </p:nvSpPr>
-        <p:spPr>
-          <a:xfrm>
-            <a:off x="323528" y="918101"/>
-            <a:ext cx="7236416" cy="432641"/>
-          </a:xfrm>
-          <a:prstGeom prst="rect">
-            <a:avLst/>
-          </a:prstGeom>
-        </p:spPr>
-        <p:txBody>
-          <a:bodyPr/>
-          <a:lstStyle>
-            <a:lvl1pPr algn="l" defTabSz="914400" rtl="0" eaLnBrk="1" latinLnBrk="0" hangingPunct="1">
-              <a:spcBef>
-                <a:spcPct val="0"/>
-              </a:spcBef>
-              <a:buNone/>
-              <a:defRPr sz="2400" kern="1200" baseline="0">
-                <a:solidFill>
-                  <a:schemeClr val="accent1"/>
-                </a:solidFill>
-                <a:latin typeface="+mj-lt"/>
-                <a:ea typeface="+mj-ea"/>
-                <a:cs typeface="+mj-cs"/>
-              </a:defRPr>
-            </a:lvl1pPr>
-          </a:lstStyle>
-          <a:p>
-            <a:pPr fontAlgn="auto">
-              <a:spcAft>
-                <a:spcPts val="0"/>
-              </a:spcAft>
-            </a:pPr>
-            <a:r>
-              <a:rPr lang="de-DE" dirty="0"/>
-              <a:t>Syntax/Aufbau</a:t>
-            </a:r>
-            <a:br>
-              <a:rPr lang="de-DE" b="1" dirty="0"/>
-            </a:br>
-            <a:endParaRPr lang="de-DE" dirty="0"/>
-          </a:p>
-        </p:txBody>
-      </p:sp>
-    </p:spTree>
-    <p:extLst>
-      <p:ext uri="{BB962C8B-B14F-4D97-AF65-F5344CB8AC3E}">
-        <p14:creationId xmlns:p14="http://schemas.microsoft.com/office/powerpoint/2010/main" val="1355048112"/>
       </p:ext>
     </p:extLst>
   </p:cSld>

--- a/Praesi/FE-Schulung Praesentation.pptx
+++ b/Praesi/FE-Schulung Praesentation.pptx
@@ -319,7 +319,7 @@
           <a:p>
             <a:fld id="{5E42E860-B07B-4BE4-A358-247042C1D2BF}" type="datetimeFigureOut">
               <a:rPr lang="de-DE" smtClean="0"/>
-              <a:t>12.03.2018</a:t>
+              <a:t>13.03.2018</a:t>
             </a:fld>
             <a:endParaRPr lang="de-DE"/>
           </a:p>
@@ -484,7 +484,7 @@
           <a:p>
             <a:fld id="{A4EF17EC-6D8A-4D39-9C28-C90EACA175B8}" type="datetimeFigureOut">
               <a:rPr lang="de-DE" smtClean="0"/>
-              <a:t>12.03.2018</a:t>
+              <a:t>13.03.2018</a:t>
             </a:fld>
             <a:endParaRPr lang="de-DE"/>
           </a:p>
@@ -2577,14 +2577,8 @@
           </a:p>
           <a:p>
             <a:r>
-              <a:rPr lang="de-DE" dirty="0">
-                <a:hlinkClick r:id="rId3"/>
-              </a:rPr>
-              <a:t>Wiederholung: HTML</a:t>
-            </a:r>
-            <a:r>
               <a:rPr lang="de-DE" dirty="0"/>
-              <a:t> legt fest, </a:t>
+              <a:t>- HTML legt fest, </a:t>
             </a:r>
             <a:r>
               <a:rPr lang="de-DE" b="1" dirty="0"/>
@@ -2597,20 +2591,8 @@
           </a:p>
           <a:p>
             <a:r>
-              <a:rPr lang="de-DE" dirty="0">
-                <a:hlinkClick r:id="rId3"/>
-              </a:rPr>
-              <a:t>Wiederholung: </a:t>
-            </a:r>
-            <a:r>
-              <a:rPr lang="de-DE" dirty="0">
-                <a:hlinkClick r:id="rId4"/>
-              </a:rPr>
-              <a:t>CSS</a:t>
-            </a:r>
-            <a:r>
               <a:rPr lang="de-DE" dirty="0"/>
-              <a:t> legt fest, </a:t>
+              <a:t>- CSS legt fest, </a:t>
             </a:r>
             <a:r>
               <a:rPr lang="de-DE" b="1" dirty="0"/>
@@ -2623,14 +2605,8 @@
           </a:p>
           <a:p>
             <a:r>
-              <a:rPr lang="de-DE" dirty="0">
-                <a:hlinkClick r:id="rId5"/>
-              </a:rPr>
-              <a:t>JavaScript</a:t>
-            </a:r>
-            <a:r>
               <a:rPr lang="de-DE" dirty="0"/>
-              <a:t> legt fest, was </a:t>
+              <a:t>- JavaScript legt fest, was </a:t>
             </a:r>
             <a:r>
               <a:rPr lang="de-DE" b="1" dirty="0"/>
